--- a/설계/설계 발표자료(강구원, 김기훈, 김태현).pptx
+++ b/설계/설계 발표자료(강구원, 김기훈, 김태현).pptx
@@ -1,48 +1,31 @@
 
 <file path=ppt/presentation.xml><?xml version="1.0" encoding="utf-8"?>
-<p:presentation xmlns:a="http://schemas.openxmlformats.org/drawingml/2006/main" xmlns:r="http://schemas.openxmlformats.org/officeDocument/2006/relationships" xmlns:p="http://schemas.openxmlformats.org/presentationml/2006/main" embedTrueTypeFonts="1" saveSubsetFonts="1">
+<p:presentation xmlns:r="http://schemas.openxmlformats.org/officeDocument/2006/relationships" xmlns:c="http://schemas.openxmlformats.org/drawingml/2006/chart" xmlns:a="http://schemas.openxmlformats.org/drawingml/2006/main" xmlns:dgm="http://schemas.openxmlformats.org/drawingml/2006/diagram" xmlns:dsp="http://schemas.microsoft.com/office/drawing/2008/diagram" xmlns:p="http://schemas.openxmlformats.org/presentationml/2006/main" embedTrueTypeFonts="1" saveSubsetFonts="1">
   <p:sldMasterIdLst>
-    <p:sldMasterId id="2147483648" r:id="rId1"/>
+    <p:sldMasterId id="2147483671" r:id="rId1"/>
   </p:sldMasterIdLst>
   <p:notesMasterIdLst>
-    <p:notesMasterId r:id="rId17"/>
+    <p:notesMasterId r:id="rId2"/>
   </p:notesMasterIdLst>
   <p:sldIdLst>
-    <p:sldId id="290" r:id="rId2"/>
-    <p:sldId id="274" r:id="rId3"/>
-    <p:sldId id="284" r:id="rId4"/>
-    <p:sldId id="279" r:id="rId5"/>
-    <p:sldId id="296" r:id="rId6"/>
-    <p:sldId id="291" r:id="rId7"/>
-    <p:sldId id="305" r:id="rId8"/>
-    <p:sldId id="297" r:id="rId9"/>
-    <p:sldId id="307" r:id="rId10"/>
-    <p:sldId id="306" r:id="rId11"/>
-    <p:sldId id="300" r:id="rId12"/>
-    <p:sldId id="308" r:id="rId13"/>
-    <p:sldId id="309" r:id="rId14"/>
-    <p:sldId id="293" r:id="rId15"/>
-    <p:sldId id="283" r:id="rId16"/>
+    <p:sldId id="256" r:id="rId3"/>
+    <p:sldId id="257" r:id="rId4"/>
+    <p:sldId id="258" r:id="rId5"/>
+    <p:sldId id="259" r:id="rId6"/>
+    <p:sldId id="260" r:id="rId7"/>
+    <p:sldId id="261" r:id="rId8"/>
+    <p:sldId id="262" r:id="rId9"/>
+    <p:sldId id="263" r:id="rId10"/>
+    <p:sldId id="264" r:id="rId11"/>
+    <p:sldId id="265" r:id="rId12"/>
+    <p:sldId id="266" r:id="rId13"/>
+    <p:sldId id="267" r:id="rId14"/>
+    <p:sldId id="268" r:id="rId15"/>
+    <p:sldId id="269" r:id="rId16"/>
+    <p:sldId id="270" r:id="rId17"/>
   </p:sldIdLst>
   <p:sldSz cx="9144000" cy="6858000" type="screen4x3"/>
   <p:notesSz cx="6805613" cy="9939338"/>
-  <p:embeddedFontLst>
-    <p:embeddedFont>
-      <p:font typeface="나눔명조" panose="020B0600000101010101" charset="-127"/>
-      <p:regular r:id="rId18"/>
-      <p:bold r:id="rId19"/>
-    </p:embeddedFont>
-    <p:embeddedFont>
-      <p:font typeface="나눔고딕" panose="020D0604000000000000" pitchFamily="50" charset="-127"/>
-      <p:regular r:id="rId20"/>
-      <p:bold r:id="rId21"/>
-    </p:embeddedFont>
-    <p:embeddedFont>
-      <p:font typeface="맑은 고딕" panose="020B0503020000020004" pitchFamily="50" charset="-127"/>
-      <p:regular r:id="rId22"/>
-      <p:bold r:id="rId23"/>
-    </p:embeddedFont>
-  </p:embeddedFontLst>
   <p:defaultTextStyle>
     <a:defPPr>
       <a:defRPr lang="ko-KR"/>
@@ -138,27 +121,11 @@
       </a:defRPr>
     </a:lvl9pPr>
   </p:defaultTextStyle>
-  <p:extLst>
-    <p:ext uri="{EFAFB233-063F-42B5-8137-9DF3F51BA10A}">
-      <p15:sldGuideLst xmlns:p15="http://schemas.microsoft.com/office/powerpoint/2012/main">
-        <p15:guide id="1" orient="horz" pos="2160">
-          <p15:clr>
-            <a:srgbClr val="A4A3A4"/>
-          </p15:clr>
-        </p15:guide>
-        <p15:guide id="2" pos="2880">
-          <p15:clr>
-            <a:srgbClr val="A4A3A4"/>
-          </p15:clr>
-        </p15:guide>
-      </p15:sldGuideLst>
-    </p:ext>
-  </p:extLst>
 </p:presentation>
 </file>
 
 <file path=ppt/notesMasters/notesMaster1.xml><?xml version="1.0" encoding="utf-8"?>
-<p:notesMaster xmlns:a="http://schemas.openxmlformats.org/drawingml/2006/main" xmlns:r="http://schemas.openxmlformats.org/officeDocument/2006/relationships" xmlns:p="http://schemas.openxmlformats.org/presentationml/2006/main">
+<p:notesMaster xmlns:r="http://schemas.openxmlformats.org/officeDocument/2006/relationships" xmlns:c="http://schemas.openxmlformats.org/drawingml/2006/chart" xmlns:a="http://schemas.openxmlformats.org/drawingml/2006/main" xmlns:dgm="http://schemas.openxmlformats.org/drawingml/2006/diagram" xmlns:dsp="http://schemas.microsoft.com/office/drawing/2008/diagram" xmlns:p="http://schemas.openxmlformats.org/presentationml/2006/main">
   <p:cSld>
     <p:bg>
       <p:bgRef idx="1001">
@@ -186,7 +153,7 @@
             <a:spLocks noGrp="1"/>
           </p:cNvSpPr>
           <p:nvPr>
-            <p:ph type="hdr" sz="quarter"/>
+            <p:ph type="hdr" sz="quarter" idx="0"/>
           </p:nvPr>
         </p:nvSpPr>
         <p:spPr>
@@ -199,13 +166,20 @@
           </a:prstGeom>
         </p:spPr>
         <p:txBody>
-          <a:bodyPr vert="horz" lIns="91440" tIns="45720" rIns="91440" bIns="45720" rtlCol="0"/>
+          <a:bodyPr vert="horz" lIns="91440" tIns="45720" rIns="91440" bIns="45720"/>
           <a:lstStyle>
             <a:lvl1pPr algn="l">
               <a:defRPr sz="1200"/>
             </a:lvl1pPr>
           </a:lstStyle>
           <a:p>
+            <a:pPr lvl="0">
+              <a:defRPr lang="ko-KR" altLang="en-US"/>
+            </a:pPr>
+            <a:r>
+              <a:rPr lang="ko-KR" altLang="en-US"/>
+              <a:t/>
+            </a:r>
             <a:endParaRPr lang="ko-KR" altLang="en-US"/>
           </a:p>
         </p:txBody>
@@ -230,17 +204,22 @@
           </a:prstGeom>
         </p:spPr>
         <p:txBody>
-          <a:bodyPr vert="horz" lIns="91440" tIns="45720" rIns="91440" bIns="45720" rtlCol="0"/>
+          <a:bodyPr vert="horz" lIns="91440" tIns="45720" rIns="91440" bIns="45720"/>
           <a:lstStyle>
             <a:lvl1pPr algn="r">
               <a:defRPr sz="1200"/>
             </a:lvl1pPr>
           </a:lstStyle>
           <a:p>
-            <a:fld id="{1C93BDC3-4723-42D4-B781-1C5284C3E015}" type="datetimeFigureOut">
-              <a:rPr lang="ko-KR" altLang="en-US" smtClean="0"/>
-              <a:pPr/>
-              <a:t>2018-10-11</a:t>
+            <a:pPr lvl="0">
+              <a:defRPr lang="ko-KR" altLang="en-US"/>
+            </a:pPr>
+            <a:fld id="{1C93BDC3-4723-42D4-B781-1C5284C3E015}" type="datetime1">
+              <a:rPr lang="ko-KR" altLang="en-US"/>
+              <a:pPr lvl="0">
+                <a:defRPr lang="ko-KR" altLang="en-US"/>
+              </a:pPr>
+              <a:t>2018-10-12</a:t>
             </a:fld>
             <a:endParaRPr lang="ko-KR" altLang="en-US"/>
           </a:p>
@@ -250,7 +229,7 @@
         <p:nvSpPr>
           <p:cNvPr id="4" name="슬라이드 이미지 개체 틀 3"/>
           <p:cNvSpPr>
-            <a:spLocks noGrp="1" noRot="1" noChangeAspect="1"/>
+            <a:spLocks noGrp="1" noRot="1" noChangeAspect="1" noTextEdit="1"/>
           </p:cNvSpPr>
           <p:nvPr>
             <p:ph type="sldImg" idx="2"/>
@@ -272,9 +251,12 @@
           </a:ln>
         </p:spPr>
         <p:txBody>
-          <a:bodyPr vert="horz" lIns="91440" tIns="45720" rIns="91440" bIns="45720" rtlCol="0" anchor="ctr"/>
+          <a:bodyPr vert="horz" lIns="91440" tIns="45720" rIns="91440" bIns="45720" anchor="ctr"/>
           <a:lstStyle/>
           <a:p>
+            <a:pPr lvl="0">
+              <a:defRPr lang="ko-KR" altLang="en-US"/>
+            </a:pPr>
             <a:endParaRPr lang="ko-KR" altLang="en-US"/>
           </a:p>
         </p:txBody>
@@ -299,44 +281,59 @@
           </a:prstGeom>
         </p:spPr>
         <p:txBody>
-          <a:bodyPr vert="horz" lIns="91440" tIns="45720" rIns="91440" bIns="45720" rtlCol="0">
-            <a:normAutofit/>
+          <a:bodyPr vert="horz" lIns="91440" tIns="45720" rIns="91440" bIns="45720">
+            <a:normAutofit lnSpcReduction="0"/>
           </a:bodyPr>
           <a:lstStyle/>
           <a:p>
-            <a:pPr lvl="0"/>
+            <a:pPr lvl="0">
+              <a:defRPr lang="ko-KR" altLang="en-US"/>
+            </a:pPr>
             <a:r>
               <a:rPr lang="ko-KR" altLang="en-US"/>
               <a:t>마스터 텍스트 스타일을 편집합니다</a:t>
             </a:r>
-          </a:p>
-          <a:p>
-            <a:pPr lvl="1"/>
+            <a:endParaRPr lang="ko-KR" altLang="en-US"/>
+          </a:p>
+          <a:p>
+            <a:pPr lvl="1">
+              <a:defRPr lang="ko-KR" altLang="en-US"/>
+            </a:pPr>
             <a:r>
               <a:rPr lang="ko-KR" altLang="en-US"/>
               <a:t>둘째 수준</a:t>
             </a:r>
-          </a:p>
-          <a:p>
-            <a:pPr lvl="2"/>
+            <a:endParaRPr lang="ko-KR" altLang="en-US"/>
+          </a:p>
+          <a:p>
+            <a:pPr lvl="2">
+              <a:defRPr lang="ko-KR" altLang="en-US"/>
+            </a:pPr>
             <a:r>
               <a:rPr lang="ko-KR" altLang="en-US"/>
               <a:t>셋째 수준</a:t>
             </a:r>
-          </a:p>
-          <a:p>
-            <a:pPr lvl="3"/>
+            <a:endParaRPr lang="ko-KR" altLang="en-US"/>
+          </a:p>
+          <a:p>
+            <a:pPr lvl="3">
+              <a:defRPr lang="ko-KR" altLang="en-US"/>
+            </a:pPr>
             <a:r>
               <a:rPr lang="ko-KR" altLang="en-US"/>
               <a:t>넷째 수준</a:t>
             </a:r>
-          </a:p>
-          <a:p>
-            <a:pPr lvl="4"/>
+            <a:endParaRPr lang="ko-KR" altLang="en-US"/>
+          </a:p>
+          <a:p>
+            <a:pPr lvl="4">
+              <a:defRPr lang="ko-KR" altLang="en-US"/>
+            </a:pPr>
             <a:r>
               <a:rPr lang="ko-KR" altLang="en-US"/>
               <a:t>다섯째 수준</a:t>
             </a:r>
+            <a:endParaRPr lang="ko-KR" altLang="en-US"/>
           </a:p>
         </p:txBody>
       </p:sp>
@@ -360,13 +357,20 @@
           </a:prstGeom>
         </p:spPr>
         <p:txBody>
-          <a:bodyPr vert="horz" lIns="91440" tIns="45720" rIns="91440" bIns="45720" rtlCol="0" anchor="b"/>
+          <a:bodyPr vert="horz" lIns="91440" tIns="45720" rIns="91440" bIns="45720" anchor="b"/>
           <a:lstStyle>
             <a:lvl1pPr algn="l">
               <a:defRPr sz="1200"/>
             </a:lvl1pPr>
           </a:lstStyle>
           <a:p>
+            <a:pPr lvl="0">
+              <a:defRPr lang="ko-KR" altLang="en-US"/>
+            </a:pPr>
+            <a:r>
+              <a:rPr lang="ko-KR" altLang="en-US"/>
+              <a:t/>
+            </a:r>
             <a:endParaRPr lang="ko-KR" altLang="en-US"/>
           </a:p>
         </p:txBody>
@@ -391,16 +395,21 @@
           </a:prstGeom>
         </p:spPr>
         <p:txBody>
-          <a:bodyPr vert="horz" lIns="91440" tIns="45720" rIns="91440" bIns="45720" rtlCol="0" anchor="b"/>
+          <a:bodyPr vert="horz" lIns="91440" tIns="45720" rIns="91440" bIns="45720" anchor="b"/>
           <a:lstStyle>
             <a:lvl1pPr algn="r">
               <a:defRPr sz="1200"/>
             </a:lvl1pPr>
           </a:lstStyle>
           <a:p>
+            <a:pPr lvl="0">
+              <a:defRPr lang="ko-KR" altLang="en-US"/>
+            </a:pPr>
             <a:fld id="{B8167502-FE0D-4B23-AE42-220E7B0B67C7}" type="slidenum">
-              <a:rPr lang="ko-KR" altLang="en-US" smtClean="0"/>
-              <a:pPr/>
+              <a:rPr lang="ko-KR" altLang="en-US"/>
+              <a:pPr lvl="0">
+                <a:defRPr lang="ko-KR" altLang="en-US"/>
+              </a:pPr>
               <a:t>‹#›</a:t>
             </a:fld>
             <a:endParaRPr lang="ko-KR" altLang="en-US"/>
@@ -410,6 +419,7 @@
     </p:spTree>
   </p:cSld>
   <p:clrMap bg1="lt1" tx1="dk1" bg2="lt2" tx2="dk2" accent1="accent1" accent2="accent2" accent3="accent3" accent4="accent4" accent5="accent5" accent6="accent6" hlink="hlink" folHlink="folHlink"/>
+  <p:hf hdr="0" ftr="0" dt="0"/>
   <p:notesStyle>
     <a:lvl1pPr marL="0" algn="l" defTabSz="914400" rtl="0" eaLnBrk="1" latinLnBrk="1" hangingPunct="1">
       <a:defRPr sz="1200" kern="1200">
@@ -506,7 +516,7 @@
 </file>
 
 <file path=ppt/notesSlides/notesSlide1.xml><?xml version="1.0" encoding="utf-8"?>
-<p:notes xmlns:a="http://schemas.openxmlformats.org/drawingml/2006/main" xmlns:r="http://schemas.openxmlformats.org/officeDocument/2006/relationships" xmlns:p="http://schemas.openxmlformats.org/presentationml/2006/main">
+<p:notes xmlns:r="http://schemas.openxmlformats.org/officeDocument/2006/relationships" xmlns:c="http://schemas.openxmlformats.org/drawingml/2006/chart" xmlns:a="http://schemas.openxmlformats.org/drawingml/2006/main" xmlns:dgm="http://schemas.openxmlformats.org/drawingml/2006/diagram" xmlns:dsp="http://schemas.microsoft.com/office/drawing/2008/diagram" xmlns:p="http://schemas.openxmlformats.org/presentationml/2006/main">
   <p:cSld>
     <p:spTree>
       <p:nvGrpSpPr>
@@ -526,10 +536,10 @@
         <p:nvSpPr>
           <p:cNvPr id="2" name="슬라이드 이미지 개체 틀 1"/>
           <p:cNvSpPr>
-            <a:spLocks noGrp="1" noRot="1" noChangeAspect="1"/>
+            <a:spLocks noGrp="1" noRot="1" noChangeAspect="1" noTextEdit="1"/>
           </p:cNvSpPr>
           <p:nvPr>
-            <p:ph type="sldImg"/>
+            <p:ph type="sldImg" idx="0"/>
           </p:nvPr>
         </p:nvSpPr>
         <p:spPr/>
@@ -549,7 +559,14 @@
           <a:bodyPr/>
           <a:lstStyle/>
           <a:p>
-            <a:endParaRPr lang="ko-KR" altLang="en-US" dirty="0"/>
+            <a:pPr lvl="0">
+              <a:defRPr lang="ko-KR" altLang="en-US"/>
+            </a:pPr>
+            <a:r>
+              <a:rPr lang="ko-KR" altLang="en-US"/>
+              <a:t/>
+            </a:r>
+            <a:endParaRPr lang="ko-KR" altLang="en-US"/>
           </a:p>
         </p:txBody>
       </p:sp>
@@ -568,9 +585,14 @@
           <a:bodyPr/>
           <a:lstStyle/>
           <a:p>
+            <a:pPr lvl="0">
+              <a:defRPr lang="ko-KR" altLang="en-US"/>
+            </a:pPr>
             <a:fld id="{B8167502-FE0D-4B23-AE42-220E7B0B67C7}" type="slidenum">
-              <a:rPr lang="ko-KR" altLang="en-US" smtClean="0"/>
-              <a:pPr/>
+              <a:rPr lang="ko-KR" altLang="en-US"/>
+              <a:pPr lvl="0">
+                <a:defRPr lang="ko-KR" altLang="en-US"/>
+              </a:pPr>
               <a:t>1</a:t>
             </a:fld>
             <a:endParaRPr lang="ko-KR" altLang="en-US"/>
@@ -578,15 +600,7 @@
         </p:txBody>
       </p:sp>
     </p:spTree>
-    <p:extLst>
-      <p:ext uri="{BB962C8B-B14F-4D97-AF65-F5344CB8AC3E}">
-        <p14:creationId xmlns:p14="http://schemas.microsoft.com/office/powerpoint/2010/main" val="1844805842"/>
-      </p:ext>
-    </p:extLst>
   </p:cSld>
-  <p:clrMapOvr>
-    <a:masterClrMapping/>
-  </p:clrMapOvr>
 </p:notes>
 </file>
 
@@ -3615,6 +3629,17 @@
               <a:tabLst/>
               <a:defRPr/>
             </a:pPr>
+            <a:r>
+              <a:rPr lang="en-US" altLang="ko-KR" sz="2100" spc="-150" dirty="0">
+                <a:solidFill>
+                  <a:schemeClr val="bg1"/>
+                </a:solidFill>
+                <a:latin typeface="나눔명조" pitchFamily="18" charset="-127"/>
+                <a:ea typeface="나눔명조" pitchFamily="18" charset="-127"/>
+                <a:cs typeface="+mj-cs"/>
+              </a:rPr>
+              <a:t>6</a:t>
+            </a:r>
             <a:endParaRPr kumimoji="0" lang="ko-KR" altLang="en-US" sz="2100" b="0" i="0" u="none" strike="noStrike" kern="1200" cap="none" spc="0" normalizeH="0" baseline="0" noProof="0" dirty="0">
               <a:ln>
                 <a:noFill/>
@@ -3661,7 +3686,7 @@
               </a:spcBef>
             </a:pPr>
             <a:r>
-              <a:rPr lang="ko-KR" altLang="en-US" sz="2100" dirty="0">
+              <a:rPr lang="ko-KR" altLang="en-US" sz="2100">
                 <a:solidFill>
                   <a:schemeClr val="bg1"/>
                 </a:solidFill>
@@ -3669,7 +3694,7 @@
                 <a:ea typeface="나눔명조" pitchFamily="18" charset="-127"/>
                 <a:cs typeface="+mj-cs"/>
               </a:rPr>
-              <a:t>시퀀스 다이어그램</a:t>
+              <a:t>컴포넌트 다이어그램</a:t>
             </a:r>
             <a:endParaRPr kumimoji="0" lang="ko-KR" altLang="en-US" sz="2100" i="0" u="none" strike="noStrike" kern="1200" cap="none" spc="0" normalizeH="0" baseline="0" noProof="0" dirty="0">
               <a:ln>
@@ -4065,7 +4090,7 @@
     </p:spTree>
     <p:extLst>
       <p:ext uri="{BB962C8B-B14F-4D97-AF65-F5344CB8AC3E}">
-        <p14:creationId xmlns:p14="http://schemas.microsoft.com/office/powerpoint/2010/main" val="963815179"/>
+        <p14:creationId xmlns:p14="http://schemas.microsoft.com/office/powerpoint/2010/main" val="3405046168"/>
       </p:ext>
     </p:extLst>
   </p:cSld>
@@ -4076,7 +4101,7 @@
 </file>
 
 <file path=ppt/slides/slide13.xml><?xml version="1.0" encoding="utf-8"?>
-<p:sld xmlns:a="http://schemas.openxmlformats.org/drawingml/2006/main" xmlns:r="http://schemas.openxmlformats.org/officeDocument/2006/relationships" xmlns:p="http://schemas.openxmlformats.org/presentationml/2006/main">
+<p:sld xmlns:r="http://schemas.openxmlformats.org/officeDocument/2006/relationships" xmlns:c="http://schemas.openxmlformats.org/drawingml/2006/chart" xmlns:a="http://schemas.openxmlformats.org/drawingml/2006/main" xmlns:dgm="http://schemas.openxmlformats.org/drawingml/2006/diagram" xmlns:dsp="http://schemas.microsoft.com/office/drawing/2008/diagram" xmlns:p="http://schemas.openxmlformats.org/presentationml/2006/main">
   <p:cSld>
     <p:spTree>
       <p:nvGrpSpPr>
@@ -4132,20 +4157,20 @@
           </a:fontRef>
         </p:style>
         <p:txBody>
-          <a:bodyPr rtlCol="0" anchor="ctr"/>
+          <a:bodyPr anchor="ctr"/>
           <a:lstStyle/>
           <a:p>
-            <a:pPr algn="ctr"/>
-            <a:endParaRPr lang="ko-KR" altLang="en-US" dirty="0"/>
+            <a:pPr algn="ctr">
+              <a:defRPr lang="ko-KR" altLang="en-US"/>
+            </a:pPr>
+            <a:endParaRPr lang="ko-KR" altLang="en-US"/>
           </a:p>
         </p:txBody>
       </p:sp>
       <p:sp>
         <p:nvSpPr>
           <p:cNvPr id="16" name="제목 1"/>
-          <p:cNvSpPr txBox="1">
-            <a:spLocks/>
-          </p:cNvSpPr>
+          <p:cNvSpPr txBox="1"/>
           <p:nvPr/>
         </p:nvSpPr>
         <p:spPr>
@@ -4158,12 +4183,12 @@
           </a:prstGeom>
         </p:spPr>
         <p:txBody>
-          <a:bodyPr vert="horz" lIns="91440" tIns="45720" rIns="91440" bIns="45720" rtlCol="0" anchor="ctr">
-            <a:normAutofit/>
+          <a:bodyPr vert="horz" lIns="91440" tIns="45720" rIns="91440" bIns="45720" anchor="ctr">
+            <a:normAutofit lnSpcReduction="0"/>
           </a:bodyPr>
           <a:lstStyle/>
           <a:p>
-            <a:pPr marL="0" marR="0" lvl="0" indent="0" algn="l" defTabSz="914400" rtl="0" eaLnBrk="1" fontAlgn="auto" latinLnBrk="1" hangingPunct="1">
+            <a:pPr marL="0" lvl="0" indent="0" algn="l" defTabSz="914400" eaLnBrk="1" latinLnBrk="1" hangingPunct="1">
               <a:lnSpc>
                 <a:spcPct val="100000"/>
               </a:lnSpc>
@@ -4171,38 +4196,29 @@
                 <a:spcPct val="0"/>
               </a:spcBef>
               <a:spcAft>
-                <a:spcPts val="0"/>
+                <a:spcPct val="0"/>
               </a:spcAft>
               <a:buClrTx/>
-              <a:buSzTx/>
-              <a:buFontTx/>
-              <a:buNone/>
-              <a:tabLst/>
-              <a:defRPr/>
+              <a:buNone/>
+              <a:defRPr lang="ko-KR"/>
             </a:pPr>
             <a:r>
-              <a:rPr lang="en-US" altLang="ko-KR" sz="2100" spc="-150" dirty="0">
+              <a:rPr lang="ko-KR" altLang="en-US" sz="2100" spc="-151">
                 <a:solidFill>
                   <a:schemeClr val="bg1"/>
                 </a:solidFill>
-                <a:latin typeface="나눔명조" pitchFamily="18" charset="-127"/>
-                <a:ea typeface="나눔명조" pitchFamily="18" charset="-127"/>
+                <a:latin typeface="나눔명조"/>
+                <a:ea typeface="나눔명조"/>
                 <a:cs typeface="+mj-cs"/>
               </a:rPr>
-              <a:t>6</a:t>
+              <a:t>7</a:t>
             </a:r>
-            <a:endParaRPr kumimoji="0" lang="ko-KR" altLang="en-US" sz="2100" b="0" i="0" u="none" strike="noStrike" kern="1200" cap="none" spc="0" normalizeH="0" baseline="0" noProof="0" dirty="0">
-              <a:ln>
-                <a:noFill/>
-              </a:ln>
+            <a:endParaRPr lang="ko-KR" altLang="en-US" sz="2100" spc="-151">
               <a:solidFill>
                 <a:schemeClr val="bg1"/>
               </a:solidFill>
-              <a:effectLst/>
-              <a:uLnTx/>
-              <a:uFillTx/>
-              <a:latin typeface="나눔명조" pitchFamily="18" charset="-127"/>
-              <a:ea typeface="나눔명조" pitchFamily="18" charset="-127"/>
+              <a:latin typeface="나눔명조"/>
+              <a:ea typeface="나눔명조"/>
               <a:cs typeface="+mj-cs"/>
             </a:endParaRPr>
           </a:p>
@@ -4211,9 +4227,7 @@
       <p:sp>
         <p:nvSpPr>
           <p:cNvPr id="17" name="제목 1"/>
-          <p:cNvSpPr txBox="1">
-            <a:spLocks/>
-          </p:cNvSpPr>
+          <p:cNvSpPr txBox="1"/>
           <p:nvPr/>
         </p:nvSpPr>
         <p:spPr>
@@ -4226,8 +4240,8 @@
           </a:prstGeom>
         </p:spPr>
         <p:txBody>
-          <a:bodyPr vert="horz" lIns="91440" tIns="45720" rIns="91440" bIns="45720" rtlCol="0" anchor="t">
-            <a:normAutofit/>
+          <a:bodyPr vert="horz" lIns="91440" tIns="45720" rIns="91440" bIns="45720" anchor="t">
+            <a:normAutofit lnSpcReduction="0"/>
           </a:bodyPr>
           <a:lstStyle/>
           <a:p>
@@ -4235,30 +4249,27 @@
               <a:spcBef>
                 <a:spcPct val="0"/>
               </a:spcBef>
+              <a:defRPr lang="ko-KR" altLang="en-US"/>
             </a:pPr>
             <a:r>
               <a:rPr lang="ko-KR" altLang="en-US" sz="2100">
                 <a:solidFill>
                   <a:schemeClr val="bg1"/>
                 </a:solidFill>
-                <a:latin typeface="나눔명조" pitchFamily="18" charset="-127"/>
-                <a:ea typeface="나눔명조" pitchFamily="18" charset="-127"/>
+                <a:latin typeface="나눔명조"/>
+                <a:ea typeface="나눔명조"/>
                 <a:cs typeface="+mj-cs"/>
               </a:rPr>
-              <a:t>컴포넌트 다이어그램</a:t>
+              <a:t>시퀀스 다이어그램</a:t>
             </a:r>
-            <a:endParaRPr kumimoji="0" lang="ko-KR" altLang="en-US" sz="2100" i="0" u="none" strike="noStrike" kern="1200" cap="none" spc="0" normalizeH="0" baseline="0" noProof="0" dirty="0">
-              <a:ln>
-                <a:noFill/>
-              </a:ln>
+            <a:endParaRPr lang="ko-KR" altLang="en-US" sz="2100">
               <a:solidFill>
                 <a:schemeClr val="bg1"/>
               </a:solidFill>
-              <a:effectLst/>
               <a:uLnTx/>
               <a:uFillTx/>
-              <a:latin typeface="나눔명조" pitchFamily="18" charset="-127"/>
-              <a:ea typeface="나눔명조" pitchFamily="18" charset="-127"/>
+              <a:latin typeface="나눔명조"/>
+              <a:ea typeface="나눔명조"/>
               <a:cs typeface="+mj-cs"/>
             </a:endParaRPr>
           </a:p>
@@ -4301,44 +4312,13 @@
       </p:cxnSp>
       <p:sp>
         <p:nvSpPr>
-          <p:cNvPr id="2" name="부제목 1">
-            <a:extLst>
-              <a:ext uri="{FF2B5EF4-FFF2-40B4-BE49-F238E27FC236}">
-                <a16:creationId xmlns:a16="http://schemas.microsoft.com/office/drawing/2014/main" id="{2870BB06-B5F8-40CA-AA73-CFDC6655B6A0}"/>
-              </a:ext>
-            </a:extLst>
-          </p:cNvPr>
-          <p:cNvSpPr>
-            <a:spLocks noGrp="1"/>
-          </p:cNvSpPr>
-          <p:nvPr>
-            <p:ph type="subTitle" idx="1"/>
-          </p:nvPr>
-        </p:nvSpPr>
-        <p:spPr/>
-        <p:txBody>
-          <a:bodyPr/>
-          <a:lstStyle/>
-          <a:p>
-            <a:endParaRPr lang="ko-KR" altLang="en-US"/>
-          </a:p>
-        </p:txBody>
-      </p:sp>
-      <p:sp>
-        <p:nvSpPr>
-          <p:cNvPr id="3" name="Rectangle 2">
-            <a:extLst>
-              <a:ext uri="{FF2B5EF4-FFF2-40B4-BE49-F238E27FC236}">
-                <a16:creationId xmlns:a16="http://schemas.microsoft.com/office/drawing/2014/main" id="{92EA2A47-4CFA-46AB-856B-6256A1EB6015}"/>
-              </a:ext>
-            </a:extLst>
-          </p:cNvPr>
+          <p:cNvPr id="3" name="Rectangle 2"/>
           <p:cNvSpPr>
             <a:spLocks noChangeArrowheads="1"/>
           </p:cNvSpPr>
           <p:nvPr/>
         </p:nvSpPr>
-        <p:spPr bwMode="auto">
+        <p:spPr>
           <a:xfrm>
             <a:off x="526256" y="558874"/>
             <a:ext cx="9144000" cy="457200"/>
@@ -4351,90 +4331,24 @@
             <a:noFill/>
           </a:ln>
           <a:effectLst/>
-          <a:extLst>
-            <a:ext uri="{909E8E84-426E-40DD-AFC4-6F175D3DCCD1}">
-              <a14:hiddenFill xmlns:a14="http://schemas.microsoft.com/office/drawing/2010/main">
-                <a:solidFill>
-                  <a:schemeClr val="accent1"/>
-                </a:solidFill>
-              </a14:hiddenFill>
-            </a:ext>
-            <a:ext uri="{91240B29-F687-4F45-9708-019B960494DF}">
-              <a14:hiddenLine xmlns:a14="http://schemas.microsoft.com/office/drawing/2010/main" w="9525">
-                <a:solidFill>
-                  <a:schemeClr val="tx1"/>
-                </a:solidFill>
-                <a:miter lim="800000"/>
-                <a:headEnd/>
-                <a:tailEnd/>
-              </a14:hiddenLine>
-            </a:ext>
-            <a:ext uri="{AF507438-7753-43E0-B8FC-AC1667EBCBE1}">
-              <a14:hiddenEffects xmlns:a14="http://schemas.microsoft.com/office/drawing/2010/main">
-                <a:effectLst>
-                  <a:outerShdw dist="35921" dir="2700000" algn="ctr" rotWithShape="0">
-                    <a:schemeClr val="bg2"/>
-                  </a:outerShdw>
-                </a:effectLst>
-              </a14:hiddenEffects>
-            </a:ext>
-          </a:extLst>
-        </p:spPr>
-        <p:txBody>
-          <a:bodyPr vert="horz" wrap="none" lIns="91440" tIns="45720" rIns="91440" bIns="45720" numCol="1" anchor="ctr" anchorCtr="0" compatLnSpc="1">
-            <a:prstTxWarp prst="textNoShape">
-              <a:avLst/>
-            </a:prstTxWarp>
-            <a:spAutoFit/>
+        </p:spPr>
+        <p:txBody>
+          <a:bodyPr vert="horz" wrap="square" lIns="91440" tIns="45720" rIns="91440" bIns="45720" anchor="ctr" anchorCtr="0">
+            <a:normAutofit lnSpcReduction="0"/>
           </a:bodyPr>
           <a:lstStyle/>
           <a:p>
+            <a:pPr lvl="0">
+              <a:defRPr lang="ko-KR" altLang="en-US"/>
+            </a:pPr>
             <a:endParaRPr lang="ko-KR" altLang="en-US"/>
           </a:p>
         </p:txBody>
       </p:sp>
-      <p:pic>
-        <p:nvPicPr>
-          <p:cNvPr id="4" name="그림 3">
-            <a:extLst>
-              <a:ext uri="{FF2B5EF4-FFF2-40B4-BE49-F238E27FC236}">
-                <a16:creationId xmlns:a16="http://schemas.microsoft.com/office/drawing/2014/main" id="{2EABDF66-859D-472E-9133-64F156DB9771}"/>
-              </a:ext>
-            </a:extLst>
-          </p:cNvPr>
-          <p:cNvPicPr>
-            <a:picLocks noChangeAspect="1"/>
-          </p:cNvPicPr>
-          <p:nvPr/>
-        </p:nvPicPr>
-        <p:blipFill>
-          <a:blip r:embed="rId2"/>
-          <a:stretch>
-            <a:fillRect/>
-          </a:stretch>
-        </p:blipFill>
-        <p:spPr>
-          <a:xfrm>
-            <a:off x="171450" y="1251702"/>
-            <a:ext cx="8801100" cy="4533900"/>
-          </a:xfrm>
-          <a:prstGeom prst="rect">
-            <a:avLst/>
-          </a:prstGeom>
-        </p:spPr>
-      </p:pic>
-      <p:sp>
-        <p:nvSpPr>
-          <p:cNvPr id="12" name="부제목 2">
-            <a:extLst>
-              <a:ext uri="{FF2B5EF4-FFF2-40B4-BE49-F238E27FC236}">
-                <a16:creationId xmlns:a16="http://schemas.microsoft.com/office/drawing/2014/main" id="{1ED58265-8868-4EB8-BEF0-3FB7D1EA5343}"/>
-              </a:ext>
-            </a:extLst>
-          </p:cNvPr>
-          <p:cNvSpPr txBox="1">
-            <a:spLocks/>
-          </p:cNvSpPr>
+      <p:sp>
+        <p:nvSpPr>
+          <p:cNvPr id="12" name="부제목 2"/>
+          <p:cNvSpPr txBox="1"/>
           <p:nvPr/>
         </p:nvSpPr>
         <p:spPr>
@@ -4447,7 +4361,7 @@
           </a:prstGeom>
         </p:spPr>
         <p:txBody>
-          <a:bodyPr vert="horz" lIns="91440" tIns="45720" rIns="91440" bIns="45720" rtlCol="0">
+          <a:bodyPr vert="horz" lIns="91440" tIns="45720" rIns="91440" bIns="45720">
             <a:noAutofit/>
           </a:bodyPr>
           <a:lstStyle>
@@ -4455,7 +4369,7 @@
               <a:spcBef>
                 <a:spcPct val="20000"/>
               </a:spcBef>
-              <a:buFont typeface="Arial" pitchFamily="34" charset="0"/>
+              <a:buFont typeface="Arial"/>
               <a:buNone/>
               <a:defRPr sz="3200" kern="1200">
                 <a:solidFill>
@@ -4472,7 +4386,7 @@
               <a:spcBef>
                 <a:spcPct val="20000"/>
               </a:spcBef>
-              <a:buFont typeface="Arial" pitchFamily="34" charset="0"/>
+              <a:buFont typeface="Arial"/>
               <a:buNone/>
               <a:defRPr sz="2800" kern="1200">
                 <a:solidFill>
@@ -4489,7 +4403,7 @@
               <a:spcBef>
                 <a:spcPct val="20000"/>
               </a:spcBef>
-              <a:buFont typeface="Arial" pitchFamily="34" charset="0"/>
+              <a:buFont typeface="Arial"/>
               <a:buNone/>
               <a:defRPr sz="2400" kern="1200">
                 <a:solidFill>
@@ -4506,7 +4420,7 @@
               <a:spcBef>
                 <a:spcPct val="20000"/>
               </a:spcBef>
-              <a:buFont typeface="Arial" pitchFamily="34" charset="0"/>
+              <a:buFont typeface="Arial"/>
               <a:buNone/>
               <a:defRPr sz="2000" kern="1200">
                 <a:solidFill>
@@ -4523,7 +4437,7 @@
               <a:spcBef>
                 <a:spcPct val="20000"/>
               </a:spcBef>
-              <a:buFont typeface="Arial" pitchFamily="34" charset="0"/>
+              <a:buFont typeface="Arial"/>
               <a:buNone/>
               <a:defRPr sz="2000" kern="1200">
                 <a:solidFill>
@@ -4540,7 +4454,7 @@
               <a:spcBef>
                 <a:spcPct val="20000"/>
               </a:spcBef>
-              <a:buFont typeface="Arial" pitchFamily="34" charset="0"/>
+              <a:buFont typeface="Arial"/>
               <a:buNone/>
               <a:defRPr sz="2000" kern="1200">
                 <a:solidFill>
@@ -4557,7 +4471,7 @@
               <a:spcBef>
                 <a:spcPct val="20000"/>
               </a:spcBef>
-              <a:buFont typeface="Arial" pitchFamily="34" charset="0"/>
+              <a:buFont typeface="Arial"/>
               <a:buNone/>
               <a:defRPr sz="2000" kern="1200">
                 <a:solidFill>
@@ -4574,7 +4488,7 @@
               <a:spcBef>
                 <a:spcPct val="20000"/>
               </a:spcBef>
-              <a:buFont typeface="Arial" pitchFamily="34" charset="0"/>
+              <a:buFont typeface="Arial"/>
               <a:buNone/>
               <a:defRPr sz="2000" kern="1200">
                 <a:solidFill>
@@ -4591,7 +4505,7 @@
               <a:spcBef>
                 <a:spcPct val="20000"/>
               </a:spcBef>
-              <a:buFont typeface="Arial" pitchFamily="34" charset="0"/>
+              <a:buFont typeface="Arial"/>
               <a:buNone/>
               <a:defRPr sz="2000" kern="1200">
                 <a:solidFill>
@@ -4610,44 +4524,74 @@
               <a:lnSpc>
                 <a:spcPct val="150000"/>
               </a:lnSpc>
+              <a:defRPr lang="ko-KR" altLang="en-US"/>
             </a:pPr>
             <a:r>
-              <a:rPr lang="en-US" altLang="ko-KR" sz="1800" spc="-20" dirty="0">
+              <a:rPr lang="ko-KR" altLang="en-US" sz="1800" spc="-23">
                 <a:solidFill>
                   <a:schemeClr val="bg1"/>
                 </a:solidFill>
-                <a:latin typeface="나눔고딕" pitchFamily="50" charset="-127"/>
-                <a:ea typeface="나눔고딕" pitchFamily="50" charset="-127"/>
+                <a:latin typeface="나눔고딕"/>
+                <a:ea typeface="나눔고딕"/>
               </a:rPr>
-              <a:t>Client Component</a:t>
+              <a:t>여행 경로 최적화</a:t>
             </a:r>
+            <a:endParaRPr lang="ko-KR" altLang="en-US" sz="1800" spc="-23">
+              <a:solidFill>
+                <a:schemeClr val="bg1"/>
+              </a:solidFill>
+              <a:latin typeface="나눔고딕"/>
+              <a:ea typeface="나눔고딕"/>
+            </a:endParaRPr>
           </a:p>
           <a:p>
             <a:pPr>
               <a:lnSpc>
                 <a:spcPct val="150000"/>
               </a:lnSpc>
+              <a:defRPr lang="ko-KR" altLang="en-US"/>
             </a:pPr>
-            <a:endParaRPr lang="en-US" altLang="ko-KR" sz="1800" spc="-20" dirty="0">
+            <a:endParaRPr lang="en-US" altLang="ko-KR" sz="1800" spc="-23">
               <a:solidFill>
                 <a:schemeClr val="bg1"/>
               </a:solidFill>
-              <a:latin typeface="나눔고딕" pitchFamily="50" charset="-127"/>
-              <a:ea typeface="나눔고딕" pitchFamily="50" charset="-127"/>
+              <a:latin typeface="나눔고딕"/>
+              <a:ea typeface="나눔고딕"/>
             </a:endParaRPr>
           </a:p>
         </p:txBody>
       </p:sp>
+      <p:pic>
+        <p:nvPicPr>
+          <p:cNvPr id="21" name=""/>
+          <p:cNvPicPr/>
+          <p:nvPr/>
+        </p:nvPicPr>
+        <p:blipFill rotWithShape="1">
+          <a:blip r:embed="rId2">
+            <a:lum/>
+          </a:blip>
+          <a:srcRect/>
+          <a:stretch>
+            <a:fillRect/>
+          </a:stretch>
+        </p:blipFill>
+        <p:spPr>
+          <a:xfrm>
+            <a:off x="140067" y="1309271"/>
+            <a:ext cx="8752412" cy="4856032"/>
+          </a:xfrm>
+          <a:prstGeom prst="rect">
+            <a:avLst/>
+          </a:prstGeom>
+        </p:spPr>
+      </p:pic>
     </p:spTree>
-    <p:extLst>
-      <p:ext uri="{BB962C8B-B14F-4D97-AF65-F5344CB8AC3E}">
-        <p14:creationId xmlns:p14="http://schemas.microsoft.com/office/powerpoint/2010/main" val="3405046168"/>
-      </p:ext>
-    </p:extLst>
   </p:cSld>
   <p:clrMapOvr>
     <a:masterClrMapping/>
   </p:clrMapOvr>
+  <p:transition xmlns:mc="http://schemas.openxmlformats.org/markup-compatibility/2006" xmlns:hp="http://schemas.haansoft.com/office/presentation/8.0" mc:Ignorable="hp" hp:hslDur="500"/>
 </p:sld>
 </file>
 
@@ -9453,44 +9397,44 @@
 </file>
 
 <file path=ppt/theme/theme1.xml><?xml version="1.0" encoding="utf-8"?>
-<a:theme xmlns:a="http://schemas.openxmlformats.org/drawingml/2006/main" name="Office 테마">
+<a:theme xmlns:r="http://schemas.openxmlformats.org/officeDocument/2006/relationships" xmlns:c="http://schemas.openxmlformats.org/drawingml/2006/chart" xmlns:dgm="http://schemas.openxmlformats.org/drawingml/2006/diagram" xmlns:dsp="http://schemas.microsoft.com/office/drawing/2008/diagram" xmlns:a="http://schemas.openxmlformats.org/drawingml/2006/main" xmlns:pic="http://schemas.openxmlformats.org/drawingml/2006/picture" xmlns:wp="http://schemas.openxmlformats.org/drawingml/2006/wordprocessingDrawing" xmlns:xdr="http://schemas.openxmlformats.org/drawingml/2006/spreadsheetDrawing" name="Office 테마">
   <a:themeElements>
     <a:clrScheme name="사용자 지정 9">
       <a:dk1>
         <a:sysClr val="windowText" lastClr="000000"/>
       </a:dk1>
       <a:lt1>
-        <a:sysClr val="window" lastClr="FFFFFF"/>
+        <a:sysClr val="window" lastClr="ffffff"/>
       </a:lt1>
       <a:dk2>
-        <a:srgbClr val="1F497D"/>
+        <a:srgbClr val="1f497d"/>
       </a:dk2>
       <a:lt2>
-        <a:srgbClr val="EEECE1"/>
+        <a:srgbClr val="eeece1"/>
       </a:lt2>
       <a:accent1>
-        <a:srgbClr val="4F81BD"/>
+        <a:srgbClr val="4f81bd"/>
       </a:accent1>
       <a:accent2>
-        <a:srgbClr val="C0504D"/>
+        <a:srgbClr val="c0504d"/>
       </a:accent2>
       <a:accent3>
-        <a:srgbClr val="9BBB59"/>
+        <a:srgbClr val="9bbb59"/>
       </a:accent3>
       <a:accent4>
-        <a:srgbClr val="8064A2"/>
+        <a:srgbClr val="8064a2"/>
       </a:accent4>
       <a:accent5>
-        <a:srgbClr val="4BACC6"/>
+        <a:srgbClr val="4bacc6"/>
       </a:accent5>
       <a:accent6>
-        <a:srgbClr val="F79646"/>
+        <a:srgbClr val="f79646"/>
       </a:accent6>
       <a:hlink>
-        <a:srgbClr val="FFFFFF"/>
+        <a:srgbClr val="ffffff"/>
       </a:hlink>
       <a:folHlink>
-        <a:srgbClr val="D8D8D8"/>
+        <a:srgbClr val="d8d8d8"/>
       </a:folHlink>
     </a:clrScheme>
     <a:fontScheme name="나눔명조">
@@ -9607,17 +9551,6 @@
               </a:srgbClr>
             </a:outerShdw>
           </a:effectLst>
-          <a:scene3d>
-            <a:camera prst="orthographicFront">
-              <a:rot lat="0" lon="0" rev="0"/>
-            </a:camera>
-            <a:lightRig rig="threePt" dir="t">
-              <a:rot lat="0" lon="0" rev="1200000"/>
-            </a:lightRig>
-          </a:scene3d>
-          <a:sp3d>
-            <a:bevelT w="63500" h="25400"/>
-          </a:sp3d>
         </a:effectStyle>
       </a:effectStyleLst>
       <a:bgFillStyleLst>
@@ -9672,47 +9605,45 @@
       </a:bgFillStyleLst>
     </a:fmtScheme>
   </a:themeElements>
-  <a:objectDefaults/>
-  <a:extraClrSchemeLst/>
 </a:theme>
 </file>
 
 <file path=ppt/theme/theme2.xml><?xml version="1.0" encoding="utf-8"?>
-<a:theme xmlns:a="http://schemas.openxmlformats.org/drawingml/2006/main" name="Office 테마">
+<a:theme xmlns:r="http://schemas.openxmlformats.org/officeDocument/2006/relationships" xmlns:c="http://schemas.openxmlformats.org/drawingml/2006/chart" xmlns:dgm="http://schemas.openxmlformats.org/drawingml/2006/diagram" xmlns:dsp="http://schemas.microsoft.com/office/drawing/2008/diagram" xmlns:a="http://schemas.openxmlformats.org/drawingml/2006/main" xmlns:pic="http://schemas.openxmlformats.org/drawingml/2006/picture" xmlns:wp="http://schemas.openxmlformats.org/drawingml/2006/wordprocessingDrawing" xmlns:xdr="http://schemas.openxmlformats.org/drawingml/2006/spreadsheetDrawing" name="Office 테마">
   <a:themeElements>
     <a:clrScheme name="Office">
       <a:dk1>
         <a:sysClr val="windowText" lastClr="000000"/>
       </a:dk1>
       <a:lt1>
-        <a:sysClr val="window" lastClr="FFFFFF"/>
+        <a:sysClr val="window" lastClr="ffffff"/>
       </a:lt1>
       <a:dk2>
-        <a:srgbClr val="1F497D"/>
+        <a:srgbClr val="1f497d"/>
       </a:dk2>
       <a:lt2>
-        <a:srgbClr val="EEECE1"/>
+        <a:srgbClr val="eeece1"/>
       </a:lt2>
       <a:accent1>
-        <a:srgbClr val="4F81BD"/>
+        <a:srgbClr val="4f81bd"/>
       </a:accent1>
       <a:accent2>
-        <a:srgbClr val="C0504D"/>
+        <a:srgbClr val="c0504d"/>
       </a:accent2>
       <a:accent3>
-        <a:srgbClr val="9BBB59"/>
+        <a:srgbClr val="9bbb59"/>
       </a:accent3>
       <a:accent4>
-        <a:srgbClr val="8064A2"/>
+        <a:srgbClr val="8064a2"/>
       </a:accent4>
       <a:accent5>
-        <a:srgbClr val="4BACC6"/>
+        <a:srgbClr val="4bacc6"/>
       </a:accent5>
       <a:accent6>
-        <a:srgbClr val="F79646"/>
+        <a:srgbClr val="f79646"/>
       </a:accent6>
       <a:hlink>
-        <a:srgbClr val="0000FF"/>
+        <a:srgbClr val="0000ff"/>
       </a:hlink>
       <a:folHlink>
         <a:srgbClr val="800080"/>
@@ -9890,17 +9821,6 @@
               </a:srgbClr>
             </a:outerShdw>
           </a:effectLst>
-          <a:scene3d>
-            <a:camera prst="orthographicFront">
-              <a:rot lat="0" lon="0" rev="0"/>
-            </a:camera>
-            <a:lightRig rig="threePt" dir="t">
-              <a:rot lat="0" lon="0" rev="1200000"/>
-            </a:lightRig>
-          </a:scene3d>
-          <a:sp3d>
-            <a:bevelT w="63500" h="25400"/>
-          </a:sp3d>
         </a:effectStyle>
       </a:effectStyleLst>
       <a:bgFillStyleLst>
@@ -9955,7 +9875,5 @@
       </a:bgFillStyleLst>
     </a:fmtScheme>
   </a:themeElements>
-  <a:objectDefaults/>
-  <a:extraClrSchemeLst/>
 </a:theme>
 </file>
--- a/설계/설계 발표자료(강구원, 김기훈, 김태현).pptx
+++ b/설계/설계 발표자료(강구원, 김기훈, 김태현).pptx
@@ -1,31 +1,48 @@
 
 <file path=ppt/presentation.xml><?xml version="1.0" encoding="utf-8"?>
-<p:presentation xmlns:r="http://schemas.openxmlformats.org/officeDocument/2006/relationships" xmlns:c="http://schemas.openxmlformats.org/drawingml/2006/chart" xmlns:a="http://schemas.openxmlformats.org/drawingml/2006/main" xmlns:dgm="http://schemas.openxmlformats.org/drawingml/2006/diagram" xmlns:dsp="http://schemas.microsoft.com/office/drawing/2008/diagram" xmlns:p="http://schemas.openxmlformats.org/presentationml/2006/main" embedTrueTypeFonts="1" saveSubsetFonts="1">
+<p:presentation xmlns:a="http://schemas.openxmlformats.org/drawingml/2006/main" xmlns:r="http://schemas.openxmlformats.org/officeDocument/2006/relationships" xmlns:p="http://schemas.openxmlformats.org/presentationml/2006/main" embedTrueTypeFonts="1" saveSubsetFonts="1">
   <p:sldMasterIdLst>
-    <p:sldMasterId id="2147483671" r:id="rId1"/>
+    <p:sldMasterId id="2147483648" r:id="rId1"/>
   </p:sldMasterIdLst>
   <p:notesMasterIdLst>
-    <p:notesMasterId r:id="rId2"/>
+    <p:notesMasterId r:id="rId17"/>
   </p:notesMasterIdLst>
   <p:sldIdLst>
-    <p:sldId id="256" r:id="rId3"/>
-    <p:sldId id="257" r:id="rId4"/>
-    <p:sldId id="258" r:id="rId5"/>
-    <p:sldId id="259" r:id="rId6"/>
-    <p:sldId id="260" r:id="rId7"/>
-    <p:sldId id="261" r:id="rId8"/>
-    <p:sldId id="262" r:id="rId9"/>
-    <p:sldId id="263" r:id="rId10"/>
-    <p:sldId id="264" r:id="rId11"/>
-    <p:sldId id="265" r:id="rId12"/>
-    <p:sldId id="266" r:id="rId13"/>
-    <p:sldId id="267" r:id="rId14"/>
-    <p:sldId id="268" r:id="rId15"/>
-    <p:sldId id="269" r:id="rId16"/>
-    <p:sldId id="270" r:id="rId17"/>
+    <p:sldId id="290" r:id="rId2"/>
+    <p:sldId id="274" r:id="rId3"/>
+    <p:sldId id="284" r:id="rId4"/>
+    <p:sldId id="279" r:id="rId5"/>
+    <p:sldId id="296" r:id="rId6"/>
+    <p:sldId id="291" r:id="rId7"/>
+    <p:sldId id="305" r:id="rId8"/>
+    <p:sldId id="297" r:id="rId9"/>
+    <p:sldId id="307" r:id="rId10"/>
+    <p:sldId id="306" r:id="rId11"/>
+    <p:sldId id="300" r:id="rId12"/>
+    <p:sldId id="308" r:id="rId13"/>
+    <p:sldId id="309" r:id="rId14"/>
+    <p:sldId id="293" r:id="rId15"/>
+    <p:sldId id="283" r:id="rId16"/>
   </p:sldIdLst>
   <p:sldSz cx="9144000" cy="6858000" type="screen4x3"/>
   <p:notesSz cx="6805613" cy="9939338"/>
+  <p:embeddedFontLst>
+    <p:embeddedFont>
+      <p:font typeface="나눔명조" panose="020B0600000101010101" charset="-127"/>
+      <p:regular r:id="rId18"/>
+      <p:bold r:id="rId19"/>
+    </p:embeddedFont>
+    <p:embeddedFont>
+      <p:font typeface="나눔고딕" panose="020D0604000000000000" pitchFamily="50" charset="-127"/>
+      <p:regular r:id="rId20"/>
+      <p:bold r:id="rId21"/>
+    </p:embeddedFont>
+    <p:embeddedFont>
+      <p:font typeface="맑은 고딕" panose="020B0503020000020004" pitchFamily="50" charset="-127"/>
+      <p:regular r:id="rId22"/>
+      <p:bold r:id="rId23"/>
+    </p:embeddedFont>
+  </p:embeddedFontLst>
   <p:defaultTextStyle>
     <a:defPPr>
       <a:defRPr lang="ko-KR"/>
@@ -121,11 +138,27 @@
       </a:defRPr>
     </a:lvl9pPr>
   </p:defaultTextStyle>
+  <p:extLst>
+    <p:ext uri="{EFAFB233-063F-42B5-8137-9DF3F51BA10A}">
+      <p15:sldGuideLst xmlns:p15="http://schemas.microsoft.com/office/powerpoint/2012/main">
+        <p15:guide id="1" orient="horz" pos="2160">
+          <p15:clr>
+            <a:srgbClr val="A4A3A4"/>
+          </p15:clr>
+        </p15:guide>
+        <p15:guide id="2" pos="2880">
+          <p15:clr>
+            <a:srgbClr val="A4A3A4"/>
+          </p15:clr>
+        </p15:guide>
+      </p15:sldGuideLst>
+    </p:ext>
+  </p:extLst>
 </p:presentation>
 </file>
 
 <file path=ppt/notesMasters/notesMaster1.xml><?xml version="1.0" encoding="utf-8"?>
-<p:notesMaster xmlns:r="http://schemas.openxmlformats.org/officeDocument/2006/relationships" xmlns:c="http://schemas.openxmlformats.org/drawingml/2006/chart" xmlns:a="http://schemas.openxmlformats.org/drawingml/2006/main" xmlns:dgm="http://schemas.openxmlformats.org/drawingml/2006/diagram" xmlns:dsp="http://schemas.microsoft.com/office/drawing/2008/diagram" xmlns:p="http://schemas.openxmlformats.org/presentationml/2006/main">
+<p:notesMaster xmlns:a="http://schemas.openxmlformats.org/drawingml/2006/main" xmlns:r="http://schemas.openxmlformats.org/officeDocument/2006/relationships" xmlns:p="http://schemas.openxmlformats.org/presentationml/2006/main">
   <p:cSld>
     <p:bg>
       <p:bgRef idx="1001">
@@ -153,7 +186,7 @@
             <a:spLocks noGrp="1"/>
           </p:cNvSpPr>
           <p:nvPr>
-            <p:ph type="hdr" sz="quarter" idx="0"/>
+            <p:ph type="hdr" sz="quarter"/>
           </p:nvPr>
         </p:nvSpPr>
         <p:spPr>
@@ -166,20 +199,13 @@
           </a:prstGeom>
         </p:spPr>
         <p:txBody>
-          <a:bodyPr vert="horz" lIns="91440" tIns="45720" rIns="91440" bIns="45720"/>
+          <a:bodyPr vert="horz" lIns="91440" tIns="45720" rIns="91440" bIns="45720" rtlCol="0"/>
           <a:lstStyle>
             <a:lvl1pPr algn="l">
               <a:defRPr sz="1200"/>
             </a:lvl1pPr>
           </a:lstStyle>
           <a:p>
-            <a:pPr lvl="0">
-              <a:defRPr lang="ko-KR" altLang="en-US"/>
-            </a:pPr>
-            <a:r>
-              <a:rPr lang="ko-KR" altLang="en-US"/>
-              <a:t/>
-            </a:r>
             <a:endParaRPr lang="ko-KR" altLang="en-US"/>
           </a:p>
         </p:txBody>
@@ -204,22 +230,17 @@
           </a:prstGeom>
         </p:spPr>
         <p:txBody>
-          <a:bodyPr vert="horz" lIns="91440" tIns="45720" rIns="91440" bIns="45720"/>
+          <a:bodyPr vert="horz" lIns="91440" tIns="45720" rIns="91440" bIns="45720" rtlCol="0"/>
           <a:lstStyle>
             <a:lvl1pPr algn="r">
               <a:defRPr sz="1200"/>
             </a:lvl1pPr>
           </a:lstStyle>
           <a:p>
-            <a:pPr lvl="0">
-              <a:defRPr lang="ko-KR" altLang="en-US"/>
-            </a:pPr>
-            <a:fld id="{1C93BDC3-4723-42D4-B781-1C5284C3E015}" type="datetime1">
-              <a:rPr lang="ko-KR" altLang="en-US"/>
-              <a:pPr lvl="0">
-                <a:defRPr lang="ko-KR" altLang="en-US"/>
-              </a:pPr>
-              <a:t>2018-10-12</a:t>
+            <a:fld id="{1C93BDC3-4723-42D4-B781-1C5284C3E015}" type="datetimeFigureOut">
+              <a:rPr lang="ko-KR" altLang="en-US" smtClean="0"/>
+              <a:pPr/>
+              <a:t>2018-10-15</a:t>
             </a:fld>
             <a:endParaRPr lang="ko-KR" altLang="en-US"/>
           </a:p>
@@ -229,7 +250,7 @@
         <p:nvSpPr>
           <p:cNvPr id="4" name="슬라이드 이미지 개체 틀 3"/>
           <p:cNvSpPr>
-            <a:spLocks noGrp="1" noRot="1" noChangeAspect="1" noTextEdit="1"/>
+            <a:spLocks noGrp="1" noRot="1" noChangeAspect="1"/>
           </p:cNvSpPr>
           <p:nvPr>
             <p:ph type="sldImg" idx="2"/>
@@ -251,12 +272,9 @@
           </a:ln>
         </p:spPr>
         <p:txBody>
-          <a:bodyPr vert="horz" lIns="91440" tIns="45720" rIns="91440" bIns="45720" anchor="ctr"/>
+          <a:bodyPr vert="horz" lIns="91440" tIns="45720" rIns="91440" bIns="45720" rtlCol="0" anchor="ctr"/>
           <a:lstStyle/>
           <a:p>
-            <a:pPr lvl="0">
-              <a:defRPr lang="ko-KR" altLang="en-US"/>
-            </a:pPr>
             <a:endParaRPr lang="ko-KR" altLang="en-US"/>
           </a:p>
         </p:txBody>
@@ -281,59 +299,44 @@
           </a:prstGeom>
         </p:spPr>
         <p:txBody>
-          <a:bodyPr vert="horz" lIns="91440" tIns="45720" rIns="91440" bIns="45720">
-            <a:normAutofit lnSpcReduction="0"/>
+          <a:bodyPr vert="horz" lIns="91440" tIns="45720" rIns="91440" bIns="45720" rtlCol="0">
+            <a:normAutofit/>
           </a:bodyPr>
           <a:lstStyle/>
           <a:p>
-            <a:pPr lvl="0">
-              <a:defRPr lang="ko-KR" altLang="en-US"/>
-            </a:pPr>
+            <a:pPr lvl="0"/>
             <a:r>
               <a:rPr lang="ko-KR" altLang="en-US"/>
               <a:t>마스터 텍스트 스타일을 편집합니다</a:t>
             </a:r>
-            <a:endParaRPr lang="ko-KR" altLang="en-US"/>
-          </a:p>
-          <a:p>
-            <a:pPr lvl="1">
-              <a:defRPr lang="ko-KR" altLang="en-US"/>
-            </a:pPr>
+          </a:p>
+          <a:p>
+            <a:pPr lvl="1"/>
             <a:r>
               <a:rPr lang="ko-KR" altLang="en-US"/>
               <a:t>둘째 수준</a:t>
             </a:r>
-            <a:endParaRPr lang="ko-KR" altLang="en-US"/>
-          </a:p>
-          <a:p>
-            <a:pPr lvl="2">
-              <a:defRPr lang="ko-KR" altLang="en-US"/>
-            </a:pPr>
+          </a:p>
+          <a:p>
+            <a:pPr lvl="2"/>
             <a:r>
               <a:rPr lang="ko-KR" altLang="en-US"/>
               <a:t>셋째 수준</a:t>
             </a:r>
-            <a:endParaRPr lang="ko-KR" altLang="en-US"/>
-          </a:p>
-          <a:p>
-            <a:pPr lvl="3">
-              <a:defRPr lang="ko-KR" altLang="en-US"/>
-            </a:pPr>
+          </a:p>
+          <a:p>
+            <a:pPr lvl="3"/>
             <a:r>
               <a:rPr lang="ko-KR" altLang="en-US"/>
               <a:t>넷째 수준</a:t>
             </a:r>
-            <a:endParaRPr lang="ko-KR" altLang="en-US"/>
-          </a:p>
-          <a:p>
-            <a:pPr lvl="4">
-              <a:defRPr lang="ko-KR" altLang="en-US"/>
-            </a:pPr>
+          </a:p>
+          <a:p>
+            <a:pPr lvl="4"/>
             <a:r>
               <a:rPr lang="ko-KR" altLang="en-US"/>
               <a:t>다섯째 수준</a:t>
             </a:r>
-            <a:endParaRPr lang="ko-KR" altLang="en-US"/>
           </a:p>
         </p:txBody>
       </p:sp>
@@ -357,20 +360,13 @@
           </a:prstGeom>
         </p:spPr>
         <p:txBody>
-          <a:bodyPr vert="horz" lIns="91440" tIns="45720" rIns="91440" bIns="45720" anchor="b"/>
+          <a:bodyPr vert="horz" lIns="91440" tIns="45720" rIns="91440" bIns="45720" rtlCol="0" anchor="b"/>
           <a:lstStyle>
             <a:lvl1pPr algn="l">
               <a:defRPr sz="1200"/>
             </a:lvl1pPr>
           </a:lstStyle>
           <a:p>
-            <a:pPr lvl="0">
-              <a:defRPr lang="ko-KR" altLang="en-US"/>
-            </a:pPr>
-            <a:r>
-              <a:rPr lang="ko-KR" altLang="en-US"/>
-              <a:t/>
-            </a:r>
             <a:endParaRPr lang="ko-KR" altLang="en-US"/>
           </a:p>
         </p:txBody>
@@ -395,21 +391,16 @@
           </a:prstGeom>
         </p:spPr>
         <p:txBody>
-          <a:bodyPr vert="horz" lIns="91440" tIns="45720" rIns="91440" bIns="45720" anchor="b"/>
+          <a:bodyPr vert="horz" lIns="91440" tIns="45720" rIns="91440" bIns="45720" rtlCol="0" anchor="b"/>
           <a:lstStyle>
             <a:lvl1pPr algn="r">
               <a:defRPr sz="1200"/>
             </a:lvl1pPr>
           </a:lstStyle>
           <a:p>
-            <a:pPr lvl="0">
-              <a:defRPr lang="ko-KR" altLang="en-US"/>
-            </a:pPr>
             <a:fld id="{B8167502-FE0D-4B23-AE42-220E7B0B67C7}" type="slidenum">
-              <a:rPr lang="ko-KR" altLang="en-US"/>
-              <a:pPr lvl="0">
-                <a:defRPr lang="ko-KR" altLang="en-US"/>
-              </a:pPr>
+              <a:rPr lang="ko-KR" altLang="en-US" smtClean="0"/>
+              <a:pPr/>
               <a:t>‹#›</a:t>
             </a:fld>
             <a:endParaRPr lang="ko-KR" altLang="en-US"/>
@@ -419,7 +410,6 @@
     </p:spTree>
   </p:cSld>
   <p:clrMap bg1="lt1" tx1="dk1" bg2="lt2" tx2="dk2" accent1="accent1" accent2="accent2" accent3="accent3" accent4="accent4" accent5="accent5" accent6="accent6" hlink="hlink" folHlink="folHlink"/>
-  <p:hf hdr="0" ftr="0" dt="0"/>
   <p:notesStyle>
     <a:lvl1pPr marL="0" algn="l" defTabSz="914400" rtl="0" eaLnBrk="1" latinLnBrk="1" hangingPunct="1">
       <a:defRPr sz="1200" kern="1200">
@@ -516,7 +506,7 @@
 </file>
 
 <file path=ppt/notesSlides/notesSlide1.xml><?xml version="1.0" encoding="utf-8"?>
-<p:notes xmlns:r="http://schemas.openxmlformats.org/officeDocument/2006/relationships" xmlns:c="http://schemas.openxmlformats.org/drawingml/2006/chart" xmlns:a="http://schemas.openxmlformats.org/drawingml/2006/main" xmlns:dgm="http://schemas.openxmlformats.org/drawingml/2006/diagram" xmlns:dsp="http://schemas.microsoft.com/office/drawing/2008/diagram" xmlns:p="http://schemas.openxmlformats.org/presentationml/2006/main">
+<p:notes xmlns:a="http://schemas.openxmlformats.org/drawingml/2006/main" xmlns:r="http://schemas.openxmlformats.org/officeDocument/2006/relationships" xmlns:p="http://schemas.openxmlformats.org/presentationml/2006/main">
   <p:cSld>
     <p:spTree>
       <p:nvGrpSpPr>
@@ -536,10 +526,10 @@
         <p:nvSpPr>
           <p:cNvPr id="2" name="슬라이드 이미지 개체 틀 1"/>
           <p:cNvSpPr>
-            <a:spLocks noGrp="1" noRot="1" noChangeAspect="1" noTextEdit="1"/>
+            <a:spLocks noGrp="1" noRot="1" noChangeAspect="1"/>
           </p:cNvSpPr>
           <p:nvPr>
-            <p:ph type="sldImg" idx="0"/>
+            <p:ph type="sldImg"/>
           </p:nvPr>
         </p:nvSpPr>
         <p:spPr/>
@@ -559,14 +549,7 @@
           <a:bodyPr/>
           <a:lstStyle/>
           <a:p>
-            <a:pPr lvl="0">
-              <a:defRPr lang="ko-KR" altLang="en-US"/>
-            </a:pPr>
-            <a:r>
-              <a:rPr lang="ko-KR" altLang="en-US"/>
-              <a:t/>
-            </a:r>
-            <a:endParaRPr lang="ko-KR" altLang="en-US"/>
+            <a:endParaRPr lang="ko-KR" altLang="en-US" dirty="0"/>
           </a:p>
         </p:txBody>
       </p:sp>
@@ -585,14 +568,9 @@
           <a:bodyPr/>
           <a:lstStyle/>
           <a:p>
-            <a:pPr lvl="0">
-              <a:defRPr lang="ko-KR" altLang="en-US"/>
-            </a:pPr>
             <a:fld id="{B8167502-FE0D-4B23-AE42-220E7B0B67C7}" type="slidenum">
-              <a:rPr lang="ko-KR" altLang="en-US"/>
-              <a:pPr lvl="0">
-                <a:defRPr lang="ko-KR" altLang="en-US"/>
-              </a:pPr>
+              <a:rPr lang="ko-KR" altLang="en-US" smtClean="0"/>
+              <a:pPr/>
               <a:t>1</a:t>
             </a:fld>
             <a:endParaRPr lang="ko-KR" altLang="en-US"/>
@@ -600,7 +578,15 @@
         </p:txBody>
       </p:sp>
     </p:spTree>
+    <p:extLst>
+      <p:ext uri="{BB962C8B-B14F-4D97-AF65-F5344CB8AC3E}">
+        <p14:creationId xmlns:p14="http://schemas.microsoft.com/office/powerpoint/2010/main" val="1844805842"/>
+      </p:ext>
+    </p:extLst>
   </p:cSld>
+  <p:clrMapOvr>
+    <a:masterClrMapping/>
+  </p:clrMapOvr>
 </p:notes>
 </file>
 
@@ -1108,7 +1094,7 @@
             <a:fld id="{F28C9156-D337-4AD4-B377-5FFD52A11C9C}" type="datetimeFigureOut">
               <a:rPr lang="ko-KR" altLang="en-US" smtClean="0"/>
               <a:pPr/>
-              <a:t>2018-10-11</a:t>
+              <a:t>2018-10-15</a:t>
             </a:fld>
             <a:endParaRPr lang="ko-KR" altLang="en-US"/>
           </a:p>
@@ -1997,7 +1983,7 @@
             <a:fld id="{F28C9156-D337-4AD4-B377-5FFD52A11C9C}" type="datetimeFigureOut">
               <a:rPr lang="ko-KR" altLang="en-US" smtClean="0"/>
               <a:pPr/>
-              <a:t>2018-10-11</a:t>
+              <a:t>2018-10-15</a:t>
             </a:fld>
             <a:endParaRPr lang="ko-KR" altLang="en-US"/>
           </a:p>
@@ -3287,36 +3273,6 @@
           </a:p>
         </p:txBody>
       </p:sp>
-      <p:pic>
-        <p:nvPicPr>
-          <p:cNvPr id="3" name="그림 2">
-            <a:extLst>
-              <a:ext uri="{FF2B5EF4-FFF2-40B4-BE49-F238E27FC236}">
-                <a16:creationId xmlns:a16="http://schemas.microsoft.com/office/drawing/2014/main" id="{944A14B7-6C80-456C-BA57-E52D1FB66C19}"/>
-              </a:ext>
-            </a:extLst>
-          </p:cNvPr>
-          <p:cNvPicPr>
-            <a:picLocks noChangeAspect="1"/>
-          </p:cNvPicPr>
-          <p:nvPr/>
-        </p:nvPicPr>
-        <p:blipFill>
-          <a:blip r:embed="rId2"/>
-          <a:stretch>
-            <a:fillRect/>
-          </a:stretch>
-        </p:blipFill>
-        <p:spPr>
-          <a:xfrm>
-            <a:off x="251520" y="738268"/>
-            <a:ext cx="8611747" cy="5898105"/>
-          </a:xfrm>
-          <a:prstGeom prst="rect">
-            <a:avLst/>
-          </a:prstGeom>
-        </p:spPr>
-      </p:pic>
       <p:sp>
         <p:nvSpPr>
           <p:cNvPr id="13" name="부제목 2"/>
@@ -3511,6 +3467,36 @@
           </a:fontRef>
         </p:style>
       </p:cxnSp>
+      <p:pic>
+        <p:nvPicPr>
+          <p:cNvPr id="2" name="그림 1">
+            <a:extLst>
+              <a:ext uri="{FF2B5EF4-FFF2-40B4-BE49-F238E27FC236}">
+                <a16:creationId xmlns:a16="http://schemas.microsoft.com/office/drawing/2014/main" id="{5BE8333A-1866-465F-A2E2-85C762571ADF}"/>
+              </a:ext>
+            </a:extLst>
+          </p:cNvPr>
+          <p:cNvPicPr>
+            <a:picLocks noChangeAspect="1"/>
+          </p:cNvPicPr>
+          <p:nvPr/>
+        </p:nvPicPr>
+        <p:blipFill>
+          <a:blip r:embed="rId2"/>
+          <a:stretch>
+            <a:fillRect/>
+          </a:stretch>
+        </p:blipFill>
+        <p:spPr>
+          <a:xfrm>
+            <a:off x="251520" y="828032"/>
+            <a:ext cx="8611743" cy="5769320"/>
+          </a:xfrm>
+          <a:prstGeom prst="rect">
+            <a:avLst/>
+          </a:prstGeom>
+        </p:spPr>
+      </p:pic>
     </p:spTree>
     <p:extLst>
       <p:ext uri="{BB962C8B-B14F-4D97-AF65-F5344CB8AC3E}">
@@ -3629,6 +3615,571 @@
               <a:tabLst/>
               <a:defRPr/>
             </a:pPr>
+            <a:endParaRPr kumimoji="0" lang="ko-KR" altLang="en-US" sz="2100" b="0" i="0" u="none" strike="noStrike" kern="1200" cap="none" spc="0" normalizeH="0" baseline="0" noProof="0" dirty="0">
+              <a:ln>
+                <a:noFill/>
+              </a:ln>
+              <a:solidFill>
+                <a:schemeClr val="bg1"/>
+              </a:solidFill>
+              <a:effectLst/>
+              <a:uLnTx/>
+              <a:uFillTx/>
+              <a:latin typeface="나눔명조" pitchFamily="18" charset="-127"/>
+              <a:ea typeface="나눔명조" pitchFamily="18" charset="-127"/>
+              <a:cs typeface="+mj-cs"/>
+            </a:endParaRPr>
+          </a:p>
+        </p:txBody>
+      </p:sp>
+      <p:sp>
+        <p:nvSpPr>
+          <p:cNvPr id="17" name="제목 1"/>
+          <p:cNvSpPr txBox="1">
+            <a:spLocks/>
+          </p:cNvSpPr>
+          <p:nvPr/>
+        </p:nvSpPr>
+        <p:spPr>
+          <a:xfrm>
+            <a:off x="755576" y="332656"/>
+            <a:ext cx="4104456" cy="495376"/>
+          </a:xfrm>
+          <a:prstGeom prst="rect">
+            <a:avLst/>
+          </a:prstGeom>
+        </p:spPr>
+        <p:txBody>
+          <a:bodyPr vert="horz" lIns="91440" tIns="45720" rIns="91440" bIns="45720" rtlCol="0" anchor="t">
+            <a:normAutofit/>
+          </a:bodyPr>
+          <a:lstStyle/>
+          <a:p>
+            <a:pPr lvl="0">
+              <a:spcBef>
+                <a:spcPct val="0"/>
+              </a:spcBef>
+            </a:pPr>
+            <a:r>
+              <a:rPr lang="ko-KR" altLang="en-US" sz="2100" dirty="0">
+                <a:solidFill>
+                  <a:schemeClr val="bg1"/>
+                </a:solidFill>
+                <a:latin typeface="나눔명조" pitchFamily="18" charset="-127"/>
+                <a:ea typeface="나눔명조" pitchFamily="18" charset="-127"/>
+                <a:cs typeface="+mj-cs"/>
+              </a:rPr>
+              <a:t>시퀀스 다이어그램</a:t>
+            </a:r>
+            <a:endParaRPr kumimoji="0" lang="ko-KR" altLang="en-US" sz="2100" i="0" u="none" strike="noStrike" kern="1200" cap="none" spc="0" normalizeH="0" baseline="0" noProof="0" dirty="0">
+              <a:ln>
+                <a:noFill/>
+              </a:ln>
+              <a:solidFill>
+                <a:schemeClr val="bg1"/>
+              </a:solidFill>
+              <a:effectLst/>
+              <a:uLnTx/>
+              <a:uFillTx/>
+              <a:latin typeface="나눔명조" pitchFamily="18" charset="-127"/>
+              <a:ea typeface="나눔명조" pitchFamily="18" charset="-127"/>
+              <a:cs typeface="+mj-cs"/>
+            </a:endParaRPr>
+          </a:p>
+        </p:txBody>
+      </p:sp>
+      <p:cxnSp>
+        <p:nvCxnSpPr>
+          <p:cNvPr id="18" name="직선 연결선 17"/>
+          <p:cNvCxnSpPr/>
+          <p:nvPr/>
+        </p:nvCxnSpPr>
+        <p:spPr>
+          <a:xfrm rot="5400000">
+            <a:off x="558000" y="540000"/>
+            <a:ext cx="216024" cy="0"/>
+          </a:xfrm>
+          <a:prstGeom prst="line">
+            <a:avLst/>
+          </a:prstGeom>
+          <a:ln w="3175">
+            <a:solidFill>
+              <a:schemeClr val="bg1"/>
+            </a:solidFill>
+          </a:ln>
+        </p:spPr>
+        <p:style>
+          <a:lnRef idx="1">
+            <a:schemeClr val="accent1"/>
+          </a:lnRef>
+          <a:fillRef idx="0">
+            <a:schemeClr val="accent1"/>
+          </a:fillRef>
+          <a:effectRef idx="0">
+            <a:schemeClr val="accent1"/>
+          </a:effectRef>
+          <a:fontRef idx="minor">
+            <a:schemeClr val="tx1"/>
+          </a:fontRef>
+        </p:style>
+      </p:cxnSp>
+      <p:sp>
+        <p:nvSpPr>
+          <p:cNvPr id="2" name="부제목 1">
+            <a:extLst>
+              <a:ext uri="{FF2B5EF4-FFF2-40B4-BE49-F238E27FC236}">
+                <a16:creationId xmlns:a16="http://schemas.microsoft.com/office/drawing/2014/main" id="{2870BB06-B5F8-40CA-AA73-CFDC6655B6A0}"/>
+              </a:ext>
+            </a:extLst>
+          </p:cNvPr>
+          <p:cNvSpPr>
+            <a:spLocks noGrp="1"/>
+          </p:cNvSpPr>
+          <p:nvPr>
+            <p:ph type="subTitle" idx="1"/>
+          </p:nvPr>
+        </p:nvSpPr>
+        <p:spPr/>
+        <p:txBody>
+          <a:bodyPr/>
+          <a:lstStyle/>
+          <a:p>
+            <a:endParaRPr lang="ko-KR" altLang="en-US"/>
+          </a:p>
+        </p:txBody>
+      </p:sp>
+      <p:sp>
+        <p:nvSpPr>
+          <p:cNvPr id="3" name="Rectangle 2">
+            <a:extLst>
+              <a:ext uri="{FF2B5EF4-FFF2-40B4-BE49-F238E27FC236}">
+                <a16:creationId xmlns:a16="http://schemas.microsoft.com/office/drawing/2014/main" id="{92EA2A47-4CFA-46AB-856B-6256A1EB6015}"/>
+              </a:ext>
+            </a:extLst>
+          </p:cNvPr>
+          <p:cNvSpPr>
+            <a:spLocks noChangeArrowheads="1"/>
+          </p:cNvSpPr>
+          <p:nvPr/>
+        </p:nvSpPr>
+        <p:spPr bwMode="auto">
+          <a:xfrm>
+            <a:off x="526256" y="558874"/>
+            <a:ext cx="9144000" cy="457200"/>
+          </a:xfrm>
+          <a:prstGeom prst="rect">
+            <a:avLst/>
+          </a:prstGeom>
+          <a:noFill/>
+          <a:ln>
+            <a:noFill/>
+          </a:ln>
+          <a:effectLst/>
+          <a:extLst>
+            <a:ext uri="{909E8E84-426E-40DD-AFC4-6F175D3DCCD1}">
+              <a14:hiddenFill xmlns:a14="http://schemas.microsoft.com/office/drawing/2010/main">
+                <a:solidFill>
+                  <a:schemeClr val="accent1"/>
+                </a:solidFill>
+              </a14:hiddenFill>
+            </a:ext>
+            <a:ext uri="{91240B29-F687-4F45-9708-019B960494DF}">
+              <a14:hiddenLine xmlns:a14="http://schemas.microsoft.com/office/drawing/2010/main" w="9525">
+                <a:solidFill>
+                  <a:schemeClr val="tx1"/>
+                </a:solidFill>
+                <a:miter lim="800000"/>
+                <a:headEnd/>
+                <a:tailEnd/>
+              </a14:hiddenLine>
+            </a:ext>
+            <a:ext uri="{AF507438-7753-43E0-B8FC-AC1667EBCBE1}">
+              <a14:hiddenEffects xmlns:a14="http://schemas.microsoft.com/office/drawing/2010/main">
+                <a:effectLst>
+                  <a:outerShdw dist="35921" dir="2700000" algn="ctr" rotWithShape="0">
+                    <a:schemeClr val="bg2"/>
+                  </a:outerShdw>
+                </a:effectLst>
+              </a14:hiddenEffects>
+            </a:ext>
+          </a:extLst>
+        </p:spPr>
+        <p:txBody>
+          <a:bodyPr vert="horz" wrap="none" lIns="91440" tIns="45720" rIns="91440" bIns="45720" numCol="1" anchor="ctr" anchorCtr="0" compatLnSpc="1">
+            <a:prstTxWarp prst="textNoShape">
+              <a:avLst/>
+            </a:prstTxWarp>
+            <a:spAutoFit/>
+          </a:bodyPr>
+          <a:lstStyle/>
+          <a:p>
+            <a:endParaRPr lang="ko-KR" altLang="en-US"/>
+          </a:p>
+        </p:txBody>
+      </p:sp>
+      <p:pic>
+        <p:nvPicPr>
+          <p:cNvPr id="4" name="그림 3">
+            <a:extLst>
+              <a:ext uri="{FF2B5EF4-FFF2-40B4-BE49-F238E27FC236}">
+                <a16:creationId xmlns:a16="http://schemas.microsoft.com/office/drawing/2014/main" id="{2EABDF66-859D-472E-9133-64F156DB9771}"/>
+              </a:ext>
+            </a:extLst>
+          </p:cNvPr>
+          <p:cNvPicPr>
+            <a:picLocks noChangeAspect="1"/>
+          </p:cNvPicPr>
+          <p:nvPr/>
+        </p:nvPicPr>
+        <p:blipFill>
+          <a:blip r:embed="rId2"/>
+          <a:stretch>
+            <a:fillRect/>
+          </a:stretch>
+        </p:blipFill>
+        <p:spPr>
+          <a:xfrm>
+            <a:off x="171450" y="1251702"/>
+            <a:ext cx="8801100" cy="4533900"/>
+          </a:xfrm>
+          <a:prstGeom prst="rect">
+            <a:avLst/>
+          </a:prstGeom>
+        </p:spPr>
+      </p:pic>
+      <p:sp>
+        <p:nvSpPr>
+          <p:cNvPr id="12" name="부제목 2">
+            <a:extLst>
+              <a:ext uri="{FF2B5EF4-FFF2-40B4-BE49-F238E27FC236}">
+                <a16:creationId xmlns:a16="http://schemas.microsoft.com/office/drawing/2014/main" id="{1ED58265-8868-4EB8-BEF0-3FB7D1EA5343}"/>
+              </a:ext>
+            </a:extLst>
+          </p:cNvPr>
+          <p:cNvSpPr txBox="1">
+            <a:spLocks/>
+          </p:cNvSpPr>
+          <p:nvPr/>
+        </p:nvSpPr>
+        <p:spPr>
+          <a:xfrm>
+            <a:off x="-108520" y="714542"/>
+            <a:ext cx="2448271" cy="432544"/>
+          </a:xfrm>
+          <a:prstGeom prst="rect">
+            <a:avLst/>
+          </a:prstGeom>
+        </p:spPr>
+        <p:txBody>
+          <a:bodyPr vert="horz" lIns="91440" tIns="45720" rIns="91440" bIns="45720" rtlCol="0">
+            <a:noAutofit/>
+          </a:bodyPr>
+          <a:lstStyle>
+            <a:lvl1pPr marL="0" indent="0" algn="ctr" defTabSz="914400" rtl="0" eaLnBrk="1" latinLnBrk="1" hangingPunct="1">
+              <a:spcBef>
+                <a:spcPct val="20000"/>
+              </a:spcBef>
+              <a:buFont typeface="Arial" pitchFamily="34" charset="0"/>
+              <a:buNone/>
+              <a:defRPr sz="3200" kern="1200">
+                <a:solidFill>
+                  <a:schemeClr val="tx1">
+                    <a:tint val="75000"/>
+                  </a:schemeClr>
+                </a:solidFill>
+                <a:latin typeface="+mn-lt"/>
+                <a:ea typeface="+mn-ea"/>
+                <a:cs typeface="+mn-cs"/>
+              </a:defRPr>
+            </a:lvl1pPr>
+            <a:lvl2pPr marL="457200" indent="0" algn="ctr" defTabSz="914400" rtl="0" eaLnBrk="1" latinLnBrk="1" hangingPunct="1">
+              <a:spcBef>
+                <a:spcPct val="20000"/>
+              </a:spcBef>
+              <a:buFont typeface="Arial" pitchFamily="34" charset="0"/>
+              <a:buNone/>
+              <a:defRPr sz="2800" kern="1200">
+                <a:solidFill>
+                  <a:schemeClr val="tx1">
+                    <a:tint val="75000"/>
+                  </a:schemeClr>
+                </a:solidFill>
+                <a:latin typeface="+mn-lt"/>
+                <a:ea typeface="+mn-ea"/>
+                <a:cs typeface="+mn-cs"/>
+              </a:defRPr>
+            </a:lvl2pPr>
+            <a:lvl3pPr marL="914400" indent="0" algn="ctr" defTabSz="914400" rtl="0" eaLnBrk="1" latinLnBrk="1" hangingPunct="1">
+              <a:spcBef>
+                <a:spcPct val="20000"/>
+              </a:spcBef>
+              <a:buFont typeface="Arial" pitchFamily="34" charset="0"/>
+              <a:buNone/>
+              <a:defRPr sz="2400" kern="1200">
+                <a:solidFill>
+                  <a:schemeClr val="tx1">
+                    <a:tint val="75000"/>
+                  </a:schemeClr>
+                </a:solidFill>
+                <a:latin typeface="+mn-lt"/>
+                <a:ea typeface="+mn-ea"/>
+                <a:cs typeface="+mn-cs"/>
+              </a:defRPr>
+            </a:lvl3pPr>
+            <a:lvl4pPr marL="1371600" indent="0" algn="ctr" defTabSz="914400" rtl="0" eaLnBrk="1" latinLnBrk="1" hangingPunct="1">
+              <a:spcBef>
+                <a:spcPct val="20000"/>
+              </a:spcBef>
+              <a:buFont typeface="Arial" pitchFamily="34" charset="0"/>
+              <a:buNone/>
+              <a:defRPr sz="2000" kern="1200">
+                <a:solidFill>
+                  <a:schemeClr val="tx1">
+                    <a:tint val="75000"/>
+                  </a:schemeClr>
+                </a:solidFill>
+                <a:latin typeface="+mn-lt"/>
+                <a:ea typeface="+mn-ea"/>
+                <a:cs typeface="+mn-cs"/>
+              </a:defRPr>
+            </a:lvl4pPr>
+            <a:lvl5pPr marL="1828800" indent="0" algn="ctr" defTabSz="914400" rtl="0" eaLnBrk="1" latinLnBrk="1" hangingPunct="1">
+              <a:spcBef>
+                <a:spcPct val="20000"/>
+              </a:spcBef>
+              <a:buFont typeface="Arial" pitchFamily="34" charset="0"/>
+              <a:buNone/>
+              <a:defRPr sz="2000" kern="1200">
+                <a:solidFill>
+                  <a:schemeClr val="tx1">
+                    <a:tint val="75000"/>
+                  </a:schemeClr>
+                </a:solidFill>
+                <a:latin typeface="+mn-lt"/>
+                <a:ea typeface="+mn-ea"/>
+                <a:cs typeface="+mn-cs"/>
+              </a:defRPr>
+            </a:lvl5pPr>
+            <a:lvl6pPr marL="2286000" indent="0" algn="ctr" defTabSz="914400" rtl="0" eaLnBrk="1" latinLnBrk="1" hangingPunct="1">
+              <a:spcBef>
+                <a:spcPct val="20000"/>
+              </a:spcBef>
+              <a:buFont typeface="Arial" pitchFamily="34" charset="0"/>
+              <a:buNone/>
+              <a:defRPr sz="2000" kern="1200">
+                <a:solidFill>
+                  <a:schemeClr val="tx1">
+                    <a:tint val="75000"/>
+                  </a:schemeClr>
+                </a:solidFill>
+                <a:latin typeface="+mn-lt"/>
+                <a:ea typeface="+mn-ea"/>
+                <a:cs typeface="+mn-cs"/>
+              </a:defRPr>
+            </a:lvl6pPr>
+            <a:lvl7pPr marL="2743200" indent="0" algn="ctr" defTabSz="914400" rtl="0" eaLnBrk="1" latinLnBrk="1" hangingPunct="1">
+              <a:spcBef>
+                <a:spcPct val="20000"/>
+              </a:spcBef>
+              <a:buFont typeface="Arial" pitchFamily="34" charset="0"/>
+              <a:buNone/>
+              <a:defRPr sz="2000" kern="1200">
+                <a:solidFill>
+                  <a:schemeClr val="tx1">
+                    <a:tint val="75000"/>
+                  </a:schemeClr>
+                </a:solidFill>
+                <a:latin typeface="+mn-lt"/>
+                <a:ea typeface="+mn-ea"/>
+                <a:cs typeface="+mn-cs"/>
+              </a:defRPr>
+            </a:lvl7pPr>
+            <a:lvl8pPr marL="3200400" indent="0" algn="ctr" defTabSz="914400" rtl="0" eaLnBrk="1" latinLnBrk="1" hangingPunct="1">
+              <a:spcBef>
+                <a:spcPct val="20000"/>
+              </a:spcBef>
+              <a:buFont typeface="Arial" pitchFamily="34" charset="0"/>
+              <a:buNone/>
+              <a:defRPr sz="2000" kern="1200">
+                <a:solidFill>
+                  <a:schemeClr val="tx1">
+                    <a:tint val="75000"/>
+                  </a:schemeClr>
+                </a:solidFill>
+                <a:latin typeface="+mn-lt"/>
+                <a:ea typeface="+mn-ea"/>
+                <a:cs typeface="+mn-cs"/>
+              </a:defRPr>
+            </a:lvl8pPr>
+            <a:lvl9pPr marL="3657600" indent="0" algn="ctr" defTabSz="914400" rtl="0" eaLnBrk="1" latinLnBrk="1" hangingPunct="1">
+              <a:spcBef>
+                <a:spcPct val="20000"/>
+              </a:spcBef>
+              <a:buFont typeface="Arial" pitchFamily="34" charset="0"/>
+              <a:buNone/>
+              <a:defRPr sz="2000" kern="1200">
+                <a:solidFill>
+                  <a:schemeClr val="tx1">
+                    <a:tint val="75000"/>
+                  </a:schemeClr>
+                </a:solidFill>
+                <a:latin typeface="+mn-lt"/>
+                <a:ea typeface="+mn-ea"/>
+                <a:cs typeface="+mn-cs"/>
+              </a:defRPr>
+            </a:lvl9pPr>
+          </a:lstStyle>
+          <a:p>
+            <a:pPr>
+              <a:lnSpc>
+                <a:spcPct val="150000"/>
+              </a:lnSpc>
+            </a:pPr>
+            <a:r>
+              <a:rPr lang="en-US" altLang="ko-KR" sz="1800" spc="-20" dirty="0">
+                <a:solidFill>
+                  <a:schemeClr val="bg1"/>
+                </a:solidFill>
+                <a:latin typeface="나눔고딕" pitchFamily="50" charset="-127"/>
+                <a:ea typeface="나눔고딕" pitchFamily="50" charset="-127"/>
+              </a:rPr>
+              <a:t>Client Component</a:t>
+            </a:r>
+          </a:p>
+          <a:p>
+            <a:pPr>
+              <a:lnSpc>
+                <a:spcPct val="150000"/>
+              </a:lnSpc>
+            </a:pPr>
+            <a:endParaRPr lang="en-US" altLang="ko-KR" sz="1800" spc="-20" dirty="0">
+              <a:solidFill>
+                <a:schemeClr val="bg1"/>
+              </a:solidFill>
+              <a:latin typeface="나눔고딕" pitchFamily="50" charset="-127"/>
+              <a:ea typeface="나눔고딕" pitchFamily="50" charset="-127"/>
+            </a:endParaRPr>
+          </a:p>
+        </p:txBody>
+      </p:sp>
+    </p:spTree>
+    <p:extLst>
+      <p:ext uri="{BB962C8B-B14F-4D97-AF65-F5344CB8AC3E}">
+        <p14:creationId xmlns:p14="http://schemas.microsoft.com/office/powerpoint/2010/main" val="963815179"/>
+      </p:ext>
+    </p:extLst>
+  </p:cSld>
+  <p:clrMapOvr>
+    <a:masterClrMapping/>
+  </p:clrMapOvr>
+</p:sld>
+</file>
+
+<file path=ppt/slides/slide13.xml><?xml version="1.0" encoding="utf-8"?>
+<p:sld xmlns:a="http://schemas.openxmlformats.org/drawingml/2006/main" xmlns:r="http://schemas.openxmlformats.org/officeDocument/2006/relationships" xmlns:p="http://schemas.openxmlformats.org/presentationml/2006/main">
+  <p:cSld>
+    <p:spTree>
+      <p:nvGrpSpPr>
+        <p:cNvPr id="1" name=""/>
+        <p:cNvGrpSpPr/>
+        <p:nvPr/>
+      </p:nvGrpSpPr>
+      <p:grpSpPr>
+        <a:xfrm>
+          <a:off x="0" y="0"/>
+          <a:ext cx="0" cy="0"/>
+          <a:chOff x="0" y="0"/>
+          <a:chExt cx="0" cy="0"/>
+        </a:xfrm>
+      </p:grpSpPr>
+      <p:sp>
+        <p:nvSpPr>
+          <p:cNvPr id="5" name="직사각형 4"/>
+          <p:cNvSpPr/>
+          <p:nvPr/>
+        </p:nvSpPr>
+        <p:spPr>
+          <a:xfrm>
+            <a:off x="126000" y="106693"/>
+            <a:ext cx="8892000" cy="6615368"/>
+          </a:xfrm>
+          <a:prstGeom prst="rect">
+            <a:avLst/>
+          </a:prstGeom>
+          <a:solidFill>
+            <a:schemeClr val="tx2">
+              <a:lumMod val="50000"/>
+            </a:schemeClr>
+          </a:solidFill>
+          <a:ln>
+            <a:noFill/>
+          </a:ln>
+        </p:spPr>
+        <p:style>
+          <a:lnRef idx="2">
+            <a:schemeClr val="accent1">
+              <a:shade val="50000"/>
+            </a:schemeClr>
+          </a:lnRef>
+          <a:fillRef idx="1">
+            <a:schemeClr val="accent1"/>
+          </a:fillRef>
+          <a:effectRef idx="0">
+            <a:schemeClr val="accent1"/>
+          </a:effectRef>
+          <a:fontRef idx="minor">
+            <a:schemeClr val="lt1"/>
+          </a:fontRef>
+        </p:style>
+        <p:txBody>
+          <a:bodyPr rtlCol="0" anchor="ctr"/>
+          <a:lstStyle/>
+          <a:p>
+            <a:pPr algn="ctr"/>
+            <a:endParaRPr lang="ko-KR" altLang="en-US" dirty="0"/>
+          </a:p>
+        </p:txBody>
+      </p:sp>
+      <p:sp>
+        <p:nvSpPr>
+          <p:cNvPr id="16" name="제목 1"/>
+          <p:cNvSpPr txBox="1">
+            <a:spLocks/>
+          </p:cNvSpPr>
+          <p:nvPr/>
+        </p:nvSpPr>
+        <p:spPr>
+          <a:xfrm>
+            <a:off x="251520" y="116632"/>
+            <a:ext cx="648072" cy="864096"/>
+          </a:xfrm>
+          <a:prstGeom prst="rect">
+            <a:avLst/>
+          </a:prstGeom>
+        </p:spPr>
+        <p:txBody>
+          <a:bodyPr vert="horz" lIns="91440" tIns="45720" rIns="91440" bIns="45720" rtlCol="0" anchor="ctr">
+            <a:normAutofit/>
+          </a:bodyPr>
+          <a:lstStyle/>
+          <a:p>
+            <a:pPr marL="0" marR="0" lvl="0" indent="0" algn="l" defTabSz="914400" rtl="0" eaLnBrk="1" fontAlgn="auto" latinLnBrk="1" hangingPunct="1">
+              <a:lnSpc>
+                <a:spcPct val="100000"/>
+              </a:lnSpc>
+              <a:spcBef>
+                <a:spcPct val="0"/>
+              </a:spcBef>
+              <a:spcAft>
+                <a:spcPts val="0"/>
+              </a:spcAft>
+              <a:buClrTx/>
+              <a:buSzTx/>
+              <a:buFontTx/>
+              <a:buNone/>
+              <a:tabLst/>
+              <a:defRPr/>
+            </a:pPr>
             <a:r>
               <a:rPr lang="en-US" altLang="ko-KR" sz="2100" spc="-150" dirty="0">
                 <a:solidFill>
@@ -4097,501 +4648,6 @@
   <p:clrMapOvr>
     <a:masterClrMapping/>
   </p:clrMapOvr>
-</p:sld>
-</file>
-
-<file path=ppt/slides/slide13.xml><?xml version="1.0" encoding="utf-8"?>
-<p:sld xmlns:r="http://schemas.openxmlformats.org/officeDocument/2006/relationships" xmlns:c="http://schemas.openxmlformats.org/drawingml/2006/chart" xmlns:a="http://schemas.openxmlformats.org/drawingml/2006/main" xmlns:dgm="http://schemas.openxmlformats.org/drawingml/2006/diagram" xmlns:dsp="http://schemas.microsoft.com/office/drawing/2008/diagram" xmlns:p="http://schemas.openxmlformats.org/presentationml/2006/main">
-  <p:cSld>
-    <p:spTree>
-      <p:nvGrpSpPr>
-        <p:cNvPr id="1" name=""/>
-        <p:cNvGrpSpPr/>
-        <p:nvPr/>
-      </p:nvGrpSpPr>
-      <p:grpSpPr>
-        <a:xfrm>
-          <a:off x="0" y="0"/>
-          <a:ext cx="0" cy="0"/>
-          <a:chOff x="0" y="0"/>
-          <a:chExt cx="0" cy="0"/>
-        </a:xfrm>
-      </p:grpSpPr>
-      <p:sp>
-        <p:nvSpPr>
-          <p:cNvPr id="5" name="직사각형 4"/>
-          <p:cNvSpPr/>
-          <p:nvPr/>
-        </p:nvSpPr>
-        <p:spPr>
-          <a:xfrm>
-            <a:off x="126000" y="106693"/>
-            <a:ext cx="8892000" cy="6615368"/>
-          </a:xfrm>
-          <a:prstGeom prst="rect">
-            <a:avLst/>
-          </a:prstGeom>
-          <a:solidFill>
-            <a:schemeClr val="tx2">
-              <a:lumMod val="50000"/>
-            </a:schemeClr>
-          </a:solidFill>
-          <a:ln>
-            <a:noFill/>
-          </a:ln>
-        </p:spPr>
-        <p:style>
-          <a:lnRef idx="2">
-            <a:schemeClr val="accent1">
-              <a:shade val="50000"/>
-            </a:schemeClr>
-          </a:lnRef>
-          <a:fillRef idx="1">
-            <a:schemeClr val="accent1"/>
-          </a:fillRef>
-          <a:effectRef idx="0">
-            <a:schemeClr val="accent1"/>
-          </a:effectRef>
-          <a:fontRef idx="minor">
-            <a:schemeClr val="lt1"/>
-          </a:fontRef>
-        </p:style>
-        <p:txBody>
-          <a:bodyPr anchor="ctr"/>
-          <a:lstStyle/>
-          <a:p>
-            <a:pPr algn="ctr">
-              <a:defRPr lang="ko-KR" altLang="en-US"/>
-            </a:pPr>
-            <a:endParaRPr lang="ko-KR" altLang="en-US"/>
-          </a:p>
-        </p:txBody>
-      </p:sp>
-      <p:sp>
-        <p:nvSpPr>
-          <p:cNvPr id="16" name="제목 1"/>
-          <p:cNvSpPr txBox="1"/>
-          <p:nvPr/>
-        </p:nvSpPr>
-        <p:spPr>
-          <a:xfrm>
-            <a:off x="251520" y="116632"/>
-            <a:ext cx="648072" cy="864096"/>
-          </a:xfrm>
-          <a:prstGeom prst="rect">
-            <a:avLst/>
-          </a:prstGeom>
-        </p:spPr>
-        <p:txBody>
-          <a:bodyPr vert="horz" lIns="91440" tIns="45720" rIns="91440" bIns="45720" anchor="ctr">
-            <a:normAutofit lnSpcReduction="0"/>
-          </a:bodyPr>
-          <a:lstStyle/>
-          <a:p>
-            <a:pPr marL="0" lvl="0" indent="0" algn="l" defTabSz="914400" eaLnBrk="1" latinLnBrk="1" hangingPunct="1">
-              <a:lnSpc>
-                <a:spcPct val="100000"/>
-              </a:lnSpc>
-              <a:spcBef>
-                <a:spcPct val="0"/>
-              </a:spcBef>
-              <a:spcAft>
-                <a:spcPct val="0"/>
-              </a:spcAft>
-              <a:buClrTx/>
-              <a:buNone/>
-              <a:defRPr lang="ko-KR"/>
-            </a:pPr>
-            <a:r>
-              <a:rPr lang="ko-KR" altLang="en-US" sz="2100" spc="-151">
-                <a:solidFill>
-                  <a:schemeClr val="bg1"/>
-                </a:solidFill>
-                <a:latin typeface="나눔명조"/>
-                <a:ea typeface="나눔명조"/>
-                <a:cs typeface="+mj-cs"/>
-              </a:rPr>
-              <a:t>7</a:t>
-            </a:r>
-            <a:endParaRPr lang="ko-KR" altLang="en-US" sz="2100" spc="-151">
-              <a:solidFill>
-                <a:schemeClr val="bg1"/>
-              </a:solidFill>
-              <a:latin typeface="나눔명조"/>
-              <a:ea typeface="나눔명조"/>
-              <a:cs typeface="+mj-cs"/>
-            </a:endParaRPr>
-          </a:p>
-        </p:txBody>
-      </p:sp>
-      <p:sp>
-        <p:nvSpPr>
-          <p:cNvPr id="17" name="제목 1"/>
-          <p:cNvSpPr txBox="1"/>
-          <p:nvPr/>
-        </p:nvSpPr>
-        <p:spPr>
-          <a:xfrm>
-            <a:off x="755576" y="332656"/>
-            <a:ext cx="4104456" cy="495376"/>
-          </a:xfrm>
-          <a:prstGeom prst="rect">
-            <a:avLst/>
-          </a:prstGeom>
-        </p:spPr>
-        <p:txBody>
-          <a:bodyPr vert="horz" lIns="91440" tIns="45720" rIns="91440" bIns="45720" anchor="t">
-            <a:normAutofit lnSpcReduction="0"/>
-          </a:bodyPr>
-          <a:lstStyle/>
-          <a:p>
-            <a:pPr lvl="0">
-              <a:spcBef>
-                <a:spcPct val="0"/>
-              </a:spcBef>
-              <a:defRPr lang="ko-KR" altLang="en-US"/>
-            </a:pPr>
-            <a:r>
-              <a:rPr lang="ko-KR" altLang="en-US" sz="2100">
-                <a:solidFill>
-                  <a:schemeClr val="bg1"/>
-                </a:solidFill>
-                <a:latin typeface="나눔명조"/>
-                <a:ea typeface="나눔명조"/>
-                <a:cs typeface="+mj-cs"/>
-              </a:rPr>
-              <a:t>시퀀스 다이어그램</a:t>
-            </a:r>
-            <a:endParaRPr lang="ko-KR" altLang="en-US" sz="2100">
-              <a:solidFill>
-                <a:schemeClr val="bg1"/>
-              </a:solidFill>
-              <a:uLnTx/>
-              <a:uFillTx/>
-              <a:latin typeface="나눔명조"/>
-              <a:ea typeface="나눔명조"/>
-              <a:cs typeface="+mj-cs"/>
-            </a:endParaRPr>
-          </a:p>
-        </p:txBody>
-      </p:sp>
-      <p:cxnSp>
-        <p:nvCxnSpPr>
-          <p:cNvPr id="18" name="직선 연결선 17"/>
-          <p:cNvCxnSpPr/>
-          <p:nvPr/>
-        </p:nvCxnSpPr>
-        <p:spPr>
-          <a:xfrm rot="5400000">
-            <a:off x="558000" y="540000"/>
-            <a:ext cx="216024" cy="0"/>
-          </a:xfrm>
-          <a:prstGeom prst="line">
-            <a:avLst/>
-          </a:prstGeom>
-          <a:ln w="3175">
-            <a:solidFill>
-              <a:schemeClr val="bg1"/>
-            </a:solidFill>
-          </a:ln>
-        </p:spPr>
-        <p:style>
-          <a:lnRef idx="1">
-            <a:schemeClr val="accent1"/>
-          </a:lnRef>
-          <a:fillRef idx="0">
-            <a:schemeClr val="accent1"/>
-          </a:fillRef>
-          <a:effectRef idx="0">
-            <a:schemeClr val="accent1"/>
-          </a:effectRef>
-          <a:fontRef idx="minor">
-            <a:schemeClr val="tx1"/>
-          </a:fontRef>
-        </p:style>
-      </p:cxnSp>
-      <p:sp>
-        <p:nvSpPr>
-          <p:cNvPr id="3" name="Rectangle 2"/>
-          <p:cNvSpPr>
-            <a:spLocks noChangeArrowheads="1"/>
-          </p:cNvSpPr>
-          <p:nvPr/>
-        </p:nvSpPr>
-        <p:spPr>
-          <a:xfrm>
-            <a:off x="526256" y="558874"/>
-            <a:ext cx="9144000" cy="457200"/>
-          </a:xfrm>
-          <a:prstGeom prst="rect">
-            <a:avLst/>
-          </a:prstGeom>
-          <a:noFill/>
-          <a:ln>
-            <a:noFill/>
-          </a:ln>
-          <a:effectLst/>
-        </p:spPr>
-        <p:txBody>
-          <a:bodyPr vert="horz" wrap="square" lIns="91440" tIns="45720" rIns="91440" bIns="45720" anchor="ctr" anchorCtr="0">
-            <a:normAutofit lnSpcReduction="0"/>
-          </a:bodyPr>
-          <a:lstStyle/>
-          <a:p>
-            <a:pPr lvl="0">
-              <a:defRPr lang="ko-KR" altLang="en-US"/>
-            </a:pPr>
-            <a:endParaRPr lang="ko-KR" altLang="en-US"/>
-          </a:p>
-        </p:txBody>
-      </p:sp>
-      <p:sp>
-        <p:nvSpPr>
-          <p:cNvPr id="12" name="부제목 2"/>
-          <p:cNvSpPr txBox="1"/>
-          <p:nvPr/>
-        </p:nvSpPr>
-        <p:spPr>
-          <a:xfrm>
-            <a:off x="-108520" y="714542"/>
-            <a:ext cx="2448271" cy="432544"/>
-          </a:xfrm>
-          <a:prstGeom prst="rect">
-            <a:avLst/>
-          </a:prstGeom>
-        </p:spPr>
-        <p:txBody>
-          <a:bodyPr vert="horz" lIns="91440" tIns="45720" rIns="91440" bIns="45720">
-            <a:noAutofit/>
-          </a:bodyPr>
-          <a:lstStyle>
-            <a:lvl1pPr marL="0" indent="0" algn="ctr" defTabSz="914400" rtl="0" eaLnBrk="1" latinLnBrk="1" hangingPunct="1">
-              <a:spcBef>
-                <a:spcPct val="20000"/>
-              </a:spcBef>
-              <a:buFont typeface="Arial"/>
-              <a:buNone/>
-              <a:defRPr sz="3200" kern="1200">
-                <a:solidFill>
-                  <a:schemeClr val="tx1">
-                    <a:tint val="75000"/>
-                  </a:schemeClr>
-                </a:solidFill>
-                <a:latin typeface="+mn-lt"/>
-                <a:ea typeface="+mn-ea"/>
-                <a:cs typeface="+mn-cs"/>
-              </a:defRPr>
-            </a:lvl1pPr>
-            <a:lvl2pPr marL="457200" indent="0" algn="ctr" defTabSz="914400" rtl="0" eaLnBrk="1" latinLnBrk="1" hangingPunct="1">
-              <a:spcBef>
-                <a:spcPct val="20000"/>
-              </a:spcBef>
-              <a:buFont typeface="Arial"/>
-              <a:buNone/>
-              <a:defRPr sz="2800" kern="1200">
-                <a:solidFill>
-                  <a:schemeClr val="tx1">
-                    <a:tint val="75000"/>
-                  </a:schemeClr>
-                </a:solidFill>
-                <a:latin typeface="+mn-lt"/>
-                <a:ea typeface="+mn-ea"/>
-                <a:cs typeface="+mn-cs"/>
-              </a:defRPr>
-            </a:lvl2pPr>
-            <a:lvl3pPr marL="914400" indent="0" algn="ctr" defTabSz="914400" rtl="0" eaLnBrk="1" latinLnBrk="1" hangingPunct="1">
-              <a:spcBef>
-                <a:spcPct val="20000"/>
-              </a:spcBef>
-              <a:buFont typeface="Arial"/>
-              <a:buNone/>
-              <a:defRPr sz="2400" kern="1200">
-                <a:solidFill>
-                  <a:schemeClr val="tx1">
-                    <a:tint val="75000"/>
-                  </a:schemeClr>
-                </a:solidFill>
-                <a:latin typeface="+mn-lt"/>
-                <a:ea typeface="+mn-ea"/>
-                <a:cs typeface="+mn-cs"/>
-              </a:defRPr>
-            </a:lvl3pPr>
-            <a:lvl4pPr marL="1371600" indent="0" algn="ctr" defTabSz="914400" rtl="0" eaLnBrk="1" latinLnBrk="1" hangingPunct="1">
-              <a:spcBef>
-                <a:spcPct val="20000"/>
-              </a:spcBef>
-              <a:buFont typeface="Arial"/>
-              <a:buNone/>
-              <a:defRPr sz="2000" kern="1200">
-                <a:solidFill>
-                  <a:schemeClr val="tx1">
-                    <a:tint val="75000"/>
-                  </a:schemeClr>
-                </a:solidFill>
-                <a:latin typeface="+mn-lt"/>
-                <a:ea typeface="+mn-ea"/>
-                <a:cs typeface="+mn-cs"/>
-              </a:defRPr>
-            </a:lvl4pPr>
-            <a:lvl5pPr marL="1828800" indent="0" algn="ctr" defTabSz="914400" rtl="0" eaLnBrk="1" latinLnBrk="1" hangingPunct="1">
-              <a:spcBef>
-                <a:spcPct val="20000"/>
-              </a:spcBef>
-              <a:buFont typeface="Arial"/>
-              <a:buNone/>
-              <a:defRPr sz="2000" kern="1200">
-                <a:solidFill>
-                  <a:schemeClr val="tx1">
-                    <a:tint val="75000"/>
-                  </a:schemeClr>
-                </a:solidFill>
-                <a:latin typeface="+mn-lt"/>
-                <a:ea typeface="+mn-ea"/>
-                <a:cs typeface="+mn-cs"/>
-              </a:defRPr>
-            </a:lvl5pPr>
-            <a:lvl6pPr marL="2286000" indent="0" algn="ctr" defTabSz="914400" rtl="0" eaLnBrk="1" latinLnBrk="1" hangingPunct="1">
-              <a:spcBef>
-                <a:spcPct val="20000"/>
-              </a:spcBef>
-              <a:buFont typeface="Arial"/>
-              <a:buNone/>
-              <a:defRPr sz="2000" kern="1200">
-                <a:solidFill>
-                  <a:schemeClr val="tx1">
-                    <a:tint val="75000"/>
-                  </a:schemeClr>
-                </a:solidFill>
-                <a:latin typeface="+mn-lt"/>
-                <a:ea typeface="+mn-ea"/>
-                <a:cs typeface="+mn-cs"/>
-              </a:defRPr>
-            </a:lvl6pPr>
-            <a:lvl7pPr marL="2743200" indent="0" algn="ctr" defTabSz="914400" rtl="0" eaLnBrk="1" latinLnBrk="1" hangingPunct="1">
-              <a:spcBef>
-                <a:spcPct val="20000"/>
-              </a:spcBef>
-              <a:buFont typeface="Arial"/>
-              <a:buNone/>
-              <a:defRPr sz="2000" kern="1200">
-                <a:solidFill>
-                  <a:schemeClr val="tx1">
-                    <a:tint val="75000"/>
-                  </a:schemeClr>
-                </a:solidFill>
-                <a:latin typeface="+mn-lt"/>
-                <a:ea typeface="+mn-ea"/>
-                <a:cs typeface="+mn-cs"/>
-              </a:defRPr>
-            </a:lvl7pPr>
-            <a:lvl8pPr marL="3200400" indent="0" algn="ctr" defTabSz="914400" rtl="0" eaLnBrk="1" latinLnBrk="1" hangingPunct="1">
-              <a:spcBef>
-                <a:spcPct val="20000"/>
-              </a:spcBef>
-              <a:buFont typeface="Arial"/>
-              <a:buNone/>
-              <a:defRPr sz="2000" kern="1200">
-                <a:solidFill>
-                  <a:schemeClr val="tx1">
-                    <a:tint val="75000"/>
-                  </a:schemeClr>
-                </a:solidFill>
-                <a:latin typeface="+mn-lt"/>
-                <a:ea typeface="+mn-ea"/>
-                <a:cs typeface="+mn-cs"/>
-              </a:defRPr>
-            </a:lvl8pPr>
-            <a:lvl9pPr marL="3657600" indent="0" algn="ctr" defTabSz="914400" rtl="0" eaLnBrk="1" latinLnBrk="1" hangingPunct="1">
-              <a:spcBef>
-                <a:spcPct val="20000"/>
-              </a:spcBef>
-              <a:buFont typeface="Arial"/>
-              <a:buNone/>
-              <a:defRPr sz="2000" kern="1200">
-                <a:solidFill>
-                  <a:schemeClr val="tx1">
-                    <a:tint val="75000"/>
-                  </a:schemeClr>
-                </a:solidFill>
-                <a:latin typeface="+mn-lt"/>
-                <a:ea typeface="+mn-ea"/>
-                <a:cs typeface="+mn-cs"/>
-              </a:defRPr>
-            </a:lvl9pPr>
-          </a:lstStyle>
-          <a:p>
-            <a:pPr>
-              <a:lnSpc>
-                <a:spcPct val="150000"/>
-              </a:lnSpc>
-              <a:defRPr lang="ko-KR" altLang="en-US"/>
-            </a:pPr>
-            <a:r>
-              <a:rPr lang="ko-KR" altLang="en-US" sz="1800" spc="-23">
-                <a:solidFill>
-                  <a:schemeClr val="bg1"/>
-                </a:solidFill>
-                <a:latin typeface="나눔고딕"/>
-                <a:ea typeface="나눔고딕"/>
-              </a:rPr>
-              <a:t>여행 경로 최적화</a:t>
-            </a:r>
-            <a:endParaRPr lang="ko-KR" altLang="en-US" sz="1800" spc="-23">
-              <a:solidFill>
-                <a:schemeClr val="bg1"/>
-              </a:solidFill>
-              <a:latin typeface="나눔고딕"/>
-              <a:ea typeface="나눔고딕"/>
-            </a:endParaRPr>
-          </a:p>
-          <a:p>
-            <a:pPr>
-              <a:lnSpc>
-                <a:spcPct val="150000"/>
-              </a:lnSpc>
-              <a:defRPr lang="ko-KR" altLang="en-US"/>
-            </a:pPr>
-            <a:endParaRPr lang="en-US" altLang="ko-KR" sz="1800" spc="-23">
-              <a:solidFill>
-                <a:schemeClr val="bg1"/>
-              </a:solidFill>
-              <a:latin typeface="나눔고딕"/>
-              <a:ea typeface="나눔고딕"/>
-            </a:endParaRPr>
-          </a:p>
-        </p:txBody>
-      </p:sp>
-      <p:pic>
-        <p:nvPicPr>
-          <p:cNvPr id="21" name=""/>
-          <p:cNvPicPr/>
-          <p:nvPr/>
-        </p:nvPicPr>
-        <p:blipFill rotWithShape="1">
-          <a:blip r:embed="rId2">
-            <a:lum/>
-          </a:blip>
-          <a:srcRect/>
-          <a:stretch>
-            <a:fillRect/>
-          </a:stretch>
-        </p:blipFill>
-        <p:spPr>
-          <a:xfrm>
-            <a:off x="140067" y="1309271"/>
-            <a:ext cx="8752412" cy="4856032"/>
-          </a:xfrm>
-          <a:prstGeom prst="rect">
-            <a:avLst/>
-          </a:prstGeom>
-        </p:spPr>
-      </p:pic>
-    </p:spTree>
-  </p:cSld>
-  <p:clrMapOvr>
-    <a:masterClrMapping/>
-  </p:clrMapOvr>
-  <p:transition xmlns:mc="http://schemas.openxmlformats.org/markup-compatibility/2006" xmlns:hp="http://schemas.haansoft.com/office/presentation/8.0" mc:Ignorable="hp" hp:hslDur="500"/>
 </p:sld>
 </file>
 
@@ -9397,44 +9453,44 @@
 </file>
 
 <file path=ppt/theme/theme1.xml><?xml version="1.0" encoding="utf-8"?>
-<a:theme xmlns:r="http://schemas.openxmlformats.org/officeDocument/2006/relationships" xmlns:c="http://schemas.openxmlformats.org/drawingml/2006/chart" xmlns:dgm="http://schemas.openxmlformats.org/drawingml/2006/diagram" xmlns:dsp="http://schemas.microsoft.com/office/drawing/2008/diagram" xmlns:a="http://schemas.openxmlformats.org/drawingml/2006/main" xmlns:pic="http://schemas.openxmlformats.org/drawingml/2006/picture" xmlns:wp="http://schemas.openxmlformats.org/drawingml/2006/wordprocessingDrawing" xmlns:xdr="http://schemas.openxmlformats.org/drawingml/2006/spreadsheetDrawing" name="Office 테마">
+<a:theme xmlns:a="http://schemas.openxmlformats.org/drawingml/2006/main" name="Office 테마">
   <a:themeElements>
     <a:clrScheme name="사용자 지정 9">
       <a:dk1>
         <a:sysClr val="windowText" lastClr="000000"/>
       </a:dk1>
       <a:lt1>
-        <a:sysClr val="window" lastClr="ffffff"/>
+        <a:sysClr val="window" lastClr="FFFFFF"/>
       </a:lt1>
       <a:dk2>
-        <a:srgbClr val="1f497d"/>
+        <a:srgbClr val="1F497D"/>
       </a:dk2>
       <a:lt2>
-        <a:srgbClr val="eeece1"/>
+        <a:srgbClr val="EEECE1"/>
       </a:lt2>
       <a:accent1>
-        <a:srgbClr val="4f81bd"/>
+        <a:srgbClr val="4F81BD"/>
       </a:accent1>
       <a:accent2>
-        <a:srgbClr val="c0504d"/>
+        <a:srgbClr val="C0504D"/>
       </a:accent2>
       <a:accent3>
-        <a:srgbClr val="9bbb59"/>
+        <a:srgbClr val="9BBB59"/>
       </a:accent3>
       <a:accent4>
-        <a:srgbClr val="8064a2"/>
+        <a:srgbClr val="8064A2"/>
       </a:accent4>
       <a:accent5>
-        <a:srgbClr val="4bacc6"/>
+        <a:srgbClr val="4BACC6"/>
       </a:accent5>
       <a:accent6>
-        <a:srgbClr val="f79646"/>
+        <a:srgbClr val="F79646"/>
       </a:accent6>
       <a:hlink>
-        <a:srgbClr val="ffffff"/>
+        <a:srgbClr val="FFFFFF"/>
       </a:hlink>
       <a:folHlink>
-        <a:srgbClr val="d8d8d8"/>
+        <a:srgbClr val="D8D8D8"/>
       </a:folHlink>
     </a:clrScheme>
     <a:fontScheme name="나눔명조">
@@ -9551,6 +9607,17 @@
               </a:srgbClr>
             </a:outerShdw>
           </a:effectLst>
+          <a:scene3d>
+            <a:camera prst="orthographicFront">
+              <a:rot lat="0" lon="0" rev="0"/>
+            </a:camera>
+            <a:lightRig rig="threePt" dir="t">
+              <a:rot lat="0" lon="0" rev="1200000"/>
+            </a:lightRig>
+          </a:scene3d>
+          <a:sp3d>
+            <a:bevelT w="63500" h="25400"/>
+          </a:sp3d>
         </a:effectStyle>
       </a:effectStyleLst>
       <a:bgFillStyleLst>
@@ -9605,45 +9672,47 @@
       </a:bgFillStyleLst>
     </a:fmtScheme>
   </a:themeElements>
+  <a:objectDefaults/>
+  <a:extraClrSchemeLst/>
 </a:theme>
 </file>
 
 <file path=ppt/theme/theme2.xml><?xml version="1.0" encoding="utf-8"?>
-<a:theme xmlns:r="http://schemas.openxmlformats.org/officeDocument/2006/relationships" xmlns:c="http://schemas.openxmlformats.org/drawingml/2006/chart" xmlns:dgm="http://schemas.openxmlformats.org/drawingml/2006/diagram" xmlns:dsp="http://schemas.microsoft.com/office/drawing/2008/diagram" xmlns:a="http://schemas.openxmlformats.org/drawingml/2006/main" xmlns:pic="http://schemas.openxmlformats.org/drawingml/2006/picture" xmlns:wp="http://schemas.openxmlformats.org/drawingml/2006/wordprocessingDrawing" xmlns:xdr="http://schemas.openxmlformats.org/drawingml/2006/spreadsheetDrawing" name="Office 테마">
+<a:theme xmlns:a="http://schemas.openxmlformats.org/drawingml/2006/main" name="Office 테마">
   <a:themeElements>
     <a:clrScheme name="Office">
       <a:dk1>
         <a:sysClr val="windowText" lastClr="000000"/>
       </a:dk1>
       <a:lt1>
-        <a:sysClr val="window" lastClr="ffffff"/>
+        <a:sysClr val="window" lastClr="FFFFFF"/>
       </a:lt1>
       <a:dk2>
-        <a:srgbClr val="1f497d"/>
+        <a:srgbClr val="1F497D"/>
       </a:dk2>
       <a:lt2>
-        <a:srgbClr val="eeece1"/>
+        <a:srgbClr val="EEECE1"/>
       </a:lt2>
       <a:accent1>
-        <a:srgbClr val="4f81bd"/>
+        <a:srgbClr val="4F81BD"/>
       </a:accent1>
       <a:accent2>
-        <a:srgbClr val="c0504d"/>
+        <a:srgbClr val="C0504D"/>
       </a:accent2>
       <a:accent3>
-        <a:srgbClr val="9bbb59"/>
+        <a:srgbClr val="9BBB59"/>
       </a:accent3>
       <a:accent4>
-        <a:srgbClr val="8064a2"/>
+        <a:srgbClr val="8064A2"/>
       </a:accent4>
       <a:accent5>
-        <a:srgbClr val="4bacc6"/>
+        <a:srgbClr val="4BACC6"/>
       </a:accent5>
       <a:accent6>
-        <a:srgbClr val="f79646"/>
+        <a:srgbClr val="F79646"/>
       </a:accent6>
       <a:hlink>
-        <a:srgbClr val="0000ff"/>
+        <a:srgbClr val="0000FF"/>
       </a:hlink>
       <a:folHlink>
         <a:srgbClr val="800080"/>
@@ -9821,6 +9890,17 @@
               </a:srgbClr>
             </a:outerShdw>
           </a:effectLst>
+          <a:scene3d>
+            <a:camera prst="orthographicFront">
+              <a:rot lat="0" lon="0" rev="0"/>
+            </a:camera>
+            <a:lightRig rig="threePt" dir="t">
+              <a:rot lat="0" lon="0" rev="1200000"/>
+            </a:lightRig>
+          </a:scene3d>
+          <a:sp3d>
+            <a:bevelT w="63500" h="25400"/>
+          </a:sp3d>
         </a:effectStyle>
       </a:effectStyleLst>
       <a:bgFillStyleLst>
@@ -9875,5 +9955,7 @@
       </a:bgFillStyleLst>
     </a:fmtScheme>
   </a:themeElements>
+  <a:objectDefaults/>
+  <a:extraClrSchemeLst/>
 </a:theme>
 </file>
--- a/설계/설계 발표자료(강구원, 김기훈, 김태현).pptx
+++ b/설계/설계 발표자료(강구원, 김기훈, 김태현).pptx
@@ -5,7 +5,7 @@
     <p:sldMasterId id="2147483648" r:id="rId1"/>
   </p:sldMasterIdLst>
   <p:notesMasterIdLst>
-    <p:notesMasterId r:id="rId17"/>
+    <p:notesMasterId r:id="rId16"/>
   </p:notesMasterIdLst>
   <p:sldIdLst>
     <p:sldId id="290" r:id="rId2"/>
@@ -17,30 +17,29 @@
     <p:sldId id="305" r:id="rId8"/>
     <p:sldId id="297" r:id="rId9"/>
     <p:sldId id="307" r:id="rId10"/>
-    <p:sldId id="306" r:id="rId11"/>
-    <p:sldId id="300" r:id="rId12"/>
-    <p:sldId id="308" r:id="rId13"/>
-    <p:sldId id="309" r:id="rId14"/>
-    <p:sldId id="293" r:id="rId15"/>
-    <p:sldId id="283" r:id="rId16"/>
+    <p:sldId id="300" r:id="rId11"/>
+    <p:sldId id="308" r:id="rId12"/>
+    <p:sldId id="309" r:id="rId13"/>
+    <p:sldId id="293" r:id="rId14"/>
+    <p:sldId id="283" r:id="rId15"/>
   </p:sldIdLst>
   <p:sldSz cx="9144000" cy="6858000" type="screen4x3"/>
   <p:notesSz cx="6805613" cy="9939338"/>
   <p:embeddedFontLst>
     <p:embeddedFont>
       <p:font typeface="나눔명조" panose="020B0600000101010101" charset="-127"/>
-      <p:regular r:id="rId18"/>
-      <p:bold r:id="rId19"/>
+      <p:regular r:id="rId17"/>
+      <p:bold r:id="rId18"/>
     </p:embeddedFont>
     <p:embeddedFont>
       <p:font typeface="나눔고딕" panose="020D0604000000000000" pitchFamily="50" charset="-127"/>
-      <p:regular r:id="rId20"/>
-      <p:bold r:id="rId21"/>
+      <p:regular r:id="rId19"/>
+      <p:bold r:id="rId20"/>
     </p:embeddedFont>
     <p:embeddedFont>
       <p:font typeface="맑은 고딕" panose="020B0503020000020004" pitchFamily="50" charset="-127"/>
-      <p:regular r:id="rId22"/>
-      <p:bold r:id="rId23"/>
+      <p:regular r:id="rId21"/>
+      <p:bold r:id="rId22"/>
     </p:embeddedFont>
   </p:embeddedFontLst>
   <p:defaultTextStyle>
@@ -2710,571 +2709,6 @@
       </p:sp>
       <p:sp>
         <p:nvSpPr>
-          <p:cNvPr id="16" name="제목 1"/>
-          <p:cNvSpPr txBox="1">
-            <a:spLocks/>
-          </p:cNvSpPr>
-          <p:nvPr/>
-        </p:nvSpPr>
-        <p:spPr>
-          <a:xfrm>
-            <a:off x="251520" y="116632"/>
-            <a:ext cx="648072" cy="864096"/>
-          </a:xfrm>
-          <a:prstGeom prst="rect">
-            <a:avLst/>
-          </a:prstGeom>
-        </p:spPr>
-        <p:txBody>
-          <a:bodyPr vert="horz" lIns="91440" tIns="45720" rIns="91440" bIns="45720" rtlCol="0" anchor="ctr">
-            <a:normAutofit/>
-          </a:bodyPr>
-          <a:lstStyle/>
-          <a:p>
-            <a:pPr marL="0" marR="0" lvl="0" indent="0" algn="l" defTabSz="914400" rtl="0" eaLnBrk="1" fontAlgn="auto" latinLnBrk="1" hangingPunct="1">
-              <a:lnSpc>
-                <a:spcPct val="100000"/>
-              </a:lnSpc>
-              <a:spcBef>
-                <a:spcPct val="0"/>
-              </a:spcBef>
-              <a:spcAft>
-                <a:spcPts val="0"/>
-              </a:spcAft>
-              <a:buClrTx/>
-              <a:buSzTx/>
-              <a:buFontTx/>
-              <a:buNone/>
-              <a:tabLst/>
-              <a:defRPr/>
-            </a:pPr>
-            <a:r>
-              <a:rPr kumimoji="0" lang="en-US" altLang="ko-KR" sz="2100" b="0" i="0" u="none" strike="noStrike" kern="1200" cap="none" spc="-150" normalizeH="0" baseline="0" noProof="0" dirty="0">
-                <a:ln>
-                  <a:noFill/>
-                </a:ln>
-                <a:solidFill>
-                  <a:schemeClr val="bg1"/>
-                </a:solidFill>
-                <a:effectLst/>
-                <a:uLnTx/>
-                <a:uFillTx/>
-                <a:latin typeface="나눔명조" pitchFamily="18" charset="-127"/>
-                <a:ea typeface="나눔명조" pitchFamily="18" charset="-127"/>
-                <a:cs typeface="+mj-cs"/>
-              </a:rPr>
-              <a:t>5</a:t>
-            </a:r>
-            <a:endParaRPr kumimoji="0" lang="ko-KR" altLang="en-US" sz="2100" b="0" i="0" u="none" strike="noStrike" kern="1200" cap="none" spc="0" normalizeH="0" baseline="0" noProof="0" dirty="0">
-              <a:ln>
-                <a:noFill/>
-              </a:ln>
-              <a:solidFill>
-                <a:schemeClr val="bg1"/>
-              </a:solidFill>
-              <a:effectLst/>
-              <a:uLnTx/>
-              <a:uFillTx/>
-              <a:latin typeface="나눔명조" pitchFamily="18" charset="-127"/>
-              <a:ea typeface="나눔명조" pitchFamily="18" charset="-127"/>
-              <a:cs typeface="+mj-cs"/>
-            </a:endParaRPr>
-          </a:p>
-        </p:txBody>
-      </p:sp>
-      <p:sp>
-        <p:nvSpPr>
-          <p:cNvPr id="17" name="제목 1"/>
-          <p:cNvSpPr txBox="1">
-            <a:spLocks/>
-          </p:cNvSpPr>
-          <p:nvPr/>
-        </p:nvSpPr>
-        <p:spPr>
-          <a:xfrm>
-            <a:off x="755576" y="332656"/>
-            <a:ext cx="4104456" cy="495376"/>
-          </a:xfrm>
-          <a:prstGeom prst="rect">
-            <a:avLst/>
-          </a:prstGeom>
-        </p:spPr>
-        <p:txBody>
-          <a:bodyPr vert="horz" lIns="91440" tIns="45720" rIns="91440" bIns="45720" rtlCol="0" anchor="t">
-            <a:normAutofit/>
-          </a:bodyPr>
-          <a:lstStyle/>
-          <a:p>
-            <a:pPr lvl="0">
-              <a:spcBef>
-                <a:spcPct val="0"/>
-              </a:spcBef>
-            </a:pPr>
-            <a:r>
-              <a:rPr lang="ko-KR" altLang="en-US" sz="2100">
-                <a:solidFill>
-                  <a:schemeClr val="bg1"/>
-                </a:solidFill>
-                <a:latin typeface="나눔명조" pitchFamily="18" charset="-127"/>
-                <a:ea typeface="나눔명조" pitchFamily="18" charset="-127"/>
-                <a:cs typeface="+mj-cs"/>
-              </a:rPr>
-              <a:t>컴포넌트 다이어그램</a:t>
-            </a:r>
-            <a:endParaRPr kumimoji="0" lang="ko-KR" altLang="en-US" sz="2100" i="0" u="none" strike="noStrike" kern="1200" cap="none" spc="0" normalizeH="0" baseline="0" noProof="0" dirty="0">
-              <a:ln>
-                <a:noFill/>
-              </a:ln>
-              <a:solidFill>
-                <a:schemeClr val="bg1"/>
-              </a:solidFill>
-              <a:effectLst/>
-              <a:uLnTx/>
-              <a:uFillTx/>
-              <a:latin typeface="나눔명조" pitchFamily="18" charset="-127"/>
-              <a:ea typeface="나눔명조" pitchFamily="18" charset="-127"/>
-              <a:cs typeface="+mj-cs"/>
-            </a:endParaRPr>
-          </a:p>
-        </p:txBody>
-      </p:sp>
-      <p:cxnSp>
-        <p:nvCxnSpPr>
-          <p:cNvPr id="18" name="직선 연결선 17"/>
-          <p:cNvCxnSpPr/>
-          <p:nvPr/>
-        </p:nvCxnSpPr>
-        <p:spPr>
-          <a:xfrm rot="5400000">
-            <a:off x="558000" y="540000"/>
-            <a:ext cx="216024" cy="0"/>
-          </a:xfrm>
-          <a:prstGeom prst="line">
-            <a:avLst/>
-          </a:prstGeom>
-          <a:ln w="3175">
-            <a:solidFill>
-              <a:schemeClr val="bg1"/>
-            </a:solidFill>
-          </a:ln>
-        </p:spPr>
-        <p:style>
-          <a:lnRef idx="1">
-            <a:schemeClr val="accent1"/>
-          </a:lnRef>
-          <a:fillRef idx="0">
-            <a:schemeClr val="accent1"/>
-          </a:fillRef>
-          <a:effectRef idx="0">
-            <a:schemeClr val="accent1"/>
-          </a:effectRef>
-          <a:fontRef idx="minor">
-            <a:schemeClr val="tx1"/>
-          </a:fontRef>
-        </p:style>
-      </p:cxnSp>
-      <p:sp>
-        <p:nvSpPr>
-          <p:cNvPr id="2" name="부제목 1">
-            <a:extLst>
-              <a:ext uri="{FF2B5EF4-FFF2-40B4-BE49-F238E27FC236}">
-                <a16:creationId xmlns:a16="http://schemas.microsoft.com/office/drawing/2014/main" id="{2870BB06-B5F8-40CA-AA73-CFDC6655B6A0}"/>
-              </a:ext>
-            </a:extLst>
-          </p:cNvPr>
-          <p:cNvSpPr>
-            <a:spLocks noGrp="1"/>
-          </p:cNvSpPr>
-          <p:nvPr>
-            <p:ph type="subTitle" idx="1"/>
-          </p:nvPr>
-        </p:nvSpPr>
-        <p:spPr/>
-        <p:txBody>
-          <a:bodyPr/>
-          <a:lstStyle/>
-          <a:p>
-            <a:endParaRPr lang="ko-KR" altLang="en-US"/>
-          </a:p>
-        </p:txBody>
-      </p:sp>
-      <p:sp>
-        <p:nvSpPr>
-          <p:cNvPr id="3" name="Rectangle 2">
-            <a:extLst>
-              <a:ext uri="{FF2B5EF4-FFF2-40B4-BE49-F238E27FC236}">
-                <a16:creationId xmlns:a16="http://schemas.microsoft.com/office/drawing/2014/main" id="{92EA2A47-4CFA-46AB-856B-6256A1EB6015}"/>
-              </a:ext>
-            </a:extLst>
-          </p:cNvPr>
-          <p:cNvSpPr>
-            <a:spLocks noChangeArrowheads="1"/>
-          </p:cNvSpPr>
-          <p:nvPr/>
-        </p:nvSpPr>
-        <p:spPr bwMode="auto">
-          <a:xfrm>
-            <a:off x="526256" y="558874"/>
-            <a:ext cx="9144000" cy="457200"/>
-          </a:xfrm>
-          <a:prstGeom prst="rect">
-            <a:avLst/>
-          </a:prstGeom>
-          <a:noFill/>
-          <a:ln>
-            <a:noFill/>
-          </a:ln>
-          <a:effectLst/>
-          <a:extLst>
-            <a:ext uri="{909E8E84-426E-40DD-AFC4-6F175D3DCCD1}">
-              <a14:hiddenFill xmlns:a14="http://schemas.microsoft.com/office/drawing/2010/main">
-                <a:solidFill>
-                  <a:schemeClr val="accent1"/>
-                </a:solidFill>
-              </a14:hiddenFill>
-            </a:ext>
-            <a:ext uri="{91240B29-F687-4F45-9708-019B960494DF}">
-              <a14:hiddenLine xmlns:a14="http://schemas.microsoft.com/office/drawing/2010/main" w="9525">
-                <a:solidFill>
-                  <a:schemeClr val="tx1"/>
-                </a:solidFill>
-                <a:miter lim="800000"/>
-                <a:headEnd/>
-                <a:tailEnd/>
-              </a14:hiddenLine>
-            </a:ext>
-            <a:ext uri="{AF507438-7753-43E0-B8FC-AC1667EBCBE1}">
-              <a14:hiddenEffects xmlns:a14="http://schemas.microsoft.com/office/drawing/2010/main">
-                <a:effectLst>
-                  <a:outerShdw dist="35921" dir="2700000" algn="ctr" rotWithShape="0">
-                    <a:schemeClr val="bg2"/>
-                  </a:outerShdw>
-                </a:effectLst>
-              </a14:hiddenEffects>
-            </a:ext>
-          </a:extLst>
-        </p:spPr>
-        <p:txBody>
-          <a:bodyPr vert="horz" wrap="none" lIns="91440" tIns="45720" rIns="91440" bIns="45720" numCol="1" anchor="ctr" anchorCtr="0" compatLnSpc="1">
-            <a:prstTxWarp prst="textNoShape">
-              <a:avLst/>
-            </a:prstTxWarp>
-            <a:spAutoFit/>
-          </a:bodyPr>
-          <a:lstStyle/>
-          <a:p>
-            <a:endParaRPr lang="ko-KR" altLang="en-US"/>
-          </a:p>
-        </p:txBody>
-      </p:sp>
-      <p:sp>
-        <p:nvSpPr>
-          <p:cNvPr id="10" name="부제목 2">
-            <a:extLst>
-              <a:ext uri="{FF2B5EF4-FFF2-40B4-BE49-F238E27FC236}">
-                <a16:creationId xmlns:a16="http://schemas.microsoft.com/office/drawing/2014/main" id="{C838E9D4-B361-4617-900B-74B2593DEDC0}"/>
-              </a:ext>
-            </a:extLst>
-          </p:cNvPr>
-          <p:cNvSpPr txBox="1">
-            <a:spLocks/>
-          </p:cNvSpPr>
-          <p:nvPr/>
-        </p:nvSpPr>
-        <p:spPr>
-          <a:xfrm>
-            <a:off x="13996" y="696217"/>
-            <a:ext cx="2448271" cy="432544"/>
-          </a:xfrm>
-          <a:prstGeom prst="rect">
-            <a:avLst/>
-          </a:prstGeom>
-        </p:spPr>
-        <p:txBody>
-          <a:bodyPr vert="horz" lIns="91440" tIns="45720" rIns="91440" bIns="45720" rtlCol="0">
-            <a:noAutofit/>
-          </a:bodyPr>
-          <a:lstStyle>
-            <a:lvl1pPr marL="0" indent="0" algn="ctr" defTabSz="914400" rtl="0" eaLnBrk="1" latinLnBrk="1" hangingPunct="1">
-              <a:spcBef>
-                <a:spcPct val="20000"/>
-              </a:spcBef>
-              <a:buFont typeface="Arial" pitchFamily="34" charset="0"/>
-              <a:buNone/>
-              <a:defRPr sz="3200" kern="1200">
-                <a:solidFill>
-                  <a:schemeClr val="tx1">
-                    <a:tint val="75000"/>
-                  </a:schemeClr>
-                </a:solidFill>
-                <a:latin typeface="+mn-lt"/>
-                <a:ea typeface="+mn-ea"/>
-                <a:cs typeface="+mn-cs"/>
-              </a:defRPr>
-            </a:lvl1pPr>
-            <a:lvl2pPr marL="457200" indent="0" algn="ctr" defTabSz="914400" rtl="0" eaLnBrk="1" latinLnBrk="1" hangingPunct="1">
-              <a:spcBef>
-                <a:spcPct val="20000"/>
-              </a:spcBef>
-              <a:buFont typeface="Arial" pitchFamily="34" charset="0"/>
-              <a:buNone/>
-              <a:defRPr sz="2800" kern="1200">
-                <a:solidFill>
-                  <a:schemeClr val="tx1">
-                    <a:tint val="75000"/>
-                  </a:schemeClr>
-                </a:solidFill>
-                <a:latin typeface="+mn-lt"/>
-                <a:ea typeface="+mn-ea"/>
-                <a:cs typeface="+mn-cs"/>
-              </a:defRPr>
-            </a:lvl2pPr>
-            <a:lvl3pPr marL="914400" indent="0" algn="ctr" defTabSz="914400" rtl="0" eaLnBrk="1" latinLnBrk="1" hangingPunct="1">
-              <a:spcBef>
-                <a:spcPct val="20000"/>
-              </a:spcBef>
-              <a:buFont typeface="Arial" pitchFamily="34" charset="0"/>
-              <a:buNone/>
-              <a:defRPr sz="2400" kern="1200">
-                <a:solidFill>
-                  <a:schemeClr val="tx1">
-                    <a:tint val="75000"/>
-                  </a:schemeClr>
-                </a:solidFill>
-                <a:latin typeface="+mn-lt"/>
-                <a:ea typeface="+mn-ea"/>
-                <a:cs typeface="+mn-cs"/>
-              </a:defRPr>
-            </a:lvl3pPr>
-            <a:lvl4pPr marL="1371600" indent="0" algn="ctr" defTabSz="914400" rtl="0" eaLnBrk="1" latinLnBrk="1" hangingPunct="1">
-              <a:spcBef>
-                <a:spcPct val="20000"/>
-              </a:spcBef>
-              <a:buFont typeface="Arial" pitchFamily="34" charset="0"/>
-              <a:buNone/>
-              <a:defRPr sz="2000" kern="1200">
-                <a:solidFill>
-                  <a:schemeClr val="tx1">
-                    <a:tint val="75000"/>
-                  </a:schemeClr>
-                </a:solidFill>
-                <a:latin typeface="+mn-lt"/>
-                <a:ea typeface="+mn-ea"/>
-                <a:cs typeface="+mn-cs"/>
-              </a:defRPr>
-            </a:lvl4pPr>
-            <a:lvl5pPr marL="1828800" indent="0" algn="ctr" defTabSz="914400" rtl="0" eaLnBrk="1" latinLnBrk="1" hangingPunct="1">
-              <a:spcBef>
-                <a:spcPct val="20000"/>
-              </a:spcBef>
-              <a:buFont typeface="Arial" pitchFamily="34" charset="0"/>
-              <a:buNone/>
-              <a:defRPr sz="2000" kern="1200">
-                <a:solidFill>
-                  <a:schemeClr val="tx1">
-                    <a:tint val="75000"/>
-                  </a:schemeClr>
-                </a:solidFill>
-                <a:latin typeface="+mn-lt"/>
-                <a:ea typeface="+mn-ea"/>
-                <a:cs typeface="+mn-cs"/>
-              </a:defRPr>
-            </a:lvl5pPr>
-            <a:lvl6pPr marL="2286000" indent="0" algn="ctr" defTabSz="914400" rtl="0" eaLnBrk="1" latinLnBrk="1" hangingPunct="1">
-              <a:spcBef>
-                <a:spcPct val="20000"/>
-              </a:spcBef>
-              <a:buFont typeface="Arial" pitchFamily="34" charset="0"/>
-              <a:buNone/>
-              <a:defRPr sz="2000" kern="1200">
-                <a:solidFill>
-                  <a:schemeClr val="tx1">
-                    <a:tint val="75000"/>
-                  </a:schemeClr>
-                </a:solidFill>
-                <a:latin typeface="+mn-lt"/>
-                <a:ea typeface="+mn-ea"/>
-                <a:cs typeface="+mn-cs"/>
-              </a:defRPr>
-            </a:lvl6pPr>
-            <a:lvl7pPr marL="2743200" indent="0" algn="ctr" defTabSz="914400" rtl="0" eaLnBrk="1" latinLnBrk="1" hangingPunct="1">
-              <a:spcBef>
-                <a:spcPct val="20000"/>
-              </a:spcBef>
-              <a:buFont typeface="Arial" pitchFamily="34" charset="0"/>
-              <a:buNone/>
-              <a:defRPr sz="2000" kern="1200">
-                <a:solidFill>
-                  <a:schemeClr val="tx1">
-                    <a:tint val="75000"/>
-                  </a:schemeClr>
-                </a:solidFill>
-                <a:latin typeface="+mn-lt"/>
-                <a:ea typeface="+mn-ea"/>
-                <a:cs typeface="+mn-cs"/>
-              </a:defRPr>
-            </a:lvl7pPr>
-            <a:lvl8pPr marL="3200400" indent="0" algn="ctr" defTabSz="914400" rtl="0" eaLnBrk="1" latinLnBrk="1" hangingPunct="1">
-              <a:spcBef>
-                <a:spcPct val="20000"/>
-              </a:spcBef>
-              <a:buFont typeface="Arial" pitchFamily="34" charset="0"/>
-              <a:buNone/>
-              <a:defRPr sz="2000" kern="1200">
-                <a:solidFill>
-                  <a:schemeClr val="tx1">
-                    <a:tint val="75000"/>
-                  </a:schemeClr>
-                </a:solidFill>
-                <a:latin typeface="+mn-lt"/>
-                <a:ea typeface="+mn-ea"/>
-                <a:cs typeface="+mn-cs"/>
-              </a:defRPr>
-            </a:lvl8pPr>
-            <a:lvl9pPr marL="3657600" indent="0" algn="ctr" defTabSz="914400" rtl="0" eaLnBrk="1" latinLnBrk="1" hangingPunct="1">
-              <a:spcBef>
-                <a:spcPct val="20000"/>
-              </a:spcBef>
-              <a:buFont typeface="Arial" pitchFamily="34" charset="0"/>
-              <a:buNone/>
-              <a:defRPr sz="2000" kern="1200">
-                <a:solidFill>
-                  <a:schemeClr val="tx1">
-                    <a:tint val="75000"/>
-                  </a:schemeClr>
-                </a:solidFill>
-                <a:latin typeface="+mn-lt"/>
-                <a:ea typeface="+mn-ea"/>
-                <a:cs typeface="+mn-cs"/>
-              </a:defRPr>
-            </a:lvl9pPr>
-          </a:lstStyle>
-          <a:p>
-            <a:pPr>
-              <a:lnSpc>
-                <a:spcPct val="150000"/>
-              </a:lnSpc>
-            </a:pPr>
-            <a:endParaRPr lang="en-US" altLang="ko-KR" sz="1800" spc="-20" dirty="0">
-              <a:solidFill>
-                <a:schemeClr val="bg1"/>
-              </a:solidFill>
-              <a:latin typeface="나눔고딕" pitchFamily="50" charset="-127"/>
-              <a:ea typeface="나눔고딕" pitchFamily="50" charset="-127"/>
-            </a:endParaRPr>
-          </a:p>
-        </p:txBody>
-      </p:sp>
-      <p:pic>
-        <p:nvPicPr>
-          <p:cNvPr id="6" name="그림 5">
-            <a:extLst>
-              <a:ext uri="{FF2B5EF4-FFF2-40B4-BE49-F238E27FC236}">
-                <a16:creationId xmlns:a16="http://schemas.microsoft.com/office/drawing/2014/main" id="{3F99E22E-E3EE-4062-B4B5-00C37B2753F3}"/>
-              </a:ext>
-            </a:extLst>
-          </p:cNvPr>
-          <p:cNvPicPr>
-            <a:picLocks noChangeAspect="1"/>
-          </p:cNvPicPr>
-          <p:nvPr/>
-        </p:nvPicPr>
-        <p:blipFill>
-          <a:blip r:embed="rId2"/>
-          <a:stretch>
-            <a:fillRect/>
-          </a:stretch>
-        </p:blipFill>
-        <p:spPr>
-          <a:xfrm>
-            <a:off x="195399" y="1592178"/>
-            <a:ext cx="8801100" cy="4533900"/>
-          </a:xfrm>
-          <a:prstGeom prst="rect">
-            <a:avLst/>
-          </a:prstGeom>
-        </p:spPr>
-      </p:pic>
-    </p:spTree>
-    <p:extLst>
-      <p:ext uri="{BB962C8B-B14F-4D97-AF65-F5344CB8AC3E}">
-        <p14:creationId xmlns:p14="http://schemas.microsoft.com/office/powerpoint/2010/main" val="4225041597"/>
-      </p:ext>
-    </p:extLst>
-  </p:cSld>
-  <p:clrMapOvr>
-    <a:masterClrMapping/>
-  </p:clrMapOvr>
-</p:sld>
-</file>
-
-<file path=ppt/slides/slide11.xml><?xml version="1.0" encoding="utf-8"?>
-<p:sld xmlns:a="http://schemas.openxmlformats.org/drawingml/2006/main" xmlns:r="http://schemas.openxmlformats.org/officeDocument/2006/relationships" xmlns:p="http://schemas.openxmlformats.org/presentationml/2006/main">
-  <p:cSld>
-    <p:spTree>
-      <p:nvGrpSpPr>
-        <p:cNvPr id="1" name=""/>
-        <p:cNvGrpSpPr/>
-        <p:nvPr/>
-      </p:nvGrpSpPr>
-      <p:grpSpPr>
-        <a:xfrm>
-          <a:off x="0" y="0"/>
-          <a:ext cx="0" cy="0"/>
-          <a:chOff x="0" y="0"/>
-          <a:chExt cx="0" cy="0"/>
-        </a:xfrm>
-      </p:grpSpPr>
-      <p:sp>
-        <p:nvSpPr>
-          <p:cNvPr id="5" name="직사각형 4"/>
-          <p:cNvSpPr/>
-          <p:nvPr/>
-        </p:nvSpPr>
-        <p:spPr>
-          <a:xfrm>
-            <a:off x="126000" y="106693"/>
-            <a:ext cx="8892000" cy="6615368"/>
-          </a:xfrm>
-          <a:prstGeom prst="rect">
-            <a:avLst/>
-          </a:prstGeom>
-          <a:solidFill>
-            <a:schemeClr val="tx2">
-              <a:lumMod val="50000"/>
-            </a:schemeClr>
-          </a:solidFill>
-          <a:ln>
-            <a:noFill/>
-          </a:ln>
-        </p:spPr>
-        <p:style>
-          <a:lnRef idx="2">
-            <a:schemeClr val="accent1">
-              <a:shade val="50000"/>
-            </a:schemeClr>
-          </a:lnRef>
-          <a:fillRef idx="1">
-            <a:schemeClr val="accent1"/>
-          </a:fillRef>
-          <a:effectRef idx="0">
-            <a:schemeClr val="accent1"/>
-          </a:effectRef>
-          <a:fontRef idx="minor">
-            <a:schemeClr val="lt1"/>
-          </a:fontRef>
-        </p:style>
-        <p:txBody>
-          <a:bodyPr rtlCol="0" anchor="ctr"/>
-          <a:lstStyle/>
-          <a:p>
-            <a:pPr algn="ctr"/>
-            <a:endParaRPr lang="ko-KR" altLang="en-US" dirty="0"/>
-          </a:p>
-        </p:txBody>
-      </p:sp>
-      <p:sp>
-        <p:nvSpPr>
           <p:cNvPr id="13" name="부제목 2"/>
           <p:cNvSpPr>
             <a:spLocks noGrp="1"/>
@@ -3510,7 +2944,7 @@
 </p:sld>
 </file>
 
-<file path=ppt/slides/slide12.xml><?xml version="1.0" encoding="utf-8"?>
+<file path=ppt/slides/slide11.xml><?xml version="1.0" encoding="utf-8"?>
 <p:sld xmlns:a="http://schemas.openxmlformats.org/drawingml/2006/main" xmlns:r="http://schemas.openxmlformats.org/officeDocument/2006/relationships" xmlns:p="http://schemas.openxmlformats.org/presentationml/2006/main">
   <p:cSld>
     <p:spTree>
@@ -3661,7 +3095,7 @@
               </a:spcBef>
             </a:pPr>
             <a:r>
-              <a:rPr lang="ko-KR" altLang="en-US" sz="2100" dirty="0">
+              <a:rPr lang="ko-KR" altLang="en-US" sz="2100" dirty="0" err="1">
                 <a:solidFill>
                   <a:schemeClr val="bg1"/>
                 </a:solidFill>
@@ -3669,7 +3103,18 @@
                 <a:ea typeface="나눔명조" pitchFamily="18" charset="-127"/>
                 <a:cs typeface="+mj-cs"/>
               </a:rPr>
-              <a:t>시퀀스 다이어그램</a:t>
+              <a:t>인터액션</a:t>
+            </a:r>
+            <a:r>
+              <a:rPr lang="ko-KR" altLang="en-US" sz="2100" dirty="0">
+                <a:solidFill>
+                  <a:schemeClr val="bg1"/>
+                </a:solidFill>
+                <a:latin typeface="나눔명조" pitchFamily="18" charset="-127"/>
+                <a:ea typeface="나눔명조" pitchFamily="18" charset="-127"/>
+                <a:cs typeface="+mj-cs"/>
+              </a:rPr>
+              <a:t> 다이어그램</a:t>
             </a:r>
             <a:endParaRPr kumimoji="0" lang="ko-KR" altLang="en-US" sz="2100" i="0" u="none" strike="noStrike" kern="1200" cap="none" spc="0" normalizeH="0" baseline="0" noProof="0" dirty="0">
               <a:ln>
@@ -3817,12 +3262,376 @@
           </a:p>
         </p:txBody>
       </p:sp>
+      <p:sp>
+        <p:nvSpPr>
+          <p:cNvPr id="12" name="부제목 2">
+            <a:extLst>
+              <a:ext uri="{FF2B5EF4-FFF2-40B4-BE49-F238E27FC236}">
+                <a16:creationId xmlns:a16="http://schemas.microsoft.com/office/drawing/2014/main" id="{1ED58265-8868-4EB8-BEF0-3FB7D1EA5343}"/>
+              </a:ext>
+            </a:extLst>
+          </p:cNvPr>
+          <p:cNvSpPr txBox="1">
+            <a:spLocks/>
+          </p:cNvSpPr>
+          <p:nvPr/>
+        </p:nvSpPr>
+        <p:spPr>
+          <a:xfrm>
+            <a:off x="-108520" y="714542"/>
+            <a:ext cx="4176461" cy="432544"/>
+          </a:xfrm>
+          <a:prstGeom prst="rect">
+            <a:avLst/>
+          </a:prstGeom>
+        </p:spPr>
+        <p:txBody>
+          <a:bodyPr vert="horz" lIns="91440" tIns="45720" rIns="91440" bIns="45720" rtlCol="0">
+            <a:noAutofit/>
+          </a:bodyPr>
+          <a:lstStyle>
+            <a:lvl1pPr marL="0" indent="0" algn="ctr" defTabSz="914400" rtl="0" eaLnBrk="1" latinLnBrk="1" hangingPunct="1">
+              <a:spcBef>
+                <a:spcPct val="20000"/>
+              </a:spcBef>
+              <a:buFont typeface="Arial" pitchFamily="34" charset="0"/>
+              <a:buNone/>
+              <a:defRPr sz="3200" kern="1200">
+                <a:solidFill>
+                  <a:schemeClr val="tx1">
+                    <a:tint val="75000"/>
+                  </a:schemeClr>
+                </a:solidFill>
+                <a:latin typeface="+mn-lt"/>
+                <a:ea typeface="+mn-ea"/>
+                <a:cs typeface="+mn-cs"/>
+              </a:defRPr>
+            </a:lvl1pPr>
+            <a:lvl2pPr marL="457200" indent="0" algn="ctr" defTabSz="914400" rtl="0" eaLnBrk="1" latinLnBrk="1" hangingPunct="1">
+              <a:spcBef>
+                <a:spcPct val="20000"/>
+              </a:spcBef>
+              <a:buFont typeface="Arial" pitchFamily="34" charset="0"/>
+              <a:buNone/>
+              <a:defRPr sz="2800" kern="1200">
+                <a:solidFill>
+                  <a:schemeClr val="tx1">
+                    <a:tint val="75000"/>
+                  </a:schemeClr>
+                </a:solidFill>
+                <a:latin typeface="+mn-lt"/>
+                <a:ea typeface="+mn-ea"/>
+                <a:cs typeface="+mn-cs"/>
+              </a:defRPr>
+            </a:lvl2pPr>
+            <a:lvl3pPr marL="914400" indent="0" algn="ctr" defTabSz="914400" rtl="0" eaLnBrk="1" latinLnBrk="1" hangingPunct="1">
+              <a:spcBef>
+                <a:spcPct val="20000"/>
+              </a:spcBef>
+              <a:buFont typeface="Arial" pitchFamily="34" charset="0"/>
+              <a:buNone/>
+              <a:defRPr sz="2400" kern="1200">
+                <a:solidFill>
+                  <a:schemeClr val="tx1">
+                    <a:tint val="75000"/>
+                  </a:schemeClr>
+                </a:solidFill>
+                <a:latin typeface="+mn-lt"/>
+                <a:ea typeface="+mn-ea"/>
+                <a:cs typeface="+mn-cs"/>
+              </a:defRPr>
+            </a:lvl3pPr>
+            <a:lvl4pPr marL="1371600" indent="0" algn="ctr" defTabSz="914400" rtl="0" eaLnBrk="1" latinLnBrk="1" hangingPunct="1">
+              <a:spcBef>
+                <a:spcPct val="20000"/>
+              </a:spcBef>
+              <a:buFont typeface="Arial" pitchFamily="34" charset="0"/>
+              <a:buNone/>
+              <a:defRPr sz="2000" kern="1200">
+                <a:solidFill>
+                  <a:schemeClr val="tx1">
+                    <a:tint val="75000"/>
+                  </a:schemeClr>
+                </a:solidFill>
+                <a:latin typeface="+mn-lt"/>
+                <a:ea typeface="+mn-ea"/>
+                <a:cs typeface="+mn-cs"/>
+              </a:defRPr>
+            </a:lvl4pPr>
+            <a:lvl5pPr marL="1828800" indent="0" algn="ctr" defTabSz="914400" rtl="0" eaLnBrk="1" latinLnBrk="1" hangingPunct="1">
+              <a:spcBef>
+                <a:spcPct val="20000"/>
+              </a:spcBef>
+              <a:buFont typeface="Arial" pitchFamily="34" charset="0"/>
+              <a:buNone/>
+              <a:defRPr sz="2000" kern="1200">
+                <a:solidFill>
+                  <a:schemeClr val="tx1">
+                    <a:tint val="75000"/>
+                  </a:schemeClr>
+                </a:solidFill>
+                <a:latin typeface="+mn-lt"/>
+                <a:ea typeface="+mn-ea"/>
+                <a:cs typeface="+mn-cs"/>
+              </a:defRPr>
+            </a:lvl5pPr>
+            <a:lvl6pPr marL="2286000" indent="0" algn="ctr" defTabSz="914400" rtl="0" eaLnBrk="1" latinLnBrk="1" hangingPunct="1">
+              <a:spcBef>
+                <a:spcPct val="20000"/>
+              </a:spcBef>
+              <a:buFont typeface="Arial" pitchFamily="34" charset="0"/>
+              <a:buNone/>
+              <a:defRPr sz="2000" kern="1200">
+                <a:solidFill>
+                  <a:schemeClr val="tx1">
+                    <a:tint val="75000"/>
+                  </a:schemeClr>
+                </a:solidFill>
+                <a:latin typeface="+mn-lt"/>
+                <a:ea typeface="+mn-ea"/>
+                <a:cs typeface="+mn-cs"/>
+              </a:defRPr>
+            </a:lvl6pPr>
+            <a:lvl7pPr marL="2743200" indent="0" algn="ctr" defTabSz="914400" rtl="0" eaLnBrk="1" latinLnBrk="1" hangingPunct="1">
+              <a:spcBef>
+                <a:spcPct val="20000"/>
+              </a:spcBef>
+              <a:buFont typeface="Arial" pitchFamily="34" charset="0"/>
+              <a:buNone/>
+              <a:defRPr sz="2000" kern="1200">
+                <a:solidFill>
+                  <a:schemeClr val="tx1">
+                    <a:tint val="75000"/>
+                  </a:schemeClr>
+                </a:solidFill>
+                <a:latin typeface="+mn-lt"/>
+                <a:ea typeface="+mn-ea"/>
+                <a:cs typeface="+mn-cs"/>
+              </a:defRPr>
+            </a:lvl7pPr>
+            <a:lvl8pPr marL="3200400" indent="0" algn="ctr" defTabSz="914400" rtl="0" eaLnBrk="1" latinLnBrk="1" hangingPunct="1">
+              <a:spcBef>
+                <a:spcPct val="20000"/>
+              </a:spcBef>
+              <a:buFont typeface="Arial" pitchFamily="34" charset="0"/>
+              <a:buNone/>
+              <a:defRPr sz="2000" kern="1200">
+                <a:solidFill>
+                  <a:schemeClr val="tx1">
+                    <a:tint val="75000"/>
+                  </a:schemeClr>
+                </a:solidFill>
+                <a:latin typeface="+mn-lt"/>
+                <a:ea typeface="+mn-ea"/>
+                <a:cs typeface="+mn-cs"/>
+              </a:defRPr>
+            </a:lvl8pPr>
+            <a:lvl9pPr marL="3657600" indent="0" algn="ctr" defTabSz="914400" rtl="0" eaLnBrk="1" latinLnBrk="1" hangingPunct="1">
+              <a:spcBef>
+                <a:spcPct val="20000"/>
+              </a:spcBef>
+              <a:buFont typeface="Arial" pitchFamily="34" charset="0"/>
+              <a:buNone/>
+              <a:defRPr sz="2000" kern="1200">
+                <a:solidFill>
+                  <a:schemeClr val="tx1">
+                    <a:tint val="75000"/>
+                  </a:schemeClr>
+                </a:solidFill>
+                <a:latin typeface="+mn-lt"/>
+                <a:ea typeface="+mn-ea"/>
+                <a:cs typeface="+mn-cs"/>
+              </a:defRPr>
+            </a:lvl9pPr>
+          </a:lstStyle>
+          <a:p>
+            <a:pPr>
+              <a:lnSpc>
+                <a:spcPct val="150000"/>
+              </a:lnSpc>
+            </a:pPr>
+            <a:r>
+              <a:rPr lang="en-US" altLang="ko-KR" sz="1800" spc="-20" dirty="0">
+                <a:solidFill>
+                  <a:schemeClr val="bg1"/>
+                </a:solidFill>
+                <a:latin typeface="나눔고딕" pitchFamily="50" charset="-127"/>
+                <a:ea typeface="나눔고딕" pitchFamily="50" charset="-127"/>
+              </a:rPr>
+              <a:t>Activity Diagram(</a:t>
+            </a:r>
+            <a:r>
+              <a:rPr lang="ko-KR" altLang="en-US" sz="1800" spc="-20" dirty="0">
+                <a:solidFill>
+                  <a:schemeClr val="bg1"/>
+                </a:solidFill>
+                <a:latin typeface="나눔고딕" pitchFamily="50" charset="-127"/>
+                <a:ea typeface="나눔고딕" pitchFamily="50" charset="-127"/>
+              </a:rPr>
+              <a:t>여행 계획 추천</a:t>
+            </a:r>
+            <a:r>
+              <a:rPr lang="en-US" altLang="ko-KR" sz="1800" spc="-20" dirty="0">
+                <a:solidFill>
+                  <a:schemeClr val="bg1"/>
+                </a:solidFill>
+                <a:latin typeface="나눔고딕" pitchFamily="50" charset="-127"/>
+                <a:ea typeface="나눔고딕" pitchFamily="50" charset="-127"/>
+              </a:rPr>
+              <a:t>)</a:t>
+            </a:r>
+          </a:p>
+        </p:txBody>
+      </p:sp>
+      <p:sp>
+        <p:nvSpPr>
+          <p:cNvPr id="10" name="제목 1">
+            <a:extLst>
+              <a:ext uri="{FF2B5EF4-FFF2-40B4-BE49-F238E27FC236}">
+                <a16:creationId xmlns:a16="http://schemas.microsoft.com/office/drawing/2014/main" id="{44125AAD-5F96-475C-9D43-1FFA47721357}"/>
+              </a:ext>
+            </a:extLst>
+          </p:cNvPr>
+          <p:cNvSpPr txBox="1">
+            <a:spLocks/>
+          </p:cNvSpPr>
+          <p:nvPr/>
+        </p:nvSpPr>
+        <p:spPr>
+          <a:xfrm>
+            <a:off x="251520" y="126826"/>
+            <a:ext cx="648072" cy="864096"/>
+          </a:xfrm>
+          <a:prstGeom prst="rect">
+            <a:avLst/>
+          </a:prstGeom>
+        </p:spPr>
+        <p:txBody>
+          <a:bodyPr vert="horz" lIns="91440" tIns="45720" rIns="91440" bIns="45720" rtlCol="0" anchor="ctr">
+            <a:normAutofit/>
+          </a:bodyPr>
+          <a:lstStyle/>
+          <a:p>
+            <a:pPr marL="0" marR="0" lvl="0" indent="0" algn="l" defTabSz="914400" rtl="0" eaLnBrk="1" fontAlgn="auto" latinLnBrk="1" hangingPunct="1">
+              <a:lnSpc>
+                <a:spcPct val="100000"/>
+              </a:lnSpc>
+              <a:spcBef>
+                <a:spcPct val="0"/>
+              </a:spcBef>
+              <a:spcAft>
+                <a:spcPts val="0"/>
+              </a:spcAft>
+              <a:buClrTx/>
+              <a:buSzTx/>
+              <a:buFontTx/>
+              <a:buNone/>
+              <a:tabLst/>
+              <a:defRPr/>
+            </a:pPr>
+            <a:r>
+              <a:rPr lang="en-US" altLang="ko-KR" sz="2100" spc="-150" dirty="0">
+                <a:solidFill>
+                  <a:schemeClr val="bg1"/>
+                </a:solidFill>
+                <a:latin typeface="나눔명조" pitchFamily="18" charset="-127"/>
+                <a:ea typeface="나눔명조" pitchFamily="18" charset="-127"/>
+                <a:cs typeface="+mj-cs"/>
+              </a:rPr>
+              <a:t>7</a:t>
+            </a:r>
+            <a:endParaRPr kumimoji="0" lang="ko-KR" altLang="en-US" sz="2100" b="0" i="0" u="none" strike="noStrike" kern="1200" cap="none" spc="0" normalizeH="0" baseline="0" noProof="0" dirty="0">
+              <a:ln>
+                <a:noFill/>
+              </a:ln>
+              <a:solidFill>
+                <a:schemeClr val="bg1"/>
+              </a:solidFill>
+              <a:effectLst/>
+              <a:uLnTx/>
+              <a:uFillTx/>
+              <a:latin typeface="나눔명조" pitchFamily="18" charset="-127"/>
+              <a:ea typeface="나눔명조" pitchFamily="18" charset="-127"/>
+              <a:cs typeface="+mj-cs"/>
+            </a:endParaRPr>
+          </a:p>
+        </p:txBody>
+      </p:sp>
+      <p:sp>
+        <p:nvSpPr>
+          <p:cNvPr id="7" name="Rectangle 4">
+            <a:extLst>
+              <a:ext uri="{FF2B5EF4-FFF2-40B4-BE49-F238E27FC236}">
+                <a16:creationId xmlns:a16="http://schemas.microsoft.com/office/drawing/2014/main" id="{E3A6ACFC-3830-4039-B3F2-0A6B20BE51D6}"/>
+              </a:ext>
+            </a:extLst>
+          </p:cNvPr>
+          <p:cNvSpPr>
+            <a:spLocks noChangeArrowheads="1"/>
+          </p:cNvSpPr>
+          <p:nvPr/>
+        </p:nvSpPr>
+        <p:spPr bwMode="auto">
+          <a:xfrm>
+            <a:off x="0" y="0"/>
+            <a:ext cx="9144000" cy="457200"/>
+          </a:xfrm>
+          <a:prstGeom prst="rect">
+            <a:avLst/>
+          </a:prstGeom>
+          <a:noFill/>
+          <a:ln>
+            <a:noFill/>
+          </a:ln>
+          <a:effectLst/>
+          <a:extLst>
+            <a:ext uri="{909E8E84-426E-40DD-AFC4-6F175D3DCCD1}">
+              <a14:hiddenFill xmlns:a14="http://schemas.microsoft.com/office/drawing/2010/main">
+                <a:solidFill>
+                  <a:schemeClr val="accent1"/>
+                </a:solidFill>
+              </a14:hiddenFill>
+            </a:ext>
+            <a:ext uri="{91240B29-F687-4F45-9708-019B960494DF}">
+              <a14:hiddenLine xmlns:a14="http://schemas.microsoft.com/office/drawing/2010/main" w="9525">
+                <a:solidFill>
+                  <a:schemeClr val="tx1"/>
+                </a:solidFill>
+                <a:miter lim="800000"/>
+                <a:headEnd/>
+                <a:tailEnd/>
+              </a14:hiddenLine>
+            </a:ext>
+            <a:ext uri="{AF507438-7753-43E0-B8FC-AC1667EBCBE1}">
+              <a14:hiddenEffects xmlns:a14="http://schemas.microsoft.com/office/drawing/2010/main">
+                <a:effectLst>
+                  <a:outerShdw dist="35921" dir="2700000" algn="ctr" rotWithShape="0">
+                    <a:schemeClr val="bg2"/>
+                  </a:outerShdw>
+                </a:effectLst>
+              </a14:hiddenEffects>
+            </a:ext>
+          </a:extLst>
+        </p:spPr>
+        <p:txBody>
+          <a:bodyPr vert="horz" wrap="none" lIns="91440" tIns="45720" rIns="91440" bIns="45720" numCol="1" anchor="ctr" anchorCtr="0" compatLnSpc="1">
+            <a:prstTxWarp prst="textNoShape">
+              <a:avLst/>
+            </a:prstTxWarp>
+            <a:spAutoFit/>
+          </a:bodyPr>
+          <a:lstStyle/>
+          <a:p>
+            <a:endParaRPr lang="ko-KR" altLang="en-US"/>
+          </a:p>
+        </p:txBody>
+      </p:sp>
       <p:pic>
         <p:nvPicPr>
           <p:cNvPr id="4" name="그림 3">
             <a:extLst>
               <a:ext uri="{FF2B5EF4-FFF2-40B4-BE49-F238E27FC236}">
-                <a16:creationId xmlns:a16="http://schemas.microsoft.com/office/drawing/2014/main" id="{2EABDF66-859D-472E-9133-64F156DB9771}"/>
+                <a16:creationId xmlns:a16="http://schemas.microsoft.com/office/drawing/2014/main" id="{79914F02-B763-46BA-B010-57FA0A34544D}"/>
               </a:ext>
             </a:extLst>
           </p:cNvPr>
@@ -3839,14 +3648,345 @@
         </p:blipFill>
         <p:spPr>
           <a:xfrm>
-            <a:off x="171450" y="1251702"/>
-            <a:ext cx="8801100" cy="4533900"/>
+            <a:off x="323528" y="1243007"/>
+            <a:ext cx="8496944" cy="5201816"/>
           </a:xfrm>
           <a:prstGeom prst="rect">
             <a:avLst/>
           </a:prstGeom>
         </p:spPr>
       </p:pic>
+    </p:spTree>
+    <p:extLst>
+      <p:ext uri="{BB962C8B-B14F-4D97-AF65-F5344CB8AC3E}">
+        <p14:creationId xmlns:p14="http://schemas.microsoft.com/office/powerpoint/2010/main" val="963815179"/>
+      </p:ext>
+    </p:extLst>
+  </p:cSld>
+  <p:clrMapOvr>
+    <a:masterClrMapping/>
+  </p:clrMapOvr>
+</p:sld>
+</file>
+
+<file path=ppt/slides/slide12.xml><?xml version="1.0" encoding="utf-8"?>
+<p:sld xmlns:a="http://schemas.openxmlformats.org/drawingml/2006/main" xmlns:r="http://schemas.openxmlformats.org/officeDocument/2006/relationships" xmlns:p="http://schemas.openxmlformats.org/presentationml/2006/main">
+  <p:cSld>
+    <p:spTree>
+      <p:nvGrpSpPr>
+        <p:cNvPr id="1" name=""/>
+        <p:cNvGrpSpPr/>
+        <p:nvPr/>
+      </p:nvGrpSpPr>
+      <p:grpSpPr>
+        <a:xfrm>
+          <a:off x="0" y="0"/>
+          <a:ext cx="0" cy="0"/>
+          <a:chOff x="0" y="0"/>
+          <a:chExt cx="0" cy="0"/>
+        </a:xfrm>
+      </p:grpSpPr>
+      <p:sp>
+        <p:nvSpPr>
+          <p:cNvPr id="5" name="직사각형 4"/>
+          <p:cNvSpPr/>
+          <p:nvPr/>
+        </p:nvSpPr>
+        <p:spPr>
+          <a:xfrm>
+            <a:off x="126000" y="106693"/>
+            <a:ext cx="8892000" cy="6615368"/>
+          </a:xfrm>
+          <a:prstGeom prst="rect">
+            <a:avLst/>
+          </a:prstGeom>
+          <a:solidFill>
+            <a:schemeClr val="tx2">
+              <a:lumMod val="50000"/>
+            </a:schemeClr>
+          </a:solidFill>
+          <a:ln>
+            <a:noFill/>
+          </a:ln>
+        </p:spPr>
+        <p:style>
+          <a:lnRef idx="2">
+            <a:schemeClr val="accent1">
+              <a:shade val="50000"/>
+            </a:schemeClr>
+          </a:lnRef>
+          <a:fillRef idx="1">
+            <a:schemeClr val="accent1"/>
+          </a:fillRef>
+          <a:effectRef idx="0">
+            <a:schemeClr val="accent1"/>
+          </a:effectRef>
+          <a:fontRef idx="minor">
+            <a:schemeClr val="lt1"/>
+          </a:fontRef>
+        </p:style>
+        <p:txBody>
+          <a:bodyPr rtlCol="0" anchor="ctr"/>
+          <a:lstStyle/>
+          <a:p>
+            <a:pPr algn="ctr"/>
+            <a:endParaRPr lang="ko-KR" altLang="en-US" dirty="0"/>
+          </a:p>
+        </p:txBody>
+      </p:sp>
+      <p:sp>
+        <p:nvSpPr>
+          <p:cNvPr id="16" name="제목 1"/>
+          <p:cNvSpPr txBox="1">
+            <a:spLocks/>
+          </p:cNvSpPr>
+          <p:nvPr/>
+        </p:nvSpPr>
+        <p:spPr>
+          <a:xfrm>
+            <a:off x="251520" y="116632"/>
+            <a:ext cx="648072" cy="864096"/>
+          </a:xfrm>
+          <a:prstGeom prst="rect">
+            <a:avLst/>
+          </a:prstGeom>
+        </p:spPr>
+        <p:txBody>
+          <a:bodyPr vert="horz" lIns="91440" tIns="45720" rIns="91440" bIns="45720" rtlCol="0" anchor="ctr">
+            <a:normAutofit/>
+          </a:bodyPr>
+          <a:lstStyle/>
+          <a:p>
+            <a:pPr marL="0" marR="0" lvl="0" indent="0" algn="l" defTabSz="914400" rtl="0" eaLnBrk="1" fontAlgn="auto" latinLnBrk="1" hangingPunct="1">
+              <a:lnSpc>
+                <a:spcPct val="100000"/>
+              </a:lnSpc>
+              <a:spcBef>
+                <a:spcPct val="0"/>
+              </a:spcBef>
+              <a:spcAft>
+                <a:spcPts val="0"/>
+              </a:spcAft>
+              <a:buClrTx/>
+              <a:buSzTx/>
+              <a:buFontTx/>
+              <a:buNone/>
+              <a:tabLst/>
+              <a:defRPr/>
+            </a:pPr>
+            <a:endParaRPr kumimoji="0" lang="ko-KR" altLang="en-US" sz="2100" b="0" i="0" u="none" strike="noStrike" kern="1200" cap="none" spc="0" normalizeH="0" baseline="0" noProof="0" dirty="0">
+              <a:ln>
+                <a:noFill/>
+              </a:ln>
+              <a:solidFill>
+                <a:schemeClr val="bg1"/>
+              </a:solidFill>
+              <a:effectLst/>
+              <a:uLnTx/>
+              <a:uFillTx/>
+              <a:latin typeface="나눔명조" pitchFamily="18" charset="-127"/>
+              <a:ea typeface="나눔명조" pitchFamily="18" charset="-127"/>
+              <a:cs typeface="+mj-cs"/>
+            </a:endParaRPr>
+          </a:p>
+        </p:txBody>
+      </p:sp>
+      <p:sp>
+        <p:nvSpPr>
+          <p:cNvPr id="17" name="제목 1"/>
+          <p:cNvSpPr txBox="1">
+            <a:spLocks/>
+          </p:cNvSpPr>
+          <p:nvPr/>
+        </p:nvSpPr>
+        <p:spPr>
+          <a:xfrm>
+            <a:off x="755576" y="332656"/>
+            <a:ext cx="4104456" cy="495376"/>
+          </a:xfrm>
+          <a:prstGeom prst="rect">
+            <a:avLst/>
+          </a:prstGeom>
+        </p:spPr>
+        <p:txBody>
+          <a:bodyPr vert="horz" lIns="91440" tIns="45720" rIns="91440" bIns="45720" rtlCol="0" anchor="t">
+            <a:normAutofit/>
+          </a:bodyPr>
+          <a:lstStyle/>
+          <a:p>
+            <a:pPr lvl="0">
+              <a:spcBef>
+                <a:spcPct val="0"/>
+              </a:spcBef>
+            </a:pPr>
+            <a:r>
+              <a:rPr lang="ko-KR" altLang="en-US" sz="2100" dirty="0" err="1">
+                <a:solidFill>
+                  <a:schemeClr val="bg1"/>
+                </a:solidFill>
+                <a:latin typeface="나눔명조" pitchFamily="18" charset="-127"/>
+                <a:ea typeface="나눔명조" pitchFamily="18" charset="-127"/>
+                <a:cs typeface="+mj-cs"/>
+              </a:rPr>
+              <a:t>인터액션</a:t>
+            </a:r>
+            <a:r>
+              <a:rPr lang="ko-KR" altLang="en-US" sz="2100" dirty="0">
+                <a:solidFill>
+                  <a:schemeClr val="bg1"/>
+                </a:solidFill>
+                <a:latin typeface="나눔명조" pitchFamily="18" charset="-127"/>
+                <a:ea typeface="나눔명조" pitchFamily="18" charset="-127"/>
+                <a:cs typeface="+mj-cs"/>
+              </a:rPr>
+              <a:t> 다이어그램</a:t>
+            </a:r>
+            <a:endParaRPr kumimoji="0" lang="ko-KR" altLang="en-US" sz="2100" i="0" u="none" strike="noStrike" kern="1200" cap="none" spc="0" normalizeH="0" baseline="0" noProof="0" dirty="0">
+              <a:ln>
+                <a:noFill/>
+              </a:ln>
+              <a:solidFill>
+                <a:schemeClr val="bg1"/>
+              </a:solidFill>
+              <a:effectLst/>
+              <a:uLnTx/>
+              <a:uFillTx/>
+              <a:latin typeface="나눔명조" pitchFamily="18" charset="-127"/>
+              <a:ea typeface="나눔명조" pitchFamily="18" charset="-127"/>
+              <a:cs typeface="+mj-cs"/>
+            </a:endParaRPr>
+          </a:p>
+        </p:txBody>
+      </p:sp>
+      <p:cxnSp>
+        <p:nvCxnSpPr>
+          <p:cNvPr id="18" name="직선 연결선 17"/>
+          <p:cNvCxnSpPr/>
+          <p:nvPr/>
+        </p:nvCxnSpPr>
+        <p:spPr>
+          <a:xfrm rot="5400000">
+            <a:off x="558000" y="540000"/>
+            <a:ext cx="216024" cy="0"/>
+          </a:xfrm>
+          <a:prstGeom prst="line">
+            <a:avLst/>
+          </a:prstGeom>
+          <a:ln w="3175">
+            <a:solidFill>
+              <a:schemeClr val="bg1"/>
+            </a:solidFill>
+          </a:ln>
+        </p:spPr>
+        <p:style>
+          <a:lnRef idx="1">
+            <a:schemeClr val="accent1"/>
+          </a:lnRef>
+          <a:fillRef idx="0">
+            <a:schemeClr val="accent1"/>
+          </a:fillRef>
+          <a:effectRef idx="0">
+            <a:schemeClr val="accent1"/>
+          </a:effectRef>
+          <a:fontRef idx="minor">
+            <a:schemeClr val="tx1"/>
+          </a:fontRef>
+        </p:style>
+      </p:cxnSp>
+      <p:sp>
+        <p:nvSpPr>
+          <p:cNvPr id="2" name="부제목 1">
+            <a:extLst>
+              <a:ext uri="{FF2B5EF4-FFF2-40B4-BE49-F238E27FC236}">
+                <a16:creationId xmlns:a16="http://schemas.microsoft.com/office/drawing/2014/main" id="{2870BB06-B5F8-40CA-AA73-CFDC6655B6A0}"/>
+              </a:ext>
+            </a:extLst>
+          </p:cNvPr>
+          <p:cNvSpPr>
+            <a:spLocks noGrp="1"/>
+          </p:cNvSpPr>
+          <p:nvPr>
+            <p:ph type="subTitle" idx="1"/>
+          </p:nvPr>
+        </p:nvSpPr>
+        <p:spPr/>
+        <p:txBody>
+          <a:bodyPr/>
+          <a:lstStyle/>
+          <a:p>
+            <a:endParaRPr lang="ko-KR" altLang="en-US"/>
+          </a:p>
+        </p:txBody>
+      </p:sp>
+      <p:sp>
+        <p:nvSpPr>
+          <p:cNvPr id="3" name="Rectangle 2">
+            <a:extLst>
+              <a:ext uri="{FF2B5EF4-FFF2-40B4-BE49-F238E27FC236}">
+                <a16:creationId xmlns:a16="http://schemas.microsoft.com/office/drawing/2014/main" id="{92EA2A47-4CFA-46AB-856B-6256A1EB6015}"/>
+              </a:ext>
+            </a:extLst>
+          </p:cNvPr>
+          <p:cNvSpPr>
+            <a:spLocks noChangeArrowheads="1"/>
+          </p:cNvSpPr>
+          <p:nvPr/>
+        </p:nvSpPr>
+        <p:spPr bwMode="auto">
+          <a:xfrm>
+            <a:off x="526256" y="558874"/>
+            <a:ext cx="9144000" cy="457200"/>
+          </a:xfrm>
+          <a:prstGeom prst="rect">
+            <a:avLst/>
+          </a:prstGeom>
+          <a:noFill/>
+          <a:ln>
+            <a:noFill/>
+          </a:ln>
+          <a:effectLst/>
+          <a:extLst>
+            <a:ext uri="{909E8E84-426E-40DD-AFC4-6F175D3DCCD1}">
+              <a14:hiddenFill xmlns:a14="http://schemas.microsoft.com/office/drawing/2010/main">
+                <a:solidFill>
+                  <a:schemeClr val="accent1"/>
+                </a:solidFill>
+              </a14:hiddenFill>
+            </a:ext>
+            <a:ext uri="{91240B29-F687-4F45-9708-019B960494DF}">
+              <a14:hiddenLine xmlns:a14="http://schemas.microsoft.com/office/drawing/2010/main" w="9525">
+                <a:solidFill>
+                  <a:schemeClr val="tx1"/>
+                </a:solidFill>
+                <a:miter lim="800000"/>
+                <a:headEnd/>
+                <a:tailEnd/>
+              </a14:hiddenLine>
+            </a:ext>
+            <a:ext uri="{AF507438-7753-43E0-B8FC-AC1667EBCBE1}">
+              <a14:hiddenEffects xmlns:a14="http://schemas.microsoft.com/office/drawing/2010/main">
+                <a:effectLst>
+                  <a:outerShdw dist="35921" dir="2700000" algn="ctr" rotWithShape="0">
+                    <a:schemeClr val="bg2"/>
+                  </a:outerShdw>
+                </a:effectLst>
+              </a14:hiddenEffects>
+            </a:ext>
+          </a:extLst>
+        </p:spPr>
+        <p:txBody>
+          <a:bodyPr vert="horz" wrap="none" lIns="91440" tIns="45720" rIns="91440" bIns="45720" numCol="1" anchor="ctr" anchorCtr="0" compatLnSpc="1">
+            <a:prstTxWarp prst="textNoShape">
+              <a:avLst/>
+            </a:prstTxWarp>
+            <a:spAutoFit/>
+          </a:bodyPr>
+          <a:lstStyle/>
+          <a:p>
+            <a:endParaRPr lang="ko-KR" altLang="en-US"/>
+          </a:p>
+        </p:txBody>
+      </p:sp>
       <p:sp>
         <p:nvSpPr>
           <p:cNvPr id="12" name="부제목 2">
@@ -3863,8 +4003,8 @@
         </p:nvSpPr>
         <p:spPr>
           <a:xfrm>
-            <a:off x="-108520" y="714542"/>
-            <a:ext cx="2448271" cy="432544"/>
+            <a:off x="103320" y="705781"/>
+            <a:ext cx="4176461" cy="432544"/>
           </a:xfrm>
           <a:prstGeom prst="rect">
             <a:avLst/>
@@ -4043,29 +4183,294 @@
                 <a:latin typeface="나눔고딕" pitchFamily="50" charset="-127"/>
                 <a:ea typeface="나눔고딕" pitchFamily="50" charset="-127"/>
               </a:rPr>
-              <a:t>Client Component</a:t>
+              <a:t>Sequence Diagram(</a:t>
             </a:r>
-          </a:p>
-          <a:p>
-            <a:pPr>
+            <a:r>
+              <a:rPr lang="ko-KR" altLang="en-US" sz="1800" spc="-20" dirty="0">
+                <a:solidFill>
+                  <a:schemeClr val="bg1"/>
+                </a:solidFill>
+                <a:latin typeface="나눔고딕" pitchFamily="50" charset="-127"/>
+                <a:ea typeface="나눔고딕" pitchFamily="50" charset="-127"/>
+              </a:rPr>
+              <a:t>여행 경로 최적화</a:t>
+            </a:r>
+            <a:r>
+              <a:rPr lang="en-US" altLang="ko-KR" sz="1800" spc="-20" dirty="0">
+                <a:solidFill>
+                  <a:schemeClr val="bg1"/>
+                </a:solidFill>
+                <a:latin typeface="나눔고딕" pitchFamily="50" charset="-127"/>
+                <a:ea typeface="나눔고딕" pitchFamily="50" charset="-127"/>
+              </a:rPr>
+              <a:t>)</a:t>
+            </a:r>
+          </a:p>
+        </p:txBody>
+      </p:sp>
+      <p:sp>
+        <p:nvSpPr>
+          <p:cNvPr id="10" name="제목 1">
+            <a:extLst>
+              <a:ext uri="{FF2B5EF4-FFF2-40B4-BE49-F238E27FC236}">
+                <a16:creationId xmlns:a16="http://schemas.microsoft.com/office/drawing/2014/main" id="{44125AAD-5F96-475C-9D43-1FFA47721357}"/>
+              </a:ext>
+            </a:extLst>
+          </p:cNvPr>
+          <p:cNvSpPr txBox="1">
+            <a:spLocks/>
+          </p:cNvSpPr>
+          <p:nvPr/>
+        </p:nvSpPr>
+        <p:spPr>
+          <a:xfrm>
+            <a:off x="251520" y="126826"/>
+            <a:ext cx="648072" cy="864096"/>
+          </a:xfrm>
+          <a:prstGeom prst="rect">
+            <a:avLst/>
+          </a:prstGeom>
+        </p:spPr>
+        <p:txBody>
+          <a:bodyPr vert="horz" lIns="91440" tIns="45720" rIns="91440" bIns="45720" rtlCol="0" anchor="ctr">
+            <a:normAutofit/>
+          </a:bodyPr>
+          <a:lstStyle/>
+          <a:p>
+            <a:pPr marL="0" marR="0" lvl="0" indent="0" algn="l" defTabSz="914400" rtl="0" eaLnBrk="1" fontAlgn="auto" latinLnBrk="1" hangingPunct="1">
               <a:lnSpc>
-                <a:spcPct val="150000"/>
+                <a:spcPct val="100000"/>
               </a:lnSpc>
+              <a:spcBef>
+                <a:spcPct val="0"/>
+              </a:spcBef>
+              <a:spcAft>
+                <a:spcPts val="0"/>
+              </a:spcAft>
+              <a:buClrTx/>
+              <a:buSzTx/>
+              <a:buFontTx/>
+              <a:buNone/>
+              <a:tabLst/>
+              <a:defRPr/>
             </a:pPr>
-            <a:endParaRPr lang="en-US" altLang="ko-KR" sz="1800" spc="-20" dirty="0">
+            <a:r>
+              <a:rPr lang="en-US" altLang="ko-KR" sz="2100" spc="-150" dirty="0">
+                <a:solidFill>
+                  <a:schemeClr val="bg1"/>
+                </a:solidFill>
+                <a:latin typeface="나눔명조" pitchFamily="18" charset="-127"/>
+                <a:ea typeface="나눔명조" pitchFamily="18" charset="-127"/>
+                <a:cs typeface="+mj-cs"/>
+              </a:rPr>
+              <a:t>7</a:t>
+            </a:r>
+            <a:endParaRPr kumimoji="0" lang="ko-KR" altLang="en-US" sz="2100" b="0" i="0" u="none" strike="noStrike" kern="1200" cap="none" spc="0" normalizeH="0" baseline="0" noProof="0" dirty="0">
+              <a:ln>
+                <a:noFill/>
+              </a:ln>
               <a:solidFill>
                 <a:schemeClr val="bg1"/>
               </a:solidFill>
-              <a:latin typeface="나눔고딕" pitchFamily="50" charset="-127"/>
-              <a:ea typeface="나눔고딕" pitchFamily="50" charset="-127"/>
+              <a:effectLst/>
+              <a:uLnTx/>
+              <a:uFillTx/>
+              <a:latin typeface="나눔명조" pitchFamily="18" charset="-127"/>
+              <a:ea typeface="나눔명조" pitchFamily="18" charset="-127"/>
+              <a:cs typeface="+mj-cs"/>
             </a:endParaRPr>
           </a:p>
         </p:txBody>
       </p:sp>
+      <p:sp>
+        <p:nvSpPr>
+          <p:cNvPr id="7" name="Rectangle 4">
+            <a:extLst>
+              <a:ext uri="{FF2B5EF4-FFF2-40B4-BE49-F238E27FC236}">
+                <a16:creationId xmlns:a16="http://schemas.microsoft.com/office/drawing/2014/main" id="{E3A6ACFC-3830-4039-B3F2-0A6B20BE51D6}"/>
+              </a:ext>
+            </a:extLst>
+          </p:cNvPr>
+          <p:cNvSpPr>
+            <a:spLocks noChangeArrowheads="1"/>
+          </p:cNvSpPr>
+          <p:nvPr/>
+        </p:nvSpPr>
+        <p:spPr bwMode="auto">
+          <a:xfrm>
+            <a:off x="0" y="0"/>
+            <a:ext cx="9144000" cy="457200"/>
+          </a:xfrm>
+          <a:prstGeom prst="rect">
+            <a:avLst/>
+          </a:prstGeom>
+          <a:noFill/>
+          <a:ln>
+            <a:noFill/>
+          </a:ln>
+          <a:effectLst/>
+          <a:extLst>
+            <a:ext uri="{909E8E84-426E-40DD-AFC4-6F175D3DCCD1}">
+              <a14:hiddenFill xmlns:a14="http://schemas.microsoft.com/office/drawing/2010/main">
+                <a:solidFill>
+                  <a:schemeClr val="accent1"/>
+                </a:solidFill>
+              </a14:hiddenFill>
+            </a:ext>
+            <a:ext uri="{91240B29-F687-4F45-9708-019B960494DF}">
+              <a14:hiddenLine xmlns:a14="http://schemas.microsoft.com/office/drawing/2010/main" w="9525">
+                <a:solidFill>
+                  <a:schemeClr val="tx1"/>
+                </a:solidFill>
+                <a:miter lim="800000"/>
+                <a:headEnd/>
+                <a:tailEnd/>
+              </a14:hiddenLine>
+            </a:ext>
+            <a:ext uri="{AF507438-7753-43E0-B8FC-AC1667EBCBE1}">
+              <a14:hiddenEffects xmlns:a14="http://schemas.microsoft.com/office/drawing/2010/main">
+                <a:effectLst>
+                  <a:outerShdw dist="35921" dir="2700000" algn="ctr" rotWithShape="0">
+                    <a:schemeClr val="bg2"/>
+                  </a:outerShdw>
+                </a:effectLst>
+              </a14:hiddenEffects>
+            </a:ext>
+          </a:extLst>
+        </p:spPr>
+        <p:txBody>
+          <a:bodyPr vert="horz" wrap="none" lIns="91440" tIns="45720" rIns="91440" bIns="45720" numCol="1" anchor="ctr" anchorCtr="0" compatLnSpc="1">
+            <a:prstTxWarp prst="textNoShape">
+              <a:avLst/>
+            </a:prstTxWarp>
+            <a:spAutoFit/>
+          </a:bodyPr>
+          <a:lstStyle/>
+          <a:p>
+            <a:endParaRPr lang="ko-KR" altLang="en-US"/>
+          </a:p>
+        </p:txBody>
+      </p:sp>
+      <p:sp>
+        <p:nvSpPr>
+          <p:cNvPr id="4" name="Rectangle 2">
+            <a:extLst>
+              <a:ext uri="{FF2B5EF4-FFF2-40B4-BE49-F238E27FC236}">
+                <a16:creationId xmlns:a16="http://schemas.microsoft.com/office/drawing/2014/main" id="{8CBE3C22-5FDF-442F-9A31-A78397A7DFB3}"/>
+              </a:ext>
+            </a:extLst>
+          </p:cNvPr>
+          <p:cNvSpPr>
+            <a:spLocks noChangeArrowheads="1"/>
+          </p:cNvSpPr>
+          <p:nvPr/>
+        </p:nvSpPr>
+        <p:spPr bwMode="auto">
+          <a:xfrm>
+            <a:off x="0" y="0"/>
+            <a:ext cx="9144000" cy="457200"/>
+          </a:xfrm>
+          <a:prstGeom prst="rect">
+            <a:avLst/>
+          </a:prstGeom>
+          <a:noFill/>
+          <a:ln>
+            <a:noFill/>
+          </a:ln>
+          <a:effectLst/>
+          <a:extLst>
+            <a:ext uri="{909E8E84-426E-40DD-AFC4-6F175D3DCCD1}">
+              <a14:hiddenFill xmlns:a14="http://schemas.microsoft.com/office/drawing/2010/main">
+                <a:solidFill>
+                  <a:schemeClr val="accent1"/>
+                </a:solidFill>
+              </a14:hiddenFill>
+            </a:ext>
+            <a:ext uri="{91240B29-F687-4F45-9708-019B960494DF}">
+              <a14:hiddenLine xmlns:a14="http://schemas.microsoft.com/office/drawing/2010/main" w="9525">
+                <a:solidFill>
+                  <a:schemeClr val="tx1"/>
+                </a:solidFill>
+                <a:miter lim="800000"/>
+                <a:headEnd/>
+                <a:tailEnd/>
+              </a14:hiddenLine>
+            </a:ext>
+            <a:ext uri="{AF507438-7753-43E0-B8FC-AC1667EBCBE1}">
+              <a14:hiddenEffects xmlns:a14="http://schemas.microsoft.com/office/drawing/2010/main">
+                <a:effectLst>
+                  <a:outerShdw dist="35921" dir="2700000" algn="ctr" rotWithShape="0">
+                    <a:schemeClr val="bg2"/>
+                  </a:outerShdw>
+                </a:effectLst>
+              </a14:hiddenEffects>
+            </a:ext>
+          </a:extLst>
+        </p:spPr>
+        <p:txBody>
+          <a:bodyPr vert="horz" wrap="none" lIns="91440" tIns="45720" rIns="91440" bIns="45720" numCol="1" anchor="ctr" anchorCtr="0" compatLnSpc="1">
+            <a:prstTxWarp prst="textNoShape">
+              <a:avLst/>
+            </a:prstTxWarp>
+            <a:spAutoFit/>
+          </a:bodyPr>
+          <a:lstStyle/>
+          <a:p>
+            <a:endParaRPr lang="ko-KR" altLang="en-US"/>
+          </a:p>
+        </p:txBody>
+      </p:sp>
+      <p:pic>
+        <p:nvPicPr>
+          <p:cNvPr id="2049" name="_x242417520" descr="EMB000011346d75">
+            <a:extLst>
+              <a:ext uri="{FF2B5EF4-FFF2-40B4-BE49-F238E27FC236}">
+                <a16:creationId xmlns:a16="http://schemas.microsoft.com/office/drawing/2014/main" id="{B85DFEE1-0172-42A2-A873-34C52B19615C}"/>
+              </a:ext>
+            </a:extLst>
+          </p:cNvPr>
+          <p:cNvPicPr>
+            <a:picLocks noChangeAspect="1" noChangeArrowheads="1"/>
+          </p:cNvPicPr>
+          <p:nvPr/>
+        </p:nvPicPr>
+        <p:blipFill>
+          <a:blip r:embed="rId2">
+            <a:extLst>
+              <a:ext uri="{28A0092B-C50C-407E-A947-70E740481C1C}">
+                <a14:useLocalDpi xmlns:a14="http://schemas.microsoft.com/office/drawing/2010/main" val="0"/>
+              </a:ext>
+            </a:extLst>
+          </a:blip>
+          <a:srcRect/>
+          <a:stretch>
+            <a:fillRect/>
+          </a:stretch>
+        </p:blipFill>
+        <p:spPr bwMode="auto">
+          <a:xfrm>
+            <a:off x="323528" y="1251328"/>
+            <a:ext cx="8496944" cy="5274016"/>
+          </a:xfrm>
+          <a:prstGeom prst="rect">
+            <a:avLst/>
+          </a:prstGeom>
+          <a:noFill/>
+          <a:extLst>
+            <a:ext uri="{909E8E84-426E-40DD-AFC4-6F175D3DCCD1}">
+              <a14:hiddenFill xmlns:a14="http://schemas.microsoft.com/office/drawing/2010/main">
+                <a:solidFill>
+                  <a:srgbClr val="FFFFFF"/>
+                </a:solidFill>
+              </a14:hiddenFill>
+            </a:ext>
+          </a:extLst>
+        </p:spPr>
+      </p:pic>
     </p:spTree>
     <p:extLst>
       <p:ext uri="{BB962C8B-B14F-4D97-AF65-F5344CB8AC3E}">
-        <p14:creationId xmlns:p14="http://schemas.microsoft.com/office/powerpoint/2010/main" val="963815179"/>
+        <p14:creationId xmlns:p14="http://schemas.microsoft.com/office/powerpoint/2010/main" val="2323821838"/>
       </p:ext>
     </p:extLst>
   </p:cSld>
@@ -4094,13 +4499,19 @@
       </p:grpSpPr>
       <p:sp>
         <p:nvSpPr>
-          <p:cNvPr id="5" name="직사각형 4"/>
+          <p:cNvPr id="38" name="직사각형 37">
+            <a:extLst>
+              <a:ext uri="{FF2B5EF4-FFF2-40B4-BE49-F238E27FC236}">
+                <a16:creationId xmlns:a16="http://schemas.microsoft.com/office/drawing/2014/main" id="{6C4CFECC-8077-48B3-85DC-88704A06BA4E}"/>
+              </a:ext>
+            </a:extLst>
+          </p:cNvPr>
           <p:cNvSpPr/>
           <p:nvPr/>
         </p:nvSpPr>
         <p:spPr>
           <a:xfrm>
-            <a:off x="126000" y="106693"/>
+            <a:off x="126000" y="150607"/>
             <a:ext cx="8892000" cy="6615368"/>
           </a:xfrm>
           <a:prstGeom prst="rect">
@@ -4150,7 +4561,7 @@
         </p:nvSpPr>
         <p:spPr>
           <a:xfrm>
-            <a:off x="251520" y="116632"/>
+            <a:off x="323528" y="225115"/>
             <a:ext cx="648072" cy="864096"/>
           </a:xfrm>
           <a:prstGeom prst="rect">
@@ -4189,7 +4600,7 @@
                 <a:ea typeface="나눔명조" pitchFamily="18" charset="-127"/>
                 <a:cs typeface="+mj-cs"/>
               </a:rPr>
-              <a:t>6</a:t>
+              <a:t>8</a:t>
             </a:r>
             <a:endParaRPr kumimoji="0" lang="ko-KR" altLang="en-US" sz="2100" b="0" i="0" u="none" strike="noStrike" kern="1200" cap="none" spc="0" normalizeH="0" baseline="0" noProof="0" dirty="0">
               <a:ln>
@@ -4218,8 +4629,8 @@
         </p:nvSpPr>
         <p:spPr>
           <a:xfrm>
-            <a:off x="755576" y="332656"/>
-            <a:ext cx="4104456" cy="495376"/>
+            <a:off x="827584" y="441139"/>
+            <a:ext cx="4104456" cy="1152128"/>
           </a:xfrm>
           <a:prstGeom prst="rect">
             <a:avLst/>
@@ -4237,15 +4648,21 @@
               </a:spcBef>
             </a:pPr>
             <a:r>
-              <a:rPr lang="ko-KR" altLang="en-US" sz="2100">
+              <a:rPr kumimoji="0" lang="en-US" altLang="ko-KR" sz="2100" i="0" u="none" strike="noStrike" kern="1200" cap="none" spc="0" normalizeH="0" baseline="0" noProof="0" dirty="0">
+                <a:ln>
+                  <a:noFill/>
+                </a:ln>
                 <a:solidFill>
                   <a:schemeClr val="bg1"/>
                 </a:solidFill>
+                <a:effectLst/>
+                <a:uLnTx/>
+                <a:uFillTx/>
                 <a:latin typeface="나눔명조" pitchFamily="18" charset="-127"/>
                 <a:ea typeface="나눔명조" pitchFamily="18" charset="-127"/>
                 <a:cs typeface="+mj-cs"/>
               </a:rPr>
-              <a:t>컴포넌트 다이어그램</a:t>
+              <a:t>Q&amp;A</a:t>
             </a:r>
             <a:endParaRPr kumimoji="0" lang="ko-KR" altLang="en-US" sz="2100" i="0" u="none" strike="noStrike" kern="1200" cap="none" spc="0" normalizeH="0" baseline="0" noProof="0" dirty="0">
               <a:ln>
@@ -4272,7 +4689,7 @@
         </p:nvCxnSpPr>
         <p:spPr>
           <a:xfrm rot="5400000">
-            <a:off x="558000" y="540000"/>
+            <a:off x="630008" y="648483"/>
             <a:ext cx="216024" cy="0"/>
           </a:xfrm>
           <a:prstGeom prst="line">
@@ -4301,339 +4718,59 @@
       </p:cxnSp>
       <p:sp>
         <p:nvSpPr>
-          <p:cNvPr id="2" name="부제목 1">
+          <p:cNvPr id="34" name="TextBox 33">
             <a:extLst>
               <a:ext uri="{FF2B5EF4-FFF2-40B4-BE49-F238E27FC236}">
-                <a16:creationId xmlns:a16="http://schemas.microsoft.com/office/drawing/2014/main" id="{2870BB06-B5F8-40CA-AA73-CFDC6655B6A0}"/>
+                <a16:creationId xmlns:a16="http://schemas.microsoft.com/office/drawing/2014/main" id="{41D6FB6E-2A89-43BA-B9CE-A4E2213D3BCD}"/>
               </a:ext>
             </a:extLst>
           </p:cNvPr>
-          <p:cNvSpPr>
-            <a:spLocks noGrp="1"/>
-          </p:cNvSpPr>
-          <p:nvPr>
-            <p:ph type="subTitle" idx="1"/>
-          </p:nvPr>
-        </p:nvSpPr>
-        <p:spPr/>
-        <p:txBody>
-          <a:bodyPr/>
-          <a:lstStyle/>
-          <a:p>
-            <a:endParaRPr lang="ko-KR" altLang="en-US"/>
-          </a:p>
-        </p:txBody>
-      </p:sp>
-      <p:sp>
-        <p:nvSpPr>
-          <p:cNvPr id="3" name="Rectangle 2">
-            <a:extLst>
-              <a:ext uri="{FF2B5EF4-FFF2-40B4-BE49-F238E27FC236}">
-                <a16:creationId xmlns:a16="http://schemas.microsoft.com/office/drawing/2014/main" id="{92EA2A47-4CFA-46AB-856B-6256A1EB6015}"/>
-              </a:ext>
-            </a:extLst>
-          </p:cNvPr>
-          <p:cNvSpPr>
-            <a:spLocks noChangeArrowheads="1"/>
-          </p:cNvSpPr>
+          <p:cNvSpPr txBox="1"/>
           <p:nvPr/>
         </p:nvSpPr>
-        <p:spPr bwMode="auto">
-          <a:xfrm>
-            <a:off x="526256" y="558874"/>
-            <a:ext cx="9144000" cy="457200"/>
+        <p:spPr>
+          <a:xfrm>
+            <a:off x="2474437" y="2236710"/>
+            <a:ext cx="5328592" cy="1862048"/>
           </a:xfrm>
           <a:prstGeom prst="rect">
             <a:avLst/>
           </a:prstGeom>
           <a:noFill/>
-          <a:ln>
-            <a:noFill/>
-          </a:ln>
-          <a:effectLst/>
-          <a:extLst>
-            <a:ext uri="{909E8E84-426E-40DD-AFC4-6F175D3DCCD1}">
-              <a14:hiddenFill xmlns:a14="http://schemas.microsoft.com/office/drawing/2010/main">
-                <a:solidFill>
-                  <a:schemeClr val="accent1"/>
-                </a:solidFill>
-              </a14:hiddenFill>
-            </a:ext>
-            <a:ext uri="{91240B29-F687-4F45-9708-019B960494DF}">
-              <a14:hiddenLine xmlns:a14="http://schemas.microsoft.com/office/drawing/2010/main" w="9525">
-                <a:solidFill>
-                  <a:schemeClr val="tx1"/>
-                </a:solidFill>
-                <a:miter lim="800000"/>
-                <a:headEnd/>
-                <a:tailEnd/>
-              </a14:hiddenLine>
-            </a:ext>
-            <a:ext uri="{AF507438-7753-43E0-B8FC-AC1667EBCBE1}">
-              <a14:hiddenEffects xmlns:a14="http://schemas.microsoft.com/office/drawing/2010/main">
-                <a:effectLst>
-                  <a:outerShdw dist="35921" dir="2700000" algn="ctr" rotWithShape="0">
-                    <a:schemeClr val="bg2"/>
-                  </a:outerShdw>
-                </a:effectLst>
-              </a14:hiddenEffects>
-            </a:ext>
-          </a:extLst>
-        </p:spPr>
-        <p:txBody>
-          <a:bodyPr vert="horz" wrap="none" lIns="91440" tIns="45720" rIns="91440" bIns="45720" numCol="1" anchor="ctr" anchorCtr="0" compatLnSpc="1">
-            <a:prstTxWarp prst="textNoShape">
-              <a:avLst/>
-            </a:prstTxWarp>
+          <a:effectLst>
+            <a:glow>
+              <a:schemeClr val="accent2">
+                <a:satMod val="175000"/>
+              </a:schemeClr>
+            </a:glow>
+            <a:outerShdw sx="1000" sy="1000" algn="ctr" rotWithShape="0">
+              <a:srgbClr val="000000"/>
+            </a:outerShdw>
+            <a:reflection blurRad="50800" stA="94000" endPos="51000" dir="5400000" sy="-100000" algn="bl" rotWithShape="0"/>
+          </a:effectLst>
+        </p:spPr>
+        <p:txBody>
+          <a:bodyPr wrap="square" rtlCol="0">
             <a:spAutoFit/>
           </a:bodyPr>
           <a:lstStyle/>
           <a:p>
-            <a:endParaRPr lang="ko-KR" altLang="en-US"/>
-          </a:p>
-        </p:txBody>
-      </p:sp>
-      <p:pic>
-        <p:nvPicPr>
-          <p:cNvPr id="4" name="그림 3">
-            <a:extLst>
-              <a:ext uri="{FF2B5EF4-FFF2-40B4-BE49-F238E27FC236}">
-                <a16:creationId xmlns:a16="http://schemas.microsoft.com/office/drawing/2014/main" id="{2EABDF66-859D-472E-9133-64F156DB9771}"/>
-              </a:ext>
-            </a:extLst>
-          </p:cNvPr>
-          <p:cNvPicPr>
-            <a:picLocks noChangeAspect="1"/>
-          </p:cNvPicPr>
-          <p:nvPr/>
-        </p:nvPicPr>
-        <p:blipFill>
-          <a:blip r:embed="rId2"/>
-          <a:stretch>
-            <a:fillRect/>
-          </a:stretch>
-        </p:blipFill>
-        <p:spPr>
-          <a:xfrm>
-            <a:off x="171450" y="1251702"/>
-            <a:ext cx="8801100" cy="4533900"/>
-          </a:xfrm>
-          <a:prstGeom prst="rect">
-            <a:avLst/>
-          </a:prstGeom>
-        </p:spPr>
-      </p:pic>
-      <p:sp>
-        <p:nvSpPr>
-          <p:cNvPr id="12" name="부제목 2">
-            <a:extLst>
-              <a:ext uri="{FF2B5EF4-FFF2-40B4-BE49-F238E27FC236}">
-                <a16:creationId xmlns:a16="http://schemas.microsoft.com/office/drawing/2014/main" id="{1ED58265-8868-4EB8-BEF0-3FB7D1EA5343}"/>
-              </a:ext>
-            </a:extLst>
-          </p:cNvPr>
-          <p:cNvSpPr txBox="1">
-            <a:spLocks/>
-          </p:cNvSpPr>
-          <p:nvPr/>
-        </p:nvSpPr>
-        <p:spPr>
-          <a:xfrm>
-            <a:off x="-108520" y="714542"/>
-            <a:ext cx="2448271" cy="432544"/>
-          </a:xfrm>
-          <a:prstGeom prst="rect">
-            <a:avLst/>
-          </a:prstGeom>
-        </p:spPr>
-        <p:txBody>
-          <a:bodyPr vert="horz" lIns="91440" tIns="45720" rIns="91440" bIns="45720" rtlCol="0">
-            <a:noAutofit/>
-          </a:bodyPr>
-          <a:lstStyle>
-            <a:lvl1pPr marL="0" indent="0" algn="ctr" defTabSz="914400" rtl="0" eaLnBrk="1" latinLnBrk="1" hangingPunct="1">
-              <a:spcBef>
-                <a:spcPct val="20000"/>
-              </a:spcBef>
-              <a:buFont typeface="Arial" pitchFamily="34" charset="0"/>
-              <a:buNone/>
-              <a:defRPr sz="3200" kern="1200">
-                <a:solidFill>
-                  <a:schemeClr val="tx1">
-                    <a:tint val="75000"/>
-                  </a:schemeClr>
-                </a:solidFill>
-                <a:latin typeface="+mn-lt"/>
-                <a:ea typeface="+mn-ea"/>
-                <a:cs typeface="+mn-cs"/>
-              </a:defRPr>
-            </a:lvl1pPr>
-            <a:lvl2pPr marL="457200" indent="0" algn="ctr" defTabSz="914400" rtl="0" eaLnBrk="1" latinLnBrk="1" hangingPunct="1">
-              <a:spcBef>
-                <a:spcPct val="20000"/>
-              </a:spcBef>
-              <a:buFont typeface="Arial" pitchFamily="34" charset="0"/>
-              <a:buNone/>
-              <a:defRPr sz="2800" kern="1200">
-                <a:solidFill>
-                  <a:schemeClr val="tx1">
-                    <a:tint val="75000"/>
-                  </a:schemeClr>
-                </a:solidFill>
-                <a:latin typeface="+mn-lt"/>
-                <a:ea typeface="+mn-ea"/>
-                <a:cs typeface="+mn-cs"/>
-              </a:defRPr>
-            </a:lvl2pPr>
-            <a:lvl3pPr marL="914400" indent="0" algn="ctr" defTabSz="914400" rtl="0" eaLnBrk="1" latinLnBrk="1" hangingPunct="1">
-              <a:spcBef>
-                <a:spcPct val="20000"/>
-              </a:spcBef>
-              <a:buFont typeface="Arial" pitchFamily="34" charset="0"/>
-              <a:buNone/>
-              <a:defRPr sz="2400" kern="1200">
-                <a:solidFill>
-                  <a:schemeClr val="tx1">
-                    <a:tint val="75000"/>
-                  </a:schemeClr>
-                </a:solidFill>
-                <a:latin typeface="+mn-lt"/>
-                <a:ea typeface="+mn-ea"/>
-                <a:cs typeface="+mn-cs"/>
-              </a:defRPr>
-            </a:lvl3pPr>
-            <a:lvl4pPr marL="1371600" indent="0" algn="ctr" defTabSz="914400" rtl="0" eaLnBrk="1" latinLnBrk="1" hangingPunct="1">
-              <a:spcBef>
-                <a:spcPct val="20000"/>
-              </a:spcBef>
-              <a:buFont typeface="Arial" pitchFamily="34" charset="0"/>
-              <a:buNone/>
-              <a:defRPr sz="2000" kern="1200">
-                <a:solidFill>
-                  <a:schemeClr val="tx1">
-                    <a:tint val="75000"/>
-                  </a:schemeClr>
-                </a:solidFill>
-                <a:latin typeface="+mn-lt"/>
-                <a:ea typeface="+mn-ea"/>
-                <a:cs typeface="+mn-cs"/>
-              </a:defRPr>
-            </a:lvl4pPr>
-            <a:lvl5pPr marL="1828800" indent="0" algn="ctr" defTabSz="914400" rtl="0" eaLnBrk="1" latinLnBrk="1" hangingPunct="1">
-              <a:spcBef>
-                <a:spcPct val="20000"/>
-              </a:spcBef>
-              <a:buFont typeface="Arial" pitchFamily="34" charset="0"/>
-              <a:buNone/>
-              <a:defRPr sz="2000" kern="1200">
-                <a:solidFill>
-                  <a:schemeClr val="tx1">
-                    <a:tint val="75000"/>
-                  </a:schemeClr>
-                </a:solidFill>
-                <a:latin typeface="+mn-lt"/>
-                <a:ea typeface="+mn-ea"/>
-                <a:cs typeface="+mn-cs"/>
-              </a:defRPr>
-            </a:lvl5pPr>
-            <a:lvl6pPr marL="2286000" indent="0" algn="ctr" defTabSz="914400" rtl="0" eaLnBrk="1" latinLnBrk="1" hangingPunct="1">
-              <a:spcBef>
-                <a:spcPct val="20000"/>
-              </a:spcBef>
-              <a:buFont typeface="Arial" pitchFamily="34" charset="0"/>
-              <a:buNone/>
-              <a:defRPr sz="2000" kern="1200">
-                <a:solidFill>
-                  <a:schemeClr val="tx1">
-                    <a:tint val="75000"/>
-                  </a:schemeClr>
-                </a:solidFill>
-                <a:latin typeface="+mn-lt"/>
-                <a:ea typeface="+mn-ea"/>
-                <a:cs typeface="+mn-cs"/>
-              </a:defRPr>
-            </a:lvl6pPr>
-            <a:lvl7pPr marL="2743200" indent="0" algn="ctr" defTabSz="914400" rtl="0" eaLnBrk="1" latinLnBrk="1" hangingPunct="1">
-              <a:spcBef>
-                <a:spcPct val="20000"/>
-              </a:spcBef>
-              <a:buFont typeface="Arial" pitchFamily="34" charset="0"/>
-              <a:buNone/>
-              <a:defRPr sz="2000" kern="1200">
-                <a:solidFill>
-                  <a:schemeClr val="tx1">
-                    <a:tint val="75000"/>
-                  </a:schemeClr>
-                </a:solidFill>
-                <a:latin typeface="+mn-lt"/>
-                <a:ea typeface="+mn-ea"/>
-                <a:cs typeface="+mn-cs"/>
-              </a:defRPr>
-            </a:lvl7pPr>
-            <a:lvl8pPr marL="3200400" indent="0" algn="ctr" defTabSz="914400" rtl="0" eaLnBrk="1" latinLnBrk="1" hangingPunct="1">
-              <a:spcBef>
-                <a:spcPct val="20000"/>
-              </a:spcBef>
-              <a:buFont typeface="Arial" pitchFamily="34" charset="0"/>
-              <a:buNone/>
-              <a:defRPr sz="2000" kern="1200">
-                <a:solidFill>
-                  <a:schemeClr val="tx1">
-                    <a:tint val="75000"/>
-                  </a:schemeClr>
-                </a:solidFill>
-                <a:latin typeface="+mn-lt"/>
-                <a:ea typeface="+mn-ea"/>
-                <a:cs typeface="+mn-cs"/>
-              </a:defRPr>
-            </a:lvl8pPr>
-            <a:lvl9pPr marL="3657600" indent="0" algn="ctr" defTabSz="914400" rtl="0" eaLnBrk="1" latinLnBrk="1" hangingPunct="1">
-              <a:spcBef>
-                <a:spcPct val="20000"/>
-              </a:spcBef>
-              <a:buFont typeface="Arial" pitchFamily="34" charset="0"/>
-              <a:buNone/>
-              <a:defRPr sz="2000" kern="1200">
-                <a:solidFill>
-                  <a:schemeClr val="tx1">
-                    <a:tint val="75000"/>
-                  </a:schemeClr>
-                </a:solidFill>
-                <a:latin typeface="+mn-lt"/>
-                <a:ea typeface="+mn-ea"/>
-                <a:cs typeface="+mn-cs"/>
-              </a:defRPr>
-            </a:lvl9pPr>
-          </a:lstStyle>
-          <a:p>
-            <a:pPr>
-              <a:lnSpc>
-                <a:spcPct val="150000"/>
-              </a:lnSpc>
-            </a:pPr>
             <a:r>
-              <a:rPr lang="en-US" altLang="ko-KR" sz="1800" spc="-20" dirty="0">
+              <a:rPr lang="en-US" altLang="ko-KR" sz="11500" dirty="0">
                 <a:solidFill>
                   <a:schemeClr val="bg1"/>
                 </a:solidFill>
-                <a:latin typeface="나눔고딕" pitchFamily="50" charset="-127"/>
-                <a:ea typeface="나눔고딕" pitchFamily="50" charset="-127"/>
+                <a:latin typeface="나눔명조" panose="020B0600000101010101" charset="-127"/>
+                <a:ea typeface="나눔명조" panose="020B0600000101010101" charset="-127"/>
               </a:rPr>
-              <a:t>Client Component</a:t>
+              <a:t>Q&amp;A</a:t>
             </a:r>
-          </a:p>
-          <a:p>
-            <a:pPr>
-              <a:lnSpc>
-                <a:spcPct val="150000"/>
-              </a:lnSpc>
-            </a:pPr>
-            <a:endParaRPr lang="en-US" altLang="ko-KR" sz="1800" spc="-20" dirty="0">
+            <a:endParaRPr lang="ko-KR" altLang="en-US" sz="11500" dirty="0">
               <a:solidFill>
                 <a:schemeClr val="bg1"/>
               </a:solidFill>
-              <a:latin typeface="나눔고딕" pitchFamily="50" charset="-127"/>
-              <a:ea typeface="나눔고딕" pitchFamily="50" charset="-127"/>
+              <a:latin typeface="나눔명조" panose="020B0600000101010101" charset="-127"/>
+              <a:ea typeface="나눔명조" panose="020B0600000101010101" charset="-127"/>
             </a:endParaRPr>
           </a:p>
         </p:txBody>
@@ -4641,7 +4778,7 @@
     </p:spTree>
     <p:extLst>
       <p:ext uri="{BB962C8B-B14F-4D97-AF65-F5344CB8AC3E}">
-        <p14:creationId xmlns:p14="http://schemas.microsoft.com/office/powerpoint/2010/main" val="3405046168"/>
+        <p14:creationId xmlns:p14="http://schemas.microsoft.com/office/powerpoint/2010/main" val="3166716761"/>
       </p:ext>
     </p:extLst>
   </p:cSld>
@@ -4670,320 +4807,6 @@
       </p:grpSpPr>
       <p:sp>
         <p:nvSpPr>
-          <p:cNvPr id="38" name="직사각형 37">
-            <a:extLst>
-              <a:ext uri="{FF2B5EF4-FFF2-40B4-BE49-F238E27FC236}">
-                <a16:creationId xmlns:a16="http://schemas.microsoft.com/office/drawing/2014/main" id="{6C4CFECC-8077-48B3-85DC-88704A06BA4E}"/>
-              </a:ext>
-            </a:extLst>
-          </p:cNvPr>
-          <p:cNvSpPr/>
-          <p:nvPr/>
-        </p:nvSpPr>
-        <p:spPr>
-          <a:xfrm>
-            <a:off x="126000" y="150607"/>
-            <a:ext cx="8892000" cy="6615368"/>
-          </a:xfrm>
-          <a:prstGeom prst="rect">
-            <a:avLst/>
-          </a:prstGeom>
-          <a:solidFill>
-            <a:schemeClr val="tx2">
-              <a:lumMod val="50000"/>
-            </a:schemeClr>
-          </a:solidFill>
-          <a:ln>
-            <a:noFill/>
-          </a:ln>
-        </p:spPr>
-        <p:style>
-          <a:lnRef idx="2">
-            <a:schemeClr val="accent1">
-              <a:shade val="50000"/>
-            </a:schemeClr>
-          </a:lnRef>
-          <a:fillRef idx="1">
-            <a:schemeClr val="accent1"/>
-          </a:fillRef>
-          <a:effectRef idx="0">
-            <a:schemeClr val="accent1"/>
-          </a:effectRef>
-          <a:fontRef idx="minor">
-            <a:schemeClr val="lt1"/>
-          </a:fontRef>
-        </p:style>
-        <p:txBody>
-          <a:bodyPr rtlCol="0" anchor="ctr"/>
-          <a:lstStyle/>
-          <a:p>
-            <a:pPr algn="ctr"/>
-            <a:endParaRPr lang="ko-KR" altLang="en-US" dirty="0"/>
-          </a:p>
-        </p:txBody>
-      </p:sp>
-      <p:sp>
-        <p:nvSpPr>
-          <p:cNvPr id="16" name="제목 1"/>
-          <p:cNvSpPr txBox="1">
-            <a:spLocks/>
-          </p:cNvSpPr>
-          <p:nvPr/>
-        </p:nvSpPr>
-        <p:spPr>
-          <a:xfrm>
-            <a:off x="323528" y="225115"/>
-            <a:ext cx="648072" cy="864096"/>
-          </a:xfrm>
-          <a:prstGeom prst="rect">
-            <a:avLst/>
-          </a:prstGeom>
-        </p:spPr>
-        <p:txBody>
-          <a:bodyPr vert="horz" lIns="91440" tIns="45720" rIns="91440" bIns="45720" rtlCol="0" anchor="ctr">
-            <a:normAutofit/>
-          </a:bodyPr>
-          <a:lstStyle/>
-          <a:p>
-            <a:pPr marL="0" marR="0" lvl="0" indent="0" algn="l" defTabSz="914400" rtl="0" eaLnBrk="1" fontAlgn="auto" latinLnBrk="1" hangingPunct="1">
-              <a:lnSpc>
-                <a:spcPct val="100000"/>
-              </a:lnSpc>
-              <a:spcBef>
-                <a:spcPct val="0"/>
-              </a:spcBef>
-              <a:spcAft>
-                <a:spcPts val="0"/>
-              </a:spcAft>
-              <a:buClrTx/>
-              <a:buSzTx/>
-              <a:buFontTx/>
-              <a:buNone/>
-              <a:tabLst/>
-              <a:defRPr/>
-            </a:pPr>
-            <a:r>
-              <a:rPr kumimoji="0" lang="en-US" altLang="ko-KR" sz="2100" b="0" i="0" u="none" strike="noStrike" kern="1200" cap="none" spc="-150" normalizeH="0" baseline="0" noProof="0" dirty="0">
-                <a:ln>
-                  <a:noFill/>
-                </a:ln>
-                <a:solidFill>
-                  <a:schemeClr val="bg1"/>
-                </a:solidFill>
-                <a:effectLst/>
-                <a:uLnTx/>
-                <a:uFillTx/>
-                <a:latin typeface="나눔명조" pitchFamily="18" charset="-127"/>
-                <a:ea typeface="나눔명조" pitchFamily="18" charset="-127"/>
-                <a:cs typeface="+mj-cs"/>
-              </a:rPr>
-              <a:t>6</a:t>
-            </a:r>
-            <a:endParaRPr kumimoji="0" lang="ko-KR" altLang="en-US" sz="2100" b="0" i="0" u="none" strike="noStrike" kern="1200" cap="none" spc="0" normalizeH="0" baseline="0" noProof="0" dirty="0">
-              <a:ln>
-                <a:noFill/>
-              </a:ln>
-              <a:solidFill>
-                <a:schemeClr val="bg1"/>
-              </a:solidFill>
-              <a:effectLst/>
-              <a:uLnTx/>
-              <a:uFillTx/>
-              <a:latin typeface="나눔명조" pitchFamily="18" charset="-127"/>
-              <a:ea typeface="나눔명조" pitchFamily="18" charset="-127"/>
-              <a:cs typeface="+mj-cs"/>
-            </a:endParaRPr>
-          </a:p>
-        </p:txBody>
-      </p:sp>
-      <p:sp>
-        <p:nvSpPr>
-          <p:cNvPr id="17" name="제목 1"/>
-          <p:cNvSpPr txBox="1">
-            <a:spLocks/>
-          </p:cNvSpPr>
-          <p:nvPr/>
-        </p:nvSpPr>
-        <p:spPr>
-          <a:xfrm>
-            <a:off x="827584" y="441139"/>
-            <a:ext cx="4104456" cy="1152128"/>
-          </a:xfrm>
-          <a:prstGeom prst="rect">
-            <a:avLst/>
-          </a:prstGeom>
-        </p:spPr>
-        <p:txBody>
-          <a:bodyPr vert="horz" lIns="91440" tIns="45720" rIns="91440" bIns="45720" rtlCol="0" anchor="t">
-            <a:normAutofit/>
-          </a:bodyPr>
-          <a:lstStyle/>
-          <a:p>
-            <a:pPr lvl="0">
-              <a:spcBef>
-                <a:spcPct val="0"/>
-              </a:spcBef>
-            </a:pPr>
-            <a:r>
-              <a:rPr kumimoji="0" lang="en-US" altLang="ko-KR" sz="2100" i="0" u="none" strike="noStrike" kern="1200" cap="none" spc="0" normalizeH="0" baseline="0" noProof="0" dirty="0">
-                <a:ln>
-                  <a:noFill/>
-                </a:ln>
-                <a:solidFill>
-                  <a:schemeClr val="bg1"/>
-                </a:solidFill>
-                <a:effectLst/>
-                <a:uLnTx/>
-                <a:uFillTx/>
-                <a:latin typeface="나눔명조" pitchFamily="18" charset="-127"/>
-                <a:ea typeface="나눔명조" pitchFamily="18" charset="-127"/>
-                <a:cs typeface="+mj-cs"/>
-              </a:rPr>
-              <a:t>Q&amp;A</a:t>
-            </a:r>
-            <a:endParaRPr kumimoji="0" lang="ko-KR" altLang="en-US" sz="2100" i="0" u="none" strike="noStrike" kern="1200" cap="none" spc="0" normalizeH="0" baseline="0" noProof="0" dirty="0">
-              <a:ln>
-                <a:noFill/>
-              </a:ln>
-              <a:solidFill>
-                <a:schemeClr val="bg1"/>
-              </a:solidFill>
-              <a:effectLst/>
-              <a:uLnTx/>
-              <a:uFillTx/>
-              <a:latin typeface="나눔명조" pitchFamily="18" charset="-127"/>
-              <a:ea typeface="나눔명조" pitchFamily="18" charset="-127"/>
-              <a:cs typeface="+mj-cs"/>
-            </a:endParaRPr>
-          </a:p>
-        </p:txBody>
-      </p:sp>
-      <p:cxnSp>
-        <p:nvCxnSpPr>
-          <p:cNvPr id="18" name="직선 연결선 17"/>
-          <p:cNvCxnSpPr/>
-          <p:nvPr/>
-        </p:nvCxnSpPr>
-        <p:spPr>
-          <a:xfrm rot="5400000">
-            <a:off x="630008" y="648483"/>
-            <a:ext cx="216024" cy="0"/>
-          </a:xfrm>
-          <a:prstGeom prst="line">
-            <a:avLst/>
-          </a:prstGeom>
-          <a:ln w="3175">
-            <a:solidFill>
-              <a:schemeClr val="bg1"/>
-            </a:solidFill>
-          </a:ln>
-        </p:spPr>
-        <p:style>
-          <a:lnRef idx="1">
-            <a:schemeClr val="accent1"/>
-          </a:lnRef>
-          <a:fillRef idx="0">
-            <a:schemeClr val="accent1"/>
-          </a:fillRef>
-          <a:effectRef idx="0">
-            <a:schemeClr val="accent1"/>
-          </a:effectRef>
-          <a:fontRef idx="minor">
-            <a:schemeClr val="tx1"/>
-          </a:fontRef>
-        </p:style>
-      </p:cxnSp>
-      <p:sp>
-        <p:nvSpPr>
-          <p:cNvPr id="34" name="TextBox 33">
-            <a:extLst>
-              <a:ext uri="{FF2B5EF4-FFF2-40B4-BE49-F238E27FC236}">
-                <a16:creationId xmlns:a16="http://schemas.microsoft.com/office/drawing/2014/main" id="{41D6FB6E-2A89-43BA-B9CE-A4E2213D3BCD}"/>
-              </a:ext>
-            </a:extLst>
-          </p:cNvPr>
-          <p:cNvSpPr txBox="1"/>
-          <p:nvPr/>
-        </p:nvSpPr>
-        <p:spPr>
-          <a:xfrm>
-            <a:off x="2474437" y="2236710"/>
-            <a:ext cx="5328592" cy="1862048"/>
-          </a:xfrm>
-          <a:prstGeom prst="rect">
-            <a:avLst/>
-          </a:prstGeom>
-          <a:noFill/>
-          <a:effectLst>
-            <a:glow>
-              <a:schemeClr val="accent2">
-                <a:satMod val="175000"/>
-              </a:schemeClr>
-            </a:glow>
-            <a:outerShdw sx="1000" sy="1000" algn="ctr" rotWithShape="0">
-              <a:srgbClr val="000000"/>
-            </a:outerShdw>
-            <a:reflection blurRad="50800" stA="94000" endPos="51000" dir="5400000" sy="-100000" algn="bl" rotWithShape="0"/>
-          </a:effectLst>
-        </p:spPr>
-        <p:txBody>
-          <a:bodyPr wrap="square" rtlCol="0">
-            <a:spAutoFit/>
-          </a:bodyPr>
-          <a:lstStyle/>
-          <a:p>
-            <a:r>
-              <a:rPr lang="en-US" altLang="ko-KR" sz="11500" dirty="0">
-                <a:solidFill>
-                  <a:schemeClr val="bg1"/>
-                </a:solidFill>
-                <a:latin typeface="나눔명조" panose="020B0600000101010101" charset="-127"/>
-                <a:ea typeface="나눔명조" panose="020B0600000101010101" charset="-127"/>
-              </a:rPr>
-              <a:t>Q&amp;A</a:t>
-            </a:r>
-            <a:endParaRPr lang="ko-KR" altLang="en-US" sz="11500" dirty="0">
-              <a:solidFill>
-                <a:schemeClr val="bg1"/>
-              </a:solidFill>
-              <a:latin typeface="나눔명조" panose="020B0600000101010101" charset="-127"/>
-              <a:ea typeface="나눔명조" panose="020B0600000101010101" charset="-127"/>
-            </a:endParaRPr>
-          </a:p>
-        </p:txBody>
-      </p:sp>
-    </p:spTree>
-    <p:extLst>
-      <p:ext uri="{BB962C8B-B14F-4D97-AF65-F5344CB8AC3E}">
-        <p14:creationId xmlns:p14="http://schemas.microsoft.com/office/powerpoint/2010/main" val="3166716761"/>
-      </p:ext>
-    </p:extLst>
-  </p:cSld>
-  <p:clrMapOvr>
-    <a:masterClrMapping/>
-  </p:clrMapOvr>
-</p:sld>
-</file>
-
-<file path=ppt/slides/slide15.xml><?xml version="1.0" encoding="utf-8"?>
-<p:sld xmlns:a="http://schemas.openxmlformats.org/drawingml/2006/main" xmlns:r="http://schemas.openxmlformats.org/officeDocument/2006/relationships" xmlns:p="http://schemas.openxmlformats.org/presentationml/2006/main">
-  <p:cSld>
-    <p:spTree>
-      <p:nvGrpSpPr>
-        <p:cNvPr id="1" name=""/>
-        <p:cNvGrpSpPr/>
-        <p:nvPr/>
-      </p:nvGrpSpPr>
-      <p:grpSpPr>
-        <a:xfrm>
-          <a:off x="0" y="0"/>
-          <a:ext cx="0" cy="0"/>
-          <a:chOff x="0" y="0"/>
-          <a:chExt cx="0" cy="0"/>
-        </a:xfrm>
-      </p:grpSpPr>
-      <p:sp>
-        <p:nvSpPr>
           <p:cNvPr id="4" name="직사각형 3"/>
           <p:cNvSpPr/>
           <p:nvPr/>
@@ -5658,8 +5481,8 @@
         </p:nvSpPr>
         <p:spPr>
           <a:xfrm>
-            <a:off x="4999383" y="4425974"/>
-            <a:ext cx="3528392" cy="360040"/>
+            <a:off x="4999382" y="4425974"/>
+            <a:ext cx="3749081" cy="360040"/>
           </a:xfrm>
           <a:prstGeom prst="rect">
             <a:avLst/>
@@ -5691,7 +5514,39 @@
                 <a:latin typeface="나눔명조" pitchFamily="18" charset="-127"/>
                 <a:ea typeface="나눔명조" pitchFamily="18" charset="-127"/>
               </a:rPr>
-              <a:t>07  / </a:t>
+              <a:t>07  </a:t>
+            </a:r>
+            <a:r>
+              <a:rPr kumimoji="0" lang="en-US" altLang="ko-KR" sz="2400" b="1" i="0" u="none" strike="noStrike" kern="1200" cap="none" spc="-20" normalizeH="0" baseline="0" noProof="0">
+                <a:ln>
+                  <a:noFill/>
+                </a:ln>
+                <a:solidFill>
+                  <a:schemeClr val="bg1"/>
+                </a:solidFill>
+                <a:effectLst/>
+                <a:uLnTx/>
+                <a:uFillTx/>
+                <a:latin typeface="나눔명조" pitchFamily="18" charset="-127"/>
+                <a:ea typeface="나눔명조" pitchFamily="18" charset="-127"/>
+              </a:rPr>
+              <a:t>/ </a:t>
+            </a:r>
+            <a:r>
+              <a:rPr kumimoji="0" lang="ko-KR" altLang="en-US" sz="2400" b="1" i="0" u="none" strike="noStrike" kern="1200" cap="none" spc="-20" normalizeH="0" baseline="0" noProof="0" dirty="0" err="1">
+                <a:ln>
+                  <a:noFill/>
+                </a:ln>
+                <a:solidFill>
+                  <a:schemeClr val="bg1"/>
+                </a:solidFill>
+                <a:effectLst/>
+                <a:uLnTx/>
+                <a:uFillTx/>
+                <a:latin typeface="나눔명조" pitchFamily="18" charset="-127"/>
+                <a:ea typeface="나눔명조" pitchFamily="18" charset="-127"/>
+              </a:rPr>
+              <a:t>인터액션</a:t>
             </a:r>
             <a:r>
               <a:rPr kumimoji="0" lang="ko-KR" altLang="en-US" sz="2400" b="1" i="0" u="none" strike="noStrike" kern="1200" cap="none" spc="-20" normalizeH="0" baseline="0" noProof="0" dirty="0">
@@ -5707,7 +5562,7 @@
                 <a:latin typeface="나눔명조" pitchFamily="18" charset="-127"/>
                 <a:ea typeface="나눔명조" pitchFamily="18" charset="-127"/>
               </a:rPr>
-              <a:t>시퀀스 다이어그램</a:t>
+              <a:t> 다이어그램</a:t>
             </a:r>
             <a:endParaRPr kumimoji="0" lang="en-US" altLang="ko-KR" sz="2400" b="1" i="0" u="none" strike="noStrike" kern="1200" cap="none" spc="-20" normalizeH="0" baseline="0" noProof="0" dirty="0">
               <a:ln>
@@ -7102,49 +6957,32 @@
       </p:sp>
       <p:pic>
         <p:nvPicPr>
-          <p:cNvPr id="2049" name="_x224753800" descr="EMB000036406ec0">
+          <p:cNvPr id="2" name="그림 1">
             <a:extLst>
               <a:ext uri="{FF2B5EF4-FFF2-40B4-BE49-F238E27FC236}">
-                <a16:creationId xmlns:a16="http://schemas.microsoft.com/office/drawing/2014/main" id="{098BE6E1-71BF-4B71-BD0A-4B9D314AA98F}"/>
+                <a16:creationId xmlns:a16="http://schemas.microsoft.com/office/drawing/2014/main" id="{18A8E2E0-EFE7-4F73-873B-E6A42ABB849E}"/>
               </a:ext>
             </a:extLst>
           </p:cNvPr>
           <p:cNvPicPr>
-            <a:picLocks noChangeAspect="1" noChangeArrowheads="1"/>
+            <a:picLocks noChangeAspect="1"/>
           </p:cNvPicPr>
           <p:nvPr/>
         </p:nvPicPr>
         <p:blipFill>
-          <a:blip r:embed="rId2">
-            <a:extLst>
-              <a:ext uri="{28A0092B-C50C-407E-A947-70E740481C1C}">
-                <a14:useLocalDpi xmlns:a14="http://schemas.microsoft.com/office/drawing/2010/main" val="0"/>
-              </a:ext>
-            </a:extLst>
-          </a:blip>
-          <a:srcRect/>
+          <a:blip r:embed="rId2"/>
           <a:stretch>
             <a:fillRect/>
           </a:stretch>
         </p:blipFill>
-        <p:spPr bwMode="auto">
-          <a:xfrm>
-            <a:off x="666012" y="976025"/>
-            <a:ext cx="7722412" cy="5261287"/>
+        <p:spPr>
+          <a:xfrm>
+            <a:off x="238923" y="772556"/>
+            <a:ext cx="8653557" cy="5752788"/>
           </a:xfrm>
           <a:prstGeom prst="rect">
             <a:avLst/>
           </a:prstGeom>
-          <a:noFill/>
-          <a:extLst>
-            <a:ext uri="{909E8E84-426E-40DD-AFC4-6F175D3DCCD1}">
-              <a14:hiddenFill xmlns:a14="http://schemas.microsoft.com/office/drawing/2010/main">
-                <a:solidFill>
-                  <a:srgbClr val="FFFFFF"/>
-                </a:solidFill>
-              </a14:hiddenFill>
-            </a:ext>
-          </a:extLst>
         </p:spPr>
       </p:pic>
     </p:spTree>
